--- a/doc/ZIT.pptx
+++ b/doc/ZIT.pptx
@@ -5,29 +5,32 @@
     <p:sldMasterId id="2147483648" r:id="rId1"/>
   </p:sldMasterIdLst>
   <p:notesMasterIdLst>
-    <p:notesMasterId r:id="rId22"/>
+    <p:notesMasterId r:id="rId25"/>
   </p:notesMasterIdLst>
   <p:sldIdLst>
     <p:sldId id="256" r:id="rId2"/>
     <p:sldId id="262" r:id="rId3"/>
     <p:sldId id="263" r:id="rId4"/>
-    <p:sldId id="257" r:id="rId5"/>
-    <p:sldId id="258" r:id="rId6"/>
-    <p:sldId id="272" r:id="rId7"/>
-    <p:sldId id="261" r:id="rId8"/>
-    <p:sldId id="264" r:id="rId9"/>
+    <p:sldId id="276" r:id="rId5"/>
+    <p:sldId id="257" r:id="rId6"/>
+    <p:sldId id="277" r:id="rId7"/>
+    <p:sldId id="258" r:id="rId8"/>
+    <p:sldId id="272" r:id="rId9"/>
     <p:sldId id="275" r:id="rId10"/>
-    <p:sldId id="259" r:id="rId11"/>
-    <p:sldId id="265" r:id="rId12"/>
-    <p:sldId id="269" r:id="rId13"/>
-    <p:sldId id="270" r:id="rId14"/>
-    <p:sldId id="274" r:id="rId15"/>
-    <p:sldId id="273" r:id="rId16"/>
-    <p:sldId id="271" r:id="rId17"/>
-    <p:sldId id="260" r:id="rId18"/>
-    <p:sldId id="266" r:id="rId19"/>
-    <p:sldId id="267" r:id="rId20"/>
-    <p:sldId id="268" r:id="rId21"/>
+    <p:sldId id="261" r:id="rId11"/>
+    <p:sldId id="264" r:id="rId12"/>
+    <p:sldId id="278" r:id="rId13"/>
+    <p:sldId id="259" r:id="rId14"/>
+    <p:sldId id="269" r:id="rId15"/>
+    <p:sldId id="270" r:id="rId16"/>
+    <p:sldId id="273" r:id="rId17"/>
+    <p:sldId id="271" r:id="rId18"/>
+    <p:sldId id="274" r:id="rId19"/>
+    <p:sldId id="260" r:id="rId20"/>
+    <p:sldId id="266" r:id="rId21"/>
+    <p:sldId id="267" r:id="rId22"/>
+    <p:sldId id="268" r:id="rId23"/>
+    <p:sldId id="265" r:id="rId24"/>
   </p:sldIdLst>
   <p:sldSz cx="12192000" cy="6858000"/>
   <p:notesSz cx="6858000" cy="9144000"/>
@@ -216,7 +219,7 @@
           <a:p>
             <a:fld id="{B64C1F30-B894-43DA-9538-46A599CE77E0}" type="datetimeFigureOut">
               <a:rPr lang="zh-CN" altLang="en-US" smtClean="0"/>
-              <a:t>2021/3/10</a:t>
+              <a:t>2021/3/13</a:t>
             </a:fld>
             <a:endParaRPr lang="zh-CN" altLang="en-US"/>
           </a:p>
@@ -549,7 +552,7 @@
           <a:p>
             <a:fld id="{6E4E30CA-000E-4DDB-8C14-F1A076AF0B38}" type="slidenum">
               <a:rPr lang="zh-CN" altLang="en-US" smtClean="0"/>
-              <a:t>20</a:t>
+              <a:t>22</a:t>
             </a:fld>
             <a:endParaRPr lang="zh-CN" altLang="en-US"/>
           </a:p>
@@ -699,7 +702,7 @@
           <a:p>
             <a:fld id="{1C634D08-9EA2-4265-89DA-98C92364A971}" type="datetimeFigureOut">
               <a:rPr lang="zh-CN" altLang="en-US" smtClean="0"/>
-              <a:t>2021/3/10</a:t>
+              <a:t>2021/3/13</a:t>
             </a:fld>
             <a:endParaRPr lang="zh-CN" altLang="en-US"/>
           </a:p>
@@ -869,7 +872,7 @@
           <a:p>
             <a:fld id="{1C634D08-9EA2-4265-89DA-98C92364A971}" type="datetimeFigureOut">
               <a:rPr lang="zh-CN" altLang="en-US" smtClean="0"/>
-              <a:t>2021/3/10</a:t>
+              <a:t>2021/3/13</a:t>
             </a:fld>
             <a:endParaRPr lang="zh-CN" altLang="en-US"/>
           </a:p>
@@ -1049,7 +1052,7 @@
           <a:p>
             <a:fld id="{1C634D08-9EA2-4265-89DA-98C92364A971}" type="datetimeFigureOut">
               <a:rPr lang="zh-CN" altLang="en-US" smtClean="0"/>
-              <a:t>2021/3/10</a:t>
+              <a:t>2021/3/13</a:t>
             </a:fld>
             <a:endParaRPr lang="zh-CN" altLang="en-US"/>
           </a:p>
@@ -1219,7 +1222,7 @@
           <a:p>
             <a:fld id="{1C634D08-9EA2-4265-89DA-98C92364A971}" type="datetimeFigureOut">
               <a:rPr lang="zh-CN" altLang="en-US" smtClean="0"/>
-              <a:t>2021/3/10</a:t>
+              <a:t>2021/3/13</a:t>
             </a:fld>
             <a:endParaRPr lang="zh-CN" altLang="en-US"/>
           </a:p>
@@ -1465,7 +1468,7 @@
           <a:p>
             <a:fld id="{1C634D08-9EA2-4265-89DA-98C92364A971}" type="datetimeFigureOut">
               <a:rPr lang="zh-CN" altLang="en-US" smtClean="0"/>
-              <a:t>2021/3/10</a:t>
+              <a:t>2021/3/13</a:t>
             </a:fld>
             <a:endParaRPr lang="zh-CN" altLang="en-US"/>
           </a:p>
@@ -1697,7 +1700,7 @@
           <a:p>
             <a:fld id="{1C634D08-9EA2-4265-89DA-98C92364A971}" type="datetimeFigureOut">
               <a:rPr lang="zh-CN" altLang="en-US" smtClean="0"/>
-              <a:t>2021/3/10</a:t>
+              <a:t>2021/3/13</a:t>
             </a:fld>
             <a:endParaRPr lang="zh-CN" altLang="en-US"/>
           </a:p>
@@ -2064,7 +2067,7 @@
           <a:p>
             <a:fld id="{1C634D08-9EA2-4265-89DA-98C92364A971}" type="datetimeFigureOut">
               <a:rPr lang="zh-CN" altLang="en-US" smtClean="0"/>
-              <a:t>2021/3/10</a:t>
+              <a:t>2021/3/13</a:t>
             </a:fld>
             <a:endParaRPr lang="zh-CN" altLang="en-US"/>
           </a:p>
@@ -2182,7 +2185,7 @@
           <a:p>
             <a:fld id="{1C634D08-9EA2-4265-89DA-98C92364A971}" type="datetimeFigureOut">
               <a:rPr lang="zh-CN" altLang="en-US" smtClean="0"/>
-              <a:t>2021/3/10</a:t>
+              <a:t>2021/3/13</a:t>
             </a:fld>
             <a:endParaRPr lang="zh-CN" altLang="en-US"/>
           </a:p>
@@ -2277,7 +2280,7 @@
           <a:p>
             <a:fld id="{1C634D08-9EA2-4265-89DA-98C92364A971}" type="datetimeFigureOut">
               <a:rPr lang="zh-CN" altLang="en-US" smtClean="0"/>
-              <a:t>2021/3/10</a:t>
+              <a:t>2021/3/13</a:t>
             </a:fld>
             <a:endParaRPr lang="zh-CN" altLang="en-US"/>
           </a:p>
@@ -2554,7 +2557,7 @@
           <a:p>
             <a:fld id="{1C634D08-9EA2-4265-89DA-98C92364A971}" type="datetimeFigureOut">
               <a:rPr lang="zh-CN" altLang="en-US" smtClean="0"/>
-              <a:t>2021/3/10</a:t>
+              <a:t>2021/3/13</a:t>
             </a:fld>
             <a:endParaRPr lang="zh-CN" altLang="en-US"/>
           </a:p>
@@ -2807,7 +2810,7 @@
           <a:p>
             <a:fld id="{1C634D08-9EA2-4265-89DA-98C92364A971}" type="datetimeFigureOut">
               <a:rPr lang="zh-CN" altLang="en-US" smtClean="0"/>
-              <a:t>2021/3/10</a:t>
+              <a:t>2021/3/13</a:t>
             </a:fld>
             <a:endParaRPr lang="zh-CN" altLang="en-US"/>
           </a:p>
@@ -3020,7 +3023,7 @@
           <a:p>
             <a:fld id="{1C634D08-9EA2-4265-89DA-98C92364A971}" type="datetimeFigureOut">
               <a:rPr lang="zh-CN" altLang="en-US" smtClean="0"/>
-              <a:t>2021/3/10</a:t>
+              <a:t>2021/3/13</a:t>
             </a:fld>
             <a:endParaRPr lang="zh-CN" altLang="en-US"/>
           </a:p>
@@ -3447,11 +3450,7 @@
           <a:p>
             <a:r>
               <a:rPr lang="en-US" altLang="zh-CN" b="1" dirty="0" smtClean="0"/>
-              <a:t>Implement </a:t>
-            </a:r>
-            <a:r>
-              <a:rPr lang="en-US" altLang="zh-CN" b="1" dirty="0" err="1" smtClean="0"/>
-              <a:t>Git</a:t>
+              <a:t>Implement Git</a:t>
             </a:r>
             <a:endParaRPr lang="zh-CN" altLang="en-US" b="1" dirty="0"/>
           </a:p>
@@ -3535,6 +3534,13 @@
   <p:clrMapOvr>
     <a:masterClrMapping/>
   </p:clrMapOvr>
+  <p:timing>
+    <p:tnLst>
+      <p:par>
+        <p:cTn id="1" dur="indefinite" restart="never" nodeType="tmRoot"/>
+      </p:par>
+    </p:tnLst>
+  </p:timing>
 </p:sld>
 </file>
 
@@ -3557,43 +3563,7 @@
       </p:grpSpPr>
       <p:sp>
         <p:nvSpPr>
-          <p:cNvPr id="2" name="标题 1"/>
-          <p:cNvSpPr>
-            <a:spLocks noGrp="1"/>
-          </p:cNvSpPr>
-          <p:nvPr>
-            <p:ph type="title"/>
-          </p:nvPr>
-        </p:nvSpPr>
-        <p:spPr>
-          <a:xfrm>
-            <a:off x="212034" y="0"/>
-            <a:ext cx="10515600" cy="1325563"/>
-          </a:xfrm>
-        </p:spPr>
-        <p:txBody>
-          <a:bodyPr/>
-          <a:lstStyle/>
-          <a:p>
-            <a:r>
-              <a:rPr lang="en-US" altLang="zh-CN" dirty="0"/>
-              <a:t>Diff </a:t>
-            </a:r>
-            <a:r>
-              <a:rPr lang="zh-CN" altLang="en-US" dirty="0" smtClean="0"/>
-              <a:t>定义：</a:t>
-            </a:r>
-            <a:r>
-              <a:rPr lang="en-US" altLang="zh-CN" dirty="0" smtClean="0"/>
-              <a:t>Short Edit Scripts</a:t>
-            </a:r>
-            <a:endParaRPr lang="en-US" altLang="zh-CN" dirty="0"/>
-          </a:p>
-        </p:txBody>
-      </p:sp>
-      <p:sp>
-        <p:nvSpPr>
-          <p:cNvPr id="5" name="内容占位符 2"/>
+          <p:cNvPr id="3" name="内容占位符 2"/>
           <p:cNvSpPr>
             <a:spLocks noGrp="1"/>
           </p:cNvSpPr>
@@ -3603,8 +3573,8 @@
         </p:nvSpPr>
         <p:spPr>
           <a:xfrm>
-            <a:off x="390938" y="1633676"/>
-            <a:ext cx="11188149" cy="5075237"/>
+            <a:off x="270555" y="128477"/>
+            <a:ext cx="11616645" cy="6387825"/>
           </a:xfrm>
         </p:spPr>
         <p:txBody>
@@ -3614,29 +3584,19 @@
           <a:lstStyle/>
           <a:p>
             <a:pPr lvl="1"/>
-            <a:r>
-              <a:rPr lang="zh-CN" altLang="en-US" dirty="0" smtClean="0"/>
-              <a:t>定义 </a:t>
-            </a:r>
-            <a:r>
-              <a:rPr lang="en-US" altLang="zh-CN" dirty="0" smtClean="0"/>
-              <a:t>A B </a:t>
-            </a:r>
-            <a:r>
-              <a:rPr lang="zh-CN" altLang="en-US" dirty="0" smtClean="0"/>
-              <a:t>两个文本</a:t>
-            </a:r>
-            <a:endParaRPr lang="en-US" altLang="zh-CN" dirty="0" smtClean="0"/>
+            <a:endParaRPr lang="en-US" altLang="zh-CN" dirty="0"/>
+          </a:p>
+          <a:p>
+            <a:r>
+              <a:rPr lang="en-US" altLang="zh-CN" dirty="0" smtClean="0"/>
+              <a:t>Git commit</a:t>
+            </a:r>
           </a:p>
           <a:p>
             <a:pPr lvl="1"/>
             <a:r>
-              <a:rPr lang="zh-CN" altLang="en-US" dirty="0" smtClean="0"/>
-              <a:t>直接目标</a:t>
-            </a:r>
-            <a:r>
-              <a:rPr lang="en-US" altLang="zh-CN" dirty="0" smtClean="0"/>
-              <a:t>:</a:t>
+              <a:rPr lang="en-US" altLang="zh-CN" dirty="0" smtClean="0"/>
+              <a:t>call</a:t>
             </a:r>
             <a:r>
               <a:rPr lang="zh-CN" altLang="en-US" dirty="0" smtClean="0"/>
@@ -3644,131 +3604,58 @@
             </a:r>
             <a:r>
               <a:rPr lang="en-US" altLang="zh-CN" dirty="0" smtClean="0"/>
-              <a:t>A </a:t>
+              <a:t>write-tree</a:t>
+            </a:r>
+            <a:endParaRPr lang="en-US" altLang="zh-CN" dirty="0"/>
+          </a:p>
+          <a:p>
+            <a:pPr lvl="1"/>
+            <a:r>
+              <a:rPr lang="en-US" altLang="zh-CN" dirty="0" smtClean="0"/>
+              <a:t>Set current</a:t>
             </a:r>
             <a:r>
               <a:rPr lang="zh-CN" altLang="en-US" dirty="0" smtClean="0"/>
-              <a:t>转换成 </a:t>
-            </a:r>
-            <a:r>
-              <a:rPr lang="en-US" altLang="zh-CN" dirty="0" smtClean="0"/>
-              <a:t>B</a:t>
-            </a:r>
+              <a:t> </a:t>
+            </a:r>
+            <a:r>
+              <a:rPr lang="en-US" altLang="zh-CN" dirty="0" smtClean="0"/>
+              <a:t>commit which is HEAD pointed as parent </a:t>
+            </a:r>
+            <a:r>
+              <a:rPr lang="en-US" altLang="zh-CN" dirty="0" err="1" smtClean="0"/>
+              <a:t>commitId</a:t>
+            </a:r>
+            <a:endParaRPr lang="en-US" altLang="zh-CN" dirty="0" smtClean="0"/>
           </a:p>
           <a:p>
             <a:pPr lvl="1"/>
             <a:r>
-              <a:rPr lang="zh-CN" altLang="en-US" dirty="0" smtClean="0"/>
-              <a:t>最小编辑</a:t>
-            </a:r>
-            <a:r>
-              <a:rPr lang="zh-CN" altLang="en-US" dirty="0"/>
-              <a:t>粒度</a:t>
-            </a:r>
-            <a:r>
-              <a:rPr lang="zh-CN" altLang="en-US" dirty="0" smtClean="0"/>
-              <a:t>：行 </a:t>
-            </a:r>
-            <a:endParaRPr lang="en-US" altLang="zh-CN" dirty="0" smtClean="0"/>
+              <a:rPr lang="en-US" altLang="zh-CN" dirty="0" smtClean="0"/>
+              <a:t>Save typed words about the commit as commit message</a:t>
+            </a:r>
           </a:p>
           <a:p>
             <a:pPr lvl="1"/>
             <a:r>
-              <a:rPr lang="zh-CN" altLang="en-US" dirty="0" smtClean="0"/>
-              <a:t>编辑操作</a:t>
-            </a:r>
-            <a:endParaRPr lang="en-US" altLang="zh-CN" dirty="0" smtClean="0"/>
-          </a:p>
-          <a:p>
-            <a:pPr lvl="2"/>
-            <a:r>
-              <a:rPr lang="zh-CN" altLang="en-US" dirty="0" smtClean="0"/>
-              <a:t>从 </a:t>
-            </a:r>
-            <a:r>
-              <a:rPr lang="en-US" altLang="zh-CN" dirty="0" smtClean="0"/>
-              <a:t>A </a:t>
-            </a:r>
-            <a:r>
-              <a:rPr lang="zh-CN" altLang="en-US" dirty="0" smtClean="0"/>
-              <a:t>中删除一行</a:t>
+              <a:rPr lang="en-US" altLang="zh-CN" dirty="0" smtClean="0"/>
+              <a:t>Do hash-object with the content (commit, tree, parent) with type called ‘commit’</a:t>
+            </a:r>
+          </a:p>
+          <a:p>
+            <a:pPr lvl="1"/>
+            <a:r>
+              <a:rPr lang="en-US" altLang="zh-CN" dirty="0" smtClean="0"/>
+              <a:t>Update head pointer to the new commit</a:t>
+            </a:r>
+          </a:p>
+          <a:p>
+            <a:pPr lvl="1"/>
+            <a:r>
+              <a:rPr lang="en-US" altLang="zh-CN" dirty="0" smtClean="0"/>
+              <a:t>Update ref[branch] file content</a:t>
             </a:r>
             <a:endParaRPr lang="en-US" altLang="zh-CN" dirty="0"/>
-          </a:p>
-          <a:p>
-            <a:pPr lvl="2"/>
-            <a:r>
-              <a:rPr lang="zh-CN" altLang="en-US" dirty="0" smtClean="0"/>
-              <a:t>从 </a:t>
-            </a:r>
-            <a:r>
-              <a:rPr lang="en-US" altLang="zh-CN" dirty="0" smtClean="0"/>
-              <a:t>B </a:t>
-            </a:r>
-            <a:r>
-              <a:rPr lang="zh-CN" altLang="en-US" dirty="0" smtClean="0"/>
-              <a:t>中删除一行</a:t>
-            </a:r>
-            <a:endParaRPr lang="en-US" altLang="zh-CN" dirty="0" smtClean="0"/>
-          </a:p>
-          <a:p>
-            <a:pPr lvl="2"/>
-            <a:r>
-              <a:rPr lang="zh-CN" altLang="en-US" dirty="0" smtClean="0"/>
-              <a:t>（隐性）同步 </a:t>
-            </a:r>
-            <a:r>
-              <a:rPr lang="en-US" altLang="zh-CN" dirty="0" smtClean="0"/>
-              <a:t>A </a:t>
-            </a:r>
-            <a:r>
-              <a:rPr lang="zh-CN" altLang="en-US" dirty="0" smtClean="0"/>
-              <a:t>和 </a:t>
-            </a:r>
-            <a:r>
-              <a:rPr lang="en-US" altLang="zh-CN" dirty="0" smtClean="0"/>
-              <a:t>B</a:t>
-            </a:r>
-            <a:endParaRPr lang="en-US" altLang="zh-CN" dirty="0"/>
-          </a:p>
-          <a:p>
-            <a:pPr lvl="1"/>
-            <a:r>
-              <a:rPr lang="zh-CN" altLang="en-US" dirty="0" smtClean="0"/>
-              <a:t>定义耗损：编辑操作除了同步为 </a:t>
-            </a:r>
-            <a:r>
-              <a:rPr lang="en-US" altLang="zh-CN" dirty="0" smtClean="0"/>
-              <a:t>0</a:t>
-            </a:r>
-            <a:r>
-              <a:rPr lang="zh-CN" altLang="en-US" dirty="0" smtClean="0"/>
-              <a:t>外，耗损权重皆为 </a:t>
-            </a:r>
-            <a:r>
-              <a:rPr lang="en-US" altLang="zh-CN" dirty="0" smtClean="0"/>
-              <a:t>1</a:t>
-            </a:r>
-            <a:endParaRPr lang="en-US" altLang="zh-CN" dirty="0"/>
-          </a:p>
-          <a:p>
-            <a:pPr lvl="1"/>
-            <a:r>
-              <a:rPr lang="zh-CN" altLang="en-US" dirty="0" smtClean="0"/>
-              <a:t>算法要求：最少耗损的前提下找出这组操作将 </a:t>
-            </a:r>
-            <a:r>
-              <a:rPr lang="en-US" altLang="zh-CN" dirty="0" smtClean="0"/>
-              <a:t>A </a:t>
-            </a:r>
-            <a:r>
-              <a:rPr lang="zh-CN" altLang="en-US" dirty="0" smtClean="0"/>
-              <a:t>转换成 </a:t>
-            </a:r>
-            <a:r>
-              <a:rPr lang="en-US" altLang="zh-CN" dirty="0" smtClean="0"/>
-              <a:t>B</a:t>
-            </a:r>
           </a:p>
           <a:p>
             <a:pPr marL="0" indent="0">
@@ -3777,6 +3664,63 @@
             <a:endParaRPr lang="en-US" altLang="zh-CN" dirty="0"/>
           </a:p>
           <a:p>
+            <a:r>
+              <a:rPr lang="en-US" altLang="zh-CN" dirty="0" smtClean="0"/>
+              <a:t>commit --amend [</a:t>
+            </a:r>
+            <a:r>
+              <a:rPr lang="en-US" altLang="zh-CN" dirty="0" err="1" smtClean="0"/>
+              <a:t>gc</a:t>
+            </a:r>
+            <a:r>
+              <a:rPr lang="en-US" altLang="zh-CN" dirty="0" smtClean="0"/>
+              <a:t>] since old commit won’t be used</a:t>
+            </a:r>
+          </a:p>
+          <a:p>
+            <a:endParaRPr lang="en-US" altLang="zh-CN" dirty="0" smtClean="0"/>
+          </a:p>
+          <a:p>
+            <a:r>
+              <a:rPr lang="en-US" altLang="zh-CN" dirty="0" err="1" smtClean="0"/>
+              <a:t>Git</a:t>
+            </a:r>
+            <a:r>
+              <a:rPr lang="en-US" altLang="zh-CN" dirty="0" smtClean="0"/>
+              <a:t> commit-tree </a:t>
+            </a:r>
+            <a:r>
+              <a:rPr lang="en-US" altLang="zh-CN" dirty="0" err="1" smtClean="0"/>
+              <a:t>treeId</a:t>
+            </a:r>
+            <a:r>
+              <a:rPr lang="en-US" altLang="zh-CN" dirty="0" smtClean="0"/>
+              <a:t> </a:t>
+            </a:r>
+            <a:r>
+              <a:rPr lang="en-US" altLang="zh-CN" dirty="0" err="1" smtClean="0"/>
+              <a:t>msg</a:t>
+            </a:r>
+            <a:endParaRPr lang="en-US" altLang="zh-CN" dirty="0" smtClean="0"/>
+          </a:p>
+          <a:p>
+            <a:pPr lvl="1"/>
+            <a:r>
+              <a:rPr lang="en-US" altLang="zh-CN" dirty="0" smtClean="0"/>
+              <a:t>Every commit has a single tree</a:t>
+            </a:r>
+          </a:p>
+          <a:p>
+            <a:pPr lvl="1"/>
+            <a:r>
+              <a:rPr lang="en-US" altLang="zh-CN" dirty="0" smtClean="0"/>
+              <a:t>Generate a commit by the provided tree id</a:t>
+            </a:r>
+          </a:p>
+          <a:p>
+            <a:endParaRPr lang="en-US" altLang="zh-CN" dirty="0" smtClean="0"/>
+          </a:p>
+          <a:p>
             <a:endParaRPr lang="zh-CN" altLang="en-US" dirty="0"/>
           </a:p>
         </p:txBody>
@@ -3784,7 +3728,7 @@
     </p:spTree>
     <p:extLst>
       <p:ext uri="{BB962C8B-B14F-4D97-AF65-F5344CB8AC3E}">
-        <p14:creationId xmlns:p14="http://schemas.microsoft.com/office/powerpoint/2010/main" val="3850385582"/>
+        <p14:creationId xmlns:p14="http://schemas.microsoft.com/office/powerpoint/2010/main" val="2941648805"/>
       </p:ext>
     </p:extLst>
   </p:cSld>
@@ -3828,40 +3772,7 @@
             <p:ph type="title"/>
           </p:nvPr>
         </p:nvSpPr>
-        <p:spPr>
-          <a:xfrm>
-            <a:off x="460513" y="186221"/>
-            <a:ext cx="10515600" cy="1325563"/>
-          </a:xfrm>
-        </p:spPr>
-        <p:txBody>
-          <a:bodyPr/>
-          <a:lstStyle/>
-          <a:p>
-            <a:r>
-              <a:rPr lang="en-US" altLang="zh-CN" dirty="0" smtClean="0"/>
-              <a:t>Myers diff</a:t>
-            </a:r>
-            <a:endParaRPr lang="zh-CN" altLang="en-US" dirty="0"/>
-          </a:p>
-        </p:txBody>
-      </p:sp>
-      <p:sp>
-        <p:nvSpPr>
-          <p:cNvPr id="3" name="内容占位符 2"/>
-          <p:cNvSpPr>
-            <a:spLocks noGrp="1"/>
-          </p:cNvSpPr>
-          <p:nvPr>
-            <p:ph idx="1"/>
-          </p:nvPr>
-        </p:nvSpPr>
-        <p:spPr>
-          <a:xfrm>
-            <a:off x="798897" y="1511784"/>
-            <a:ext cx="10554903" cy="4665179"/>
-          </a:xfrm>
-        </p:spPr>
+        <p:spPr/>
         <p:txBody>
           <a:bodyPr>
             <a:normAutofit/>
@@ -3869,149 +3780,243 @@
           <a:lstStyle/>
           <a:p>
             <a:r>
-              <a:rPr lang="en-US" altLang="zh-CN" dirty="0">
-                <a:hlinkClick r:id="rId2"/>
-              </a:rPr>
-              <a:t>Nick </a:t>
-            </a:r>
-            <a:r>
-              <a:rPr lang="en-US" altLang="zh-CN" dirty="0" smtClean="0">
-                <a:hlinkClick r:id="rId2"/>
-              </a:rPr>
-              <a:t>Butler</a:t>
-            </a:r>
-            <a:r>
-              <a:rPr lang="en-US" altLang="zh-CN" dirty="0" smtClean="0"/>
+              <a:rPr lang="en-US" altLang="zh-CN" dirty="0"/>
+              <a:t/>
+            </a:r>
+            <a:br>
+              <a:rPr lang="en-US" altLang="zh-CN" dirty="0"/>
+            </a:br>
+            <a:endParaRPr lang="zh-CN" altLang="en-US" dirty="0"/>
+          </a:p>
+        </p:txBody>
+      </p:sp>
+      <p:sp>
+        <p:nvSpPr>
+          <p:cNvPr id="3" name="内容占位符 2"/>
+          <p:cNvSpPr>
+            <a:spLocks noGrp="1"/>
+          </p:cNvSpPr>
+          <p:nvPr>
+            <p:ph idx="1"/>
+          </p:nvPr>
+        </p:nvSpPr>
+        <p:spPr>
+          <a:xfrm>
+            <a:off x="291547" y="296586"/>
+            <a:ext cx="11754679" cy="6491840"/>
+          </a:xfrm>
+        </p:spPr>
+        <p:txBody>
+          <a:bodyPr>
+            <a:normAutofit/>
+          </a:bodyPr>
+          <a:lstStyle/>
+          <a:p>
+            <a:r>
+              <a:rPr lang="en-US" altLang="zh-CN" dirty="0"/>
+              <a:t>Git </a:t>
+            </a:r>
+            <a:r>
+              <a:rPr lang="en-US" altLang="zh-CN" dirty="0" smtClean="0"/>
+              <a:t>branch</a:t>
+            </a:r>
+          </a:p>
+          <a:p>
+            <a:pPr lvl="1"/>
+            <a:r>
+              <a:rPr lang="en-US" altLang="zh-CN" dirty="0" smtClean="0"/>
+              <a:t>List all branch</a:t>
+            </a:r>
+          </a:p>
+          <a:p>
+            <a:pPr lvl="2"/>
+            <a:r>
+              <a:rPr lang="en-US" altLang="zh-CN" dirty="0" smtClean="0"/>
+              <a:t>List all files in the</a:t>
+            </a:r>
+            <a:r>
+              <a:rPr lang="zh-CN" altLang="en-US" dirty="0" smtClean="0"/>
               <a:t> </a:t>
             </a:r>
             <a:r>
+              <a:rPr lang="en-US" altLang="zh-CN" dirty="0" smtClean="0"/>
+              <a:t>heads directory.</a:t>
+            </a:r>
+          </a:p>
+          <a:p>
+            <a:pPr lvl="1"/>
+            <a:r>
+              <a:rPr lang="en-US" altLang="zh-CN" dirty="0" smtClean="0"/>
+              <a:t>Create new</a:t>
+            </a:r>
+            <a:r>
+              <a:rPr lang="zh-CN" altLang="en-US" dirty="0" smtClean="0"/>
+              <a:t> </a:t>
+            </a:r>
+            <a:r>
+              <a:rPr lang="en-US" altLang="zh-CN" dirty="0" smtClean="0"/>
+              <a:t>branch</a:t>
+            </a:r>
+          </a:p>
+          <a:p>
+            <a:pPr lvl="2"/>
+            <a:r>
+              <a:rPr lang="en-US" altLang="zh-CN" dirty="0" smtClean="0"/>
+              <a:t>Create new branch with a target commit</a:t>
+            </a:r>
+          </a:p>
+          <a:p>
+            <a:pPr lvl="2"/>
+            <a:r>
+              <a:rPr lang="en-US" altLang="zh-CN" dirty="0" smtClean="0"/>
+              <a:t>If the target commit not provided, then set current commit as target commit.</a:t>
+            </a:r>
+          </a:p>
+          <a:p>
+            <a:pPr marL="0" indent="0">
+              <a:buNone/>
+            </a:pPr>
+            <a:endParaRPr lang="en-US" altLang="zh-CN" dirty="0"/>
+          </a:p>
+          <a:p>
+            <a:r>
+              <a:rPr lang="en-US" altLang="zh-CN" dirty="0" smtClean="0"/>
+              <a:t>Git checkout ref</a:t>
+            </a:r>
+            <a:endParaRPr lang="en-US" altLang="zh-CN" dirty="0"/>
+          </a:p>
+          <a:p>
+            <a:pPr lvl="1"/>
+            <a:r>
+              <a:rPr lang="en-US" altLang="zh-CN" dirty="0" smtClean="0"/>
+              <a:t>Get the ref’s hash-id</a:t>
+            </a:r>
+            <a:endParaRPr lang="en-US" altLang="zh-CN" dirty="0"/>
+          </a:p>
+          <a:p>
+            <a:pPr lvl="1"/>
+            <a:r>
+              <a:rPr lang="en-US" altLang="zh-CN" dirty="0" smtClean="0"/>
+              <a:t>Get the commit tree by the above</a:t>
+            </a:r>
+            <a:r>
+              <a:rPr lang="zh-CN" altLang="en-US" dirty="0" smtClean="0"/>
+              <a:t> </a:t>
+            </a:r>
+            <a:r>
+              <a:rPr lang="en-US" altLang="zh-CN" dirty="0" smtClean="0"/>
+              <a:t>hash-id</a:t>
+            </a:r>
+            <a:endParaRPr lang="en-US" altLang="zh-CN" dirty="0"/>
+          </a:p>
+          <a:p>
+            <a:pPr lvl="1"/>
+            <a:r>
               <a:rPr lang="en-US" altLang="zh-CN" dirty="0"/>
-              <a:t> </a:t>
-            </a:r>
+              <a:t>Read tree </a:t>
+            </a:r>
+            <a:r>
+              <a:rPr lang="en-US" altLang="zh-CN" dirty="0" smtClean="0"/>
+              <a:t>to</a:t>
+            </a:r>
+            <a:r>
+              <a:rPr lang="zh-CN" altLang="en-US" dirty="0" smtClean="0"/>
+              <a:t> </a:t>
+            </a:r>
+            <a:r>
+              <a:rPr lang="en-US" altLang="zh-CN" dirty="0"/>
+              <a:t>update Index </a:t>
+            </a:r>
+            <a:r>
+              <a:rPr lang="en-US" altLang="zh-CN" dirty="0" smtClean="0"/>
+              <a:t>and reset the working directory</a:t>
+            </a:r>
+            <a:endParaRPr lang="en-US" altLang="zh-CN" dirty="0"/>
           </a:p>
           <a:p>
             <a:pPr lvl="1"/>
             <a:r>
+              <a:rPr lang="en-US" altLang="zh-CN" dirty="0" smtClean="0"/>
+              <a:t>Update </a:t>
+            </a:r>
+            <a:r>
+              <a:rPr lang="en-US" altLang="zh-CN" b="1" dirty="0" smtClean="0"/>
+              <a:t>HEAD </a:t>
+            </a:r>
+            <a:r>
+              <a:rPr lang="en-US" altLang="zh-CN" dirty="0" smtClean="0"/>
+              <a:t>file to set content as</a:t>
+            </a:r>
+            <a:r>
               <a:rPr lang="zh-CN" altLang="en-US" dirty="0" smtClean="0"/>
-              <a:t>简洁</a:t>
-            </a:r>
-            <a:r>
-              <a:rPr lang="zh-CN" altLang="en-US" dirty="0"/>
-              <a:t>易懂，能够帮助快速熟悉</a:t>
-            </a:r>
+              <a:t> </a:t>
+            </a:r>
+            <a:r>
+              <a:rPr lang="en-US" altLang="zh-CN" dirty="0" smtClean="0"/>
+              <a:t>branch ref or</a:t>
+            </a:r>
+            <a:r>
+              <a:rPr lang="zh-CN" altLang="en-US" dirty="0" smtClean="0"/>
+              <a:t> </a:t>
+            </a:r>
+            <a:r>
+              <a:rPr lang="en-US" altLang="zh-CN" dirty="0" smtClean="0"/>
+              <a:t>hash(detached HEAD)</a:t>
+            </a:r>
+            <a:endParaRPr lang="en-US" altLang="zh-CN" dirty="0"/>
+          </a:p>
+          <a:p>
+            <a:endParaRPr lang="en-US" altLang="zh-CN" dirty="0" smtClean="0"/>
+          </a:p>
+          <a:p>
+            <a:pPr marL="228600" lvl="1">
+              <a:spcBef>
+                <a:spcPts val="1000"/>
+              </a:spcBef>
+            </a:pPr>
             <a:r>
               <a:rPr lang="en-US" altLang="zh-CN" dirty="0"/>
-              <a:t>diff</a:t>
-            </a:r>
-            <a:r>
-              <a:rPr lang="zh-CN" altLang="en-US" dirty="0"/>
-              <a:t>算法的实现</a:t>
-            </a:r>
-            <a:endParaRPr lang="en-US" altLang="zh-CN" dirty="0">
-              <a:hlinkClick r:id="rId3"/>
-            </a:endParaRPr>
-          </a:p>
-          <a:p>
-            <a:endParaRPr lang="en-US" altLang="zh-CN" dirty="0">
-              <a:hlinkClick r:id="rId4"/>
-            </a:endParaRPr>
-          </a:p>
-          <a:p>
-            <a:r>
-              <a:rPr lang="en-US" altLang="zh-CN" dirty="0">
-                <a:hlinkClick r:id="rId4"/>
-              </a:rPr>
-              <a:t>visualize</a:t>
-            </a:r>
-            <a:r>
-              <a:rPr lang="en-US" altLang="zh-CN" dirty="0"/>
-              <a:t> </a:t>
-            </a:r>
+              <a:t>Git </a:t>
+            </a:r>
+            <a:r>
+              <a:rPr lang="en-US" altLang="zh-CN" dirty="0" smtClean="0"/>
+              <a:t>reset</a:t>
+            </a:r>
+          </a:p>
+          <a:p>
+            <a:pPr marL="685800" lvl="2">
+              <a:spcBef>
+                <a:spcPts val="1000"/>
+              </a:spcBef>
+            </a:pPr>
+            <a:r>
+              <a:rPr lang="en-US" altLang="zh-CN" dirty="0" smtClean="0"/>
+              <a:t>Update HEAD as the target commit id</a:t>
+            </a:r>
+            <a:endParaRPr lang="en-US" altLang="zh-CN" dirty="0"/>
           </a:p>
           <a:p>
             <a:pPr lvl="1"/>
-            <a:r>
-              <a:rPr lang="zh-CN" altLang="en-US" dirty="0"/>
-              <a:t>方便肉眼 </a:t>
-            </a:r>
-            <a:r>
-              <a:rPr lang="en-US" altLang="zh-CN" dirty="0" smtClean="0"/>
-              <a:t>debug, Diff </a:t>
-            </a:r>
-            <a:r>
-              <a:rPr lang="zh-CN" altLang="en-US" dirty="0"/>
-              <a:t>算法的可视化</a:t>
-            </a:r>
-            <a:r>
-              <a:rPr lang="zh-CN" altLang="en-US" dirty="0" smtClean="0"/>
-              <a:t>界面</a:t>
-            </a:r>
-            <a:endParaRPr lang="en-US" altLang="zh-CN" dirty="0" smtClean="0">
-              <a:hlinkClick r:id="rId3"/>
-            </a:endParaRPr>
+            <a:endParaRPr lang="en-US" altLang="zh-CN" dirty="0" smtClean="0"/>
           </a:p>
           <a:p>
             <a:pPr marL="457200" lvl="1" indent="0">
               <a:buNone/>
             </a:pPr>
-            <a:endParaRPr lang="en-US" altLang="zh-CN" dirty="0">
-              <a:hlinkClick r:id="rId3"/>
-            </a:endParaRPr>
-          </a:p>
-          <a:p>
-            <a:r>
-              <a:rPr lang="en-US" altLang="zh-CN" dirty="0" err="1" smtClean="0">
-                <a:hlinkClick r:id="rId3"/>
-              </a:rPr>
-              <a:t>jcoglan</a:t>
-            </a:r>
-            <a:r>
-              <a:rPr lang="en-US" altLang="zh-CN" dirty="0"/>
-              <a:t> </a:t>
-            </a:r>
-            <a:endParaRPr lang="en-US" altLang="zh-CN" dirty="0" smtClean="0"/>
-          </a:p>
-          <a:p>
-            <a:pPr lvl="1"/>
-            <a:r>
-              <a:rPr lang="zh-CN" altLang="en-US" dirty="0" smtClean="0"/>
-              <a:t>作者出的书就是如何实现</a:t>
-            </a:r>
-            <a:r>
-              <a:rPr lang="en-US" altLang="zh-CN" dirty="0" err="1" smtClean="0"/>
-              <a:t>git</a:t>
-            </a:r>
-            <a:r>
-              <a:rPr lang="zh-CN" altLang="en-US" dirty="0" smtClean="0"/>
-              <a:t>的</a:t>
-            </a:r>
-            <a:endParaRPr lang="en-US" altLang="zh-CN" dirty="0" smtClean="0"/>
-          </a:p>
-          <a:p>
-            <a:pPr lvl="1"/>
-            <a:r>
-              <a:rPr lang="zh-CN" altLang="en-US" dirty="0" smtClean="0"/>
-              <a:t>较为详细博客，关于</a:t>
-            </a:r>
-            <a:r>
-              <a:rPr lang="en-US" altLang="zh-CN" dirty="0" err="1" smtClean="0"/>
-              <a:t>git</a:t>
-            </a:r>
-            <a:r>
-              <a:rPr lang="zh-CN" altLang="en-US" dirty="0" smtClean="0"/>
-              <a:t>的实现有着深入的介绍</a:t>
-            </a:r>
             <a:endParaRPr lang="en-US" altLang="zh-CN" dirty="0"/>
           </a:p>
           <a:p>
-            <a:endParaRPr lang="zh-CN" altLang="en-US" dirty="0"/>
+            <a:pPr marL="457200" lvl="1" indent="0">
+              <a:buNone/>
+            </a:pPr>
+            <a:endParaRPr lang="en-US" altLang="zh-CN" dirty="0"/>
           </a:p>
         </p:txBody>
       </p:sp>
     </p:spTree>
     <p:extLst>
       <p:ext uri="{BB962C8B-B14F-4D97-AF65-F5344CB8AC3E}">
-        <p14:creationId xmlns:p14="http://schemas.microsoft.com/office/powerpoint/2010/main" val="3924382728"/>
+        <p14:creationId xmlns:p14="http://schemas.microsoft.com/office/powerpoint/2010/main" val="1461498608"/>
       </p:ext>
     </p:extLst>
   </p:cSld>
@@ -4047,7 +4052,7 @@
       </p:grpSpPr>
       <p:pic>
         <p:nvPicPr>
-          <p:cNvPr id="5" name="图片 4"/>
+          <p:cNvPr id="4" name="图片 3"/>
           <p:cNvPicPr>
             <a:picLocks noChangeAspect="1"/>
           </p:cNvPicPr>
@@ -4061,8 +4066,8 @@
         </p:blipFill>
         <p:spPr>
           <a:xfrm>
-            <a:off x="3969317" y="102871"/>
-            <a:ext cx="7410450" cy="6286500"/>
+            <a:off x="328808" y="238596"/>
+            <a:ext cx="7299682" cy="2775786"/>
           </a:xfrm>
           <a:prstGeom prst="rect">
             <a:avLst/>
@@ -4071,14 +4076,14 @@
       </p:pic>
       <p:sp>
         <p:nvSpPr>
-          <p:cNvPr id="6" name="文本框 5"/>
+          <p:cNvPr id="8" name="文本框 7"/>
           <p:cNvSpPr txBox="1"/>
           <p:nvPr/>
         </p:nvSpPr>
         <p:spPr>
           <a:xfrm>
-            <a:off x="220521" y="1903546"/>
-            <a:ext cx="2579571" cy="1477328"/>
+            <a:off x="725555" y="4512366"/>
+            <a:ext cx="10944177" cy="1754326"/>
           </a:xfrm>
           <a:prstGeom prst="rect">
             <a:avLst/>
@@ -4092,151 +4097,94 @@
           <a:lstStyle/>
           <a:p>
             <a:r>
-              <a:rPr lang="en-US" altLang="zh-CN" b="1" dirty="0" smtClean="0"/>
-              <a:t>Initial:</a:t>
-            </a:r>
-          </a:p>
-          <a:p>
+              <a:rPr lang="en-US" altLang="zh-CN" b="1" dirty="0"/>
+              <a:t>Myers’ algorithm </a:t>
+            </a:r>
             <a:r>
               <a:rPr lang="en-US" altLang="zh-CN" dirty="0"/>
-              <a:t>  </a:t>
-            </a:r>
+              <a:t>is just one such strategy, but it’s fast and it produces diffs that tend to be of good quality most of the time</a:t>
+            </a:r>
+            <a:r>
+              <a:rPr lang="en-US" altLang="zh-CN" dirty="0" smtClean="0"/>
+              <a:t>.</a:t>
+            </a:r>
+          </a:p>
+          <a:p>
+            <a:endParaRPr lang="en-US" altLang="zh-CN" dirty="0"/>
+          </a:p>
+          <a:p>
             <a:r>
               <a:rPr lang="en-US" altLang="zh-CN" dirty="0" smtClean="0"/>
               <a:t> </a:t>
             </a:r>
-          </a:p>
-          <a:p>
-            <a:r>
-              <a:rPr lang="en-US" altLang="zh-CN" dirty="0" smtClean="0"/>
-              <a:t>    String </a:t>
-            </a:r>
             <a:r>
               <a:rPr lang="en-US" altLang="zh-CN" dirty="0"/>
-              <a:t>A: </a:t>
-            </a:r>
-            <a:r>
-              <a:rPr lang="en-US" altLang="zh-CN" b="1" dirty="0" err="1" smtClean="0"/>
-              <a:t>abcabba</a:t>
-            </a:r>
-            <a:endParaRPr lang="en-US" altLang="zh-CN" b="1" dirty="0" smtClean="0"/>
-          </a:p>
-          <a:p>
-            <a:endParaRPr lang="en-US" altLang="zh-CN" dirty="0" smtClean="0"/>
-          </a:p>
-          <a:p>
-            <a:r>
-              <a:rPr lang="en-US" altLang="zh-CN" dirty="0" smtClean="0"/>
-              <a:t>    String </a:t>
+              <a:t>It does this by being </a:t>
+            </a:r>
+            <a:r>
+              <a:rPr lang="en-US" altLang="zh-CN" b="1" dirty="0"/>
+              <a:t>greedy</a:t>
             </a:r>
             <a:r>
               <a:rPr lang="en-US" altLang="zh-CN" dirty="0"/>
-              <a:t>B: </a:t>
-            </a:r>
-            <a:r>
-              <a:rPr lang="en-US" altLang="zh-CN" b="1" dirty="0" err="1" smtClean="0"/>
-              <a:t>cbabac</a:t>
-            </a:r>
-            <a:endParaRPr lang="zh-CN" altLang="en-US" b="1" dirty="0"/>
-          </a:p>
-        </p:txBody>
-      </p:sp>
-      <p:sp>
-        <p:nvSpPr>
-          <p:cNvPr id="9" name="文本框 8"/>
-          <p:cNvSpPr txBox="1"/>
+              <a:t>, that is </a:t>
+            </a:r>
+            <a:r>
+              <a:rPr lang="en-US" altLang="zh-CN" b="1" dirty="0"/>
+              <a:t>trying to consume as many lines </a:t>
+            </a:r>
+            <a:r>
+              <a:rPr lang="en-US" altLang="zh-CN" dirty="0"/>
+              <a:t>that are the same </a:t>
+            </a:r>
+            <a:r>
+              <a:rPr lang="en-US" altLang="zh-CN" b="1" dirty="0"/>
+              <a:t>before making a change </a:t>
+            </a:r>
+            <a:r>
+              <a:rPr lang="en-US" altLang="zh-CN" dirty="0"/>
+              <a:t>(therefore avoiding the “wrong end” problem), and also by </a:t>
+            </a:r>
+            <a:r>
+              <a:rPr lang="en-US" altLang="zh-CN" b="1" dirty="0"/>
+              <a:t>preferring deletions over insertions </a:t>
+            </a:r>
+            <a:r>
+              <a:rPr lang="en-US" altLang="zh-CN" dirty="0"/>
+              <a:t>when given a choice, so that deletions appear first.    </a:t>
+            </a:r>
+            <a:endParaRPr lang="zh-CN" altLang="en-US" dirty="0"/>
+          </a:p>
+        </p:txBody>
+      </p:sp>
+      <p:pic>
+        <p:nvPicPr>
+          <p:cNvPr id="2" name="图片 1"/>
+          <p:cNvPicPr>
+            <a:picLocks noChangeAspect="1"/>
+          </p:cNvPicPr>
           <p:nvPr/>
-        </p:nvSpPr>
-        <p:spPr>
-          <a:xfrm>
-            <a:off x="220521" y="4004110"/>
-            <a:ext cx="3212739" cy="646331"/>
+        </p:nvPicPr>
+        <p:blipFill>
+          <a:blip r:embed="rId3"/>
+          <a:stretch>
+            <a:fillRect/>
+          </a:stretch>
+        </p:blipFill>
+        <p:spPr>
+          <a:xfrm>
+            <a:off x="6436183" y="2625344"/>
+            <a:ext cx="6134100" cy="1714500"/>
           </a:xfrm>
           <a:prstGeom prst="rect">
             <a:avLst/>
           </a:prstGeom>
-          <a:noFill/>
-        </p:spPr>
-        <p:txBody>
-          <a:bodyPr wrap="none" rtlCol="0">
-            <a:spAutoFit/>
-          </a:bodyPr>
-          <a:lstStyle/>
-          <a:p>
-            <a:r>
-              <a:rPr lang="en-US" altLang="zh-CN" b="1" dirty="0"/>
-              <a:t>Diagonal </a:t>
-            </a:r>
-            <a:r>
-              <a:rPr lang="en-US" altLang="zh-CN" b="1" dirty="0" smtClean="0"/>
-              <a:t>lines: </a:t>
-            </a:r>
-            <a:endParaRPr lang="en-US" altLang="zh-CN" dirty="0"/>
-          </a:p>
-          <a:p>
-            <a:r>
-              <a:rPr lang="en-US" altLang="zh-CN" dirty="0" smtClean="0"/>
-              <a:t>    represent </a:t>
-            </a:r>
-            <a:r>
-              <a:rPr lang="en-US" altLang="zh-CN" dirty="0"/>
-              <a:t>items that </a:t>
-            </a:r>
-            <a:r>
-              <a:rPr lang="en-US" altLang="zh-CN" dirty="0" smtClean="0"/>
-              <a:t>match</a:t>
-            </a:r>
-            <a:endParaRPr lang="zh-CN" altLang="en-US" dirty="0"/>
-          </a:p>
-        </p:txBody>
-      </p:sp>
-      <p:sp>
-        <p:nvSpPr>
-          <p:cNvPr id="10" name="文本框 9"/>
-          <p:cNvSpPr txBox="1"/>
-          <p:nvPr/>
-        </p:nvSpPr>
-        <p:spPr>
-          <a:xfrm>
-            <a:off x="220521" y="633979"/>
-            <a:ext cx="2744662" cy="646331"/>
-          </a:xfrm>
-          <a:prstGeom prst="rect">
-            <a:avLst/>
-          </a:prstGeom>
-          <a:noFill/>
-        </p:spPr>
-        <p:txBody>
-          <a:bodyPr wrap="none" rtlCol="0">
-            <a:spAutoFit/>
-          </a:bodyPr>
-          <a:lstStyle/>
-          <a:p>
-            <a:r>
-              <a:rPr lang="en-US" altLang="zh-CN" b="1" dirty="0" smtClean="0"/>
-              <a:t>Requirements:</a:t>
-            </a:r>
-          </a:p>
-          <a:p>
-            <a:r>
-              <a:rPr lang="en-US" altLang="zh-CN" b="1" dirty="0"/>
-              <a:t> </a:t>
-            </a:r>
-            <a:r>
-              <a:rPr lang="en-US" altLang="zh-CN" b="1" dirty="0" smtClean="0"/>
-              <a:t>   </a:t>
-            </a:r>
-            <a:r>
-              <a:rPr lang="en-US" altLang="zh-CN" dirty="0" smtClean="0"/>
-              <a:t>convert A to B with SES</a:t>
-            </a:r>
-          </a:p>
-        </p:txBody>
-      </p:sp>
+        </p:spPr>
+      </p:pic>
     </p:spTree>
     <p:extLst>
       <p:ext uri="{BB962C8B-B14F-4D97-AF65-F5344CB8AC3E}">
-        <p14:creationId xmlns:p14="http://schemas.microsoft.com/office/powerpoint/2010/main" val="4091077495"/>
+        <p14:creationId xmlns:p14="http://schemas.microsoft.com/office/powerpoint/2010/main" val="1728116822"/>
       </p:ext>
     </p:extLst>
   </p:cSld>
@@ -4270,65 +4218,242 @@
           <a:chExt cx="0" cy="0"/>
         </a:xfrm>
       </p:grpSpPr>
-      <p:pic>
-        <p:nvPicPr>
-          <p:cNvPr id="4" name="内容占位符 3"/>
-          <p:cNvPicPr>
-            <a:picLocks noGrp="1" noChangeAspect="1"/>
-          </p:cNvPicPr>
+      <p:sp>
+        <p:nvSpPr>
+          <p:cNvPr id="2" name="标题 1"/>
+          <p:cNvSpPr>
+            <a:spLocks noGrp="1"/>
+          </p:cNvSpPr>
+          <p:nvPr>
+            <p:ph type="title"/>
+          </p:nvPr>
+        </p:nvSpPr>
+        <p:spPr>
+          <a:xfrm>
+            <a:off x="390938" y="125128"/>
+            <a:ext cx="10515600" cy="1325563"/>
+          </a:xfrm>
+        </p:spPr>
+        <p:txBody>
+          <a:bodyPr/>
+          <a:lstStyle/>
+          <a:p>
+            <a:r>
+              <a:rPr lang="en-US" altLang="zh-CN" dirty="0"/>
+              <a:t>Diff </a:t>
+            </a:r>
+            <a:r>
+              <a:rPr lang="en-US" altLang="zh-CN" dirty="0" smtClean="0"/>
+              <a:t>Definition</a:t>
+            </a:r>
+            <a:r>
+              <a:rPr lang="zh-CN" altLang="en-US" dirty="0" smtClean="0"/>
+              <a:t>：</a:t>
+            </a:r>
+            <a:r>
+              <a:rPr lang="en-US" altLang="zh-CN" dirty="0" smtClean="0"/>
+              <a:t>Shortest Edit Scripts</a:t>
+            </a:r>
+            <a:endParaRPr lang="en-US" altLang="zh-CN" dirty="0"/>
+          </a:p>
+        </p:txBody>
+      </p:sp>
+      <p:sp>
+        <p:nvSpPr>
+          <p:cNvPr id="5" name="内容占位符 2"/>
+          <p:cNvSpPr>
+            <a:spLocks noGrp="1"/>
+          </p:cNvSpPr>
           <p:nvPr>
             <p:ph idx="1"/>
           </p:nvPr>
-        </p:nvPicPr>
-        <p:blipFill>
-          <a:blip r:embed="rId2"/>
-          <a:stretch>
-            <a:fillRect/>
-          </a:stretch>
-        </p:blipFill>
-        <p:spPr>
-          <a:xfrm>
-            <a:off x="4553462" y="689844"/>
-            <a:ext cx="6371212" cy="5449691"/>
-          </a:xfrm>
-          <a:prstGeom prst="rect">
-            <a:avLst/>
-          </a:prstGeom>
-        </p:spPr>
-      </p:pic>
-      <p:sp>
-        <p:nvSpPr>
-          <p:cNvPr id="2" name="文本框 1"/>
-          <p:cNvSpPr txBox="1"/>
-          <p:nvPr/>
-        </p:nvSpPr>
-        <p:spPr>
-          <a:xfrm>
-            <a:off x="482600" y="863600"/>
-            <a:ext cx="1561646" cy="369332"/>
-          </a:xfrm>
-          <a:prstGeom prst="rect">
-            <a:avLst/>
-          </a:prstGeom>
-          <a:noFill/>
-        </p:spPr>
-        <p:txBody>
-          <a:bodyPr wrap="none" rtlCol="0">
-            <a:spAutoFit/>
+        </p:nvSpPr>
+        <p:spPr>
+          <a:xfrm>
+            <a:off x="390938" y="1450691"/>
+            <a:ext cx="11188149" cy="5075237"/>
+          </a:xfrm>
+        </p:spPr>
+        <p:txBody>
+          <a:bodyPr>
+            <a:normAutofit/>
           </a:bodyPr>
           <a:lstStyle/>
           <a:p>
+            <a:pPr lvl="1"/>
             <a:r>
               <a:rPr lang="en-US" altLang="zh-CN" b="1" dirty="0" smtClean="0"/>
-              <a:t>Snake Define</a:t>
-            </a:r>
+              <a:t>Definition</a:t>
+            </a:r>
+            <a:r>
+              <a:rPr lang="en-US" altLang="zh-CN" dirty="0" smtClean="0"/>
+              <a:t>: A text and B text</a:t>
+            </a:r>
+          </a:p>
+          <a:p>
+            <a:pPr lvl="1"/>
+            <a:endParaRPr lang="en-US" altLang="zh-CN" dirty="0" smtClean="0"/>
+          </a:p>
+          <a:p>
+            <a:pPr lvl="1"/>
+            <a:r>
+              <a:rPr lang="en-US" altLang="zh-CN" b="1" dirty="0" smtClean="0"/>
+              <a:t>Requirements</a:t>
+            </a:r>
+            <a:r>
+              <a:rPr lang="en-US" altLang="zh-CN" dirty="0" smtClean="0"/>
+              <a:t>: Convert A text to</a:t>
+            </a:r>
+            <a:r>
+              <a:rPr lang="zh-CN" altLang="en-US" dirty="0" smtClean="0"/>
+              <a:t> </a:t>
+            </a:r>
+            <a:r>
+              <a:rPr lang="en-US" altLang="zh-CN" dirty="0" smtClean="0"/>
+              <a:t>B text</a:t>
+            </a:r>
+          </a:p>
+          <a:p>
+            <a:pPr lvl="1"/>
+            <a:endParaRPr lang="en-US" altLang="zh-CN" dirty="0" smtClean="0"/>
+          </a:p>
+          <a:p>
+            <a:pPr lvl="1"/>
+            <a:r>
+              <a:rPr lang="en-US" altLang="zh-CN" dirty="0" smtClean="0"/>
+              <a:t>The smallest edit </a:t>
+            </a:r>
+            <a:r>
+              <a:rPr lang="en-US" altLang="zh-CN" b="1" dirty="0" smtClean="0"/>
+              <a:t>range</a:t>
+            </a:r>
+            <a:r>
+              <a:rPr lang="zh-CN" altLang="en-US" dirty="0" smtClean="0"/>
+              <a:t>：</a:t>
+            </a:r>
+            <a:r>
+              <a:rPr lang="en-US" altLang="zh-CN" dirty="0" smtClean="0"/>
+              <a:t>single line</a:t>
+            </a:r>
+            <a:r>
+              <a:rPr lang="zh-CN" altLang="en-US" dirty="0" smtClean="0"/>
+              <a:t> </a:t>
+            </a:r>
+            <a:endParaRPr lang="en-US" altLang="zh-CN" dirty="0" smtClean="0"/>
+          </a:p>
+          <a:p>
+            <a:pPr lvl="1"/>
+            <a:endParaRPr lang="en-US" altLang="zh-CN" dirty="0" smtClean="0"/>
+          </a:p>
+          <a:p>
+            <a:pPr lvl="1"/>
+            <a:r>
+              <a:rPr lang="en-US" altLang="zh-CN" b="1" dirty="0" smtClean="0"/>
+              <a:t>Edit script</a:t>
+            </a:r>
+          </a:p>
+          <a:p>
+            <a:pPr lvl="2"/>
+            <a:r>
+              <a:rPr lang="en-US" altLang="zh-CN" b="1" dirty="0" smtClean="0"/>
+              <a:t>Delete</a:t>
+            </a:r>
+            <a:r>
+              <a:rPr lang="en-US" altLang="zh-CN" dirty="0" smtClean="0"/>
+              <a:t> line from </a:t>
+            </a:r>
+            <a:r>
+              <a:rPr lang="en-US" altLang="zh-CN" b="1" dirty="0" smtClean="0"/>
+              <a:t>A</a:t>
+            </a:r>
+            <a:r>
+              <a:rPr lang="en-US" altLang="zh-CN" dirty="0" smtClean="0"/>
+              <a:t> text</a:t>
+            </a:r>
+            <a:endParaRPr lang="en-US" altLang="zh-CN" dirty="0"/>
+          </a:p>
+          <a:p>
+            <a:pPr lvl="2"/>
+            <a:r>
+              <a:rPr lang="en-US" altLang="zh-CN" b="1" dirty="0" smtClean="0"/>
+              <a:t>Add</a:t>
+            </a:r>
+            <a:r>
+              <a:rPr lang="en-US" altLang="zh-CN" dirty="0" smtClean="0"/>
+              <a:t> line from </a:t>
+            </a:r>
+            <a:r>
+              <a:rPr lang="en-US" altLang="zh-CN" b="1" dirty="0" smtClean="0"/>
+              <a:t>B</a:t>
+            </a:r>
+            <a:r>
+              <a:rPr lang="en-US" altLang="zh-CN" dirty="0" smtClean="0"/>
+              <a:t> text</a:t>
+            </a:r>
+          </a:p>
+          <a:p>
+            <a:pPr lvl="2"/>
+            <a:r>
+              <a:rPr lang="en-US" altLang="zh-CN" b="1" dirty="0" smtClean="0"/>
+              <a:t>Sync</a:t>
+            </a:r>
+            <a:r>
+              <a:rPr lang="en-US" altLang="zh-CN" dirty="0" smtClean="0"/>
+              <a:t> the same line at </a:t>
+            </a:r>
+            <a:r>
+              <a:rPr lang="en-US" altLang="zh-CN" b="1" dirty="0" smtClean="0"/>
+              <a:t>A</a:t>
+            </a:r>
+            <a:r>
+              <a:rPr lang="en-US" altLang="zh-CN" dirty="0" smtClean="0"/>
+              <a:t> and </a:t>
+            </a:r>
+            <a:r>
+              <a:rPr lang="en-US" altLang="zh-CN" b="1" dirty="0" smtClean="0"/>
+              <a:t>B</a:t>
+            </a:r>
+            <a:endParaRPr lang="en-US" altLang="zh-CN" b="1" dirty="0"/>
+          </a:p>
+          <a:p>
+            <a:pPr lvl="1"/>
+            <a:endParaRPr lang="en-US" altLang="zh-CN" dirty="0" smtClean="0"/>
+          </a:p>
+          <a:p>
+            <a:pPr lvl="1"/>
+            <a:r>
+              <a:rPr lang="en-US" altLang="zh-CN" b="1" dirty="0" smtClean="0"/>
+              <a:t>Weight</a:t>
+            </a:r>
+            <a:r>
+              <a:rPr lang="zh-CN" altLang="en-US" dirty="0" smtClean="0"/>
+              <a:t>：</a:t>
+            </a:r>
+            <a:r>
+              <a:rPr lang="en-US" altLang="zh-CN" dirty="0" smtClean="0"/>
+              <a:t>sync consume 0 while each of delete and add consume 1</a:t>
+            </a:r>
+            <a:endParaRPr lang="en-US" altLang="zh-CN" dirty="0"/>
+          </a:p>
+          <a:p>
+            <a:pPr lvl="1"/>
+            <a:endParaRPr lang="en-US" altLang="zh-CN" dirty="0" smtClean="0"/>
+          </a:p>
+          <a:p>
+            <a:pPr marL="0" indent="0">
+              <a:buNone/>
+            </a:pPr>
+            <a:endParaRPr lang="en-US" altLang="zh-CN" dirty="0"/>
+          </a:p>
+          <a:p>
+            <a:endParaRPr lang="zh-CN" altLang="en-US" dirty="0"/>
           </a:p>
         </p:txBody>
       </p:sp>
     </p:spTree>
     <p:extLst>
       <p:ext uri="{BB962C8B-B14F-4D97-AF65-F5344CB8AC3E}">
-        <p14:creationId xmlns:p14="http://schemas.microsoft.com/office/powerpoint/2010/main" val="900976711"/>
+        <p14:creationId xmlns:p14="http://schemas.microsoft.com/office/powerpoint/2010/main" val="3850385582"/>
       </p:ext>
     </p:extLst>
   </p:cSld>
@@ -4364,7 +4489,7 @@
       </p:grpSpPr>
       <p:pic>
         <p:nvPicPr>
-          <p:cNvPr id="4" name="图片 3"/>
+          <p:cNvPr id="5" name="图片 4"/>
           <p:cNvPicPr>
             <a:picLocks noChangeAspect="1"/>
           </p:cNvPicPr>
@@ -4378,8 +4503,8 @@
         </p:blipFill>
         <p:spPr>
           <a:xfrm>
-            <a:off x="3632199" y="204190"/>
-            <a:ext cx="8214307" cy="5688610"/>
+            <a:off x="3969317" y="102871"/>
+            <a:ext cx="7410450" cy="6286500"/>
           </a:xfrm>
           <a:prstGeom prst="rect">
             <a:avLst/>
@@ -4388,14 +4513,14 @@
       </p:pic>
       <p:sp>
         <p:nvSpPr>
-          <p:cNvPr id="5" name="文本框 4"/>
+          <p:cNvPr id="6" name="文本框 5"/>
           <p:cNvSpPr txBox="1"/>
           <p:nvPr/>
         </p:nvSpPr>
         <p:spPr>
           <a:xfrm>
-            <a:off x="168111" y="1484743"/>
-            <a:ext cx="3416320" cy="646331"/>
+            <a:off x="220521" y="1903546"/>
+            <a:ext cx="2579571" cy="1477328"/>
           </a:xfrm>
           <a:prstGeom prst="rect">
             <a:avLst/>
@@ -4403,44 +4528,71 @@
           <a:noFill/>
         </p:spPr>
         <p:txBody>
-          <a:bodyPr wrap="none" rtlCol="0">
+          <a:bodyPr wrap="square" rtlCol="0">
             <a:spAutoFit/>
           </a:bodyPr>
           <a:lstStyle/>
           <a:p>
             <a:r>
-              <a:rPr lang="zh-CN" altLang="en-US" b="1" dirty="0" smtClean="0"/>
-              <a:t>外层循环限定步数</a:t>
+              <a:rPr lang="en-US" altLang="zh-CN" b="1" dirty="0" smtClean="0"/>
+              <a:t>Initial:</a:t>
+            </a:r>
+          </a:p>
+          <a:p>
+            <a:r>
+              <a:rPr lang="en-US" altLang="zh-CN" dirty="0"/>
+              <a:t>  </a:t>
+            </a:r>
+            <a:r>
+              <a:rPr lang="en-US" altLang="zh-CN" dirty="0" smtClean="0"/>
+              <a:t> </a:t>
+            </a:r>
+          </a:p>
+          <a:p>
+            <a:r>
+              <a:rPr lang="en-US" altLang="zh-CN" dirty="0" smtClean="0"/>
+              <a:t>    String </a:t>
+            </a:r>
+            <a:r>
+              <a:rPr lang="en-US" altLang="zh-CN" dirty="0"/>
+              <a:t>A: </a:t>
+            </a:r>
+            <a:r>
+              <a:rPr lang="en-US" altLang="zh-CN" b="1" dirty="0" err="1" smtClean="0"/>
+              <a:t>abcabba</a:t>
             </a:r>
             <a:endParaRPr lang="en-US" altLang="zh-CN" b="1" dirty="0" smtClean="0"/>
           </a:p>
           <a:p>
-            <a:r>
-              <a:rPr lang="en-US" altLang="zh-CN" dirty="0" smtClean="0"/>
-              <a:t>【</a:t>
-            </a:r>
-            <a:r>
-              <a:rPr lang="zh-CN" altLang="en-US" dirty="0" smtClean="0"/>
-              <a:t>每步得时候处在一个啥状态</a:t>
-            </a:r>
-            <a:r>
-              <a:rPr lang="en-US" altLang="zh-CN" dirty="0" smtClean="0"/>
-              <a:t>】</a:t>
-            </a:r>
-            <a:endParaRPr lang="zh-CN" altLang="en-US" dirty="0"/>
-          </a:p>
-        </p:txBody>
-      </p:sp>
-      <p:sp>
-        <p:nvSpPr>
-          <p:cNvPr id="6" name="文本框 5"/>
+            <a:endParaRPr lang="en-US" altLang="zh-CN" dirty="0" smtClean="0"/>
+          </a:p>
+          <a:p>
+            <a:r>
+              <a:rPr lang="en-US" altLang="zh-CN" dirty="0" smtClean="0"/>
+              <a:t>    String </a:t>
+            </a:r>
+            <a:r>
+              <a:rPr lang="en-US" altLang="zh-CN" dirty="0"/>
+              <a:t>B: </a:t>
+            </a:r>
+            <a:r>
+              <a:rPr lang="en-US" altLang="zh-CN" b="1" dirty="0" err="1" smtClean="0"/>
+              <a:t>cbabac</a:t>
+            </a:r>
+            <a:endParaRPr lang="zh-CN" altLang="en-US" b="1" dirty="0"/>
+          </a:p>
+        </p:txBody>
+      </p:sp>
+      <p:sp>
+        <p:nvSpPr>
+          <p:cNvPr id="9" name="文本框 8"/>
           <p:cNvSpPr txBox="1"/>
           <p:nvPr/>
         </p:nvSpPr>
         <p:spPr>
           <a:xfrm>
-            <a:off x="120343" y="2634919"/>
-            <a:ext cx="3650358" cy="646331"/>
+            <a:off x="220521" y="4004110"/>
+            <a:ext cx="3212739" cy="646331"/>
           </a:xfrm>
           <a:prstGeom prst="rect">
             <a:avLst/>
@@ -4454,31 +4606,27 @@
           <a:lstStyle/>
           <a:p>
             <a:r>
-              <a:rPr lang="zh-CN" altLang="en-US" b="1" dirty="0" smtClean="0"/>
-              <a:t>内层循环决定选择</a:t>
-            </a:r>
-            <a:endParaRPr lang="en-US" altLang="zh-CN" b="1" dirty="0" smtClean="0"/>
-          </a:p>
-          <a:p>
-            <a:r>
-              <a:rPr lang="en-US" altLang="zh-CN" dirty="0" smtClean="0"/>
-              <a:t>【</a:t>
-            </a:r>
-            <a:r>
-              <a:rPr lang="zh-CN" altLang="en-US" dirty="0" smtClean="0"/>
-              <a:t>当前 </a:t>
-            </a:r>
-            <a:r>
-              <a:rPr lang="en-US" altLang="zh-CN" dirty="0" smtClean="0"/>
-              <a:t>k </a:t>
-            </a:r>
-            <a:r>
-              <a:rPr lang="zh-CN" altLang="en-US" dirty="0" smtClean="0"/>
-              <a:t>是从上方来还是左方来</a:t>
-            </a:r>
-            <a:r>
-              <a:rPr lang="en-US" altLang="zh-CN" dirty="0" smtClean="0"/>
-              <a:t>】</a:t>
+              <a:rPr lang="en-US" altLang="zh-CN" b="1" dirty="0"/>
+              <a:t>Diagonal </a:t>
+            </a:r>
+            <a:r>
+              <a:rPr lang="en-US" altLang="zh-CN" b="1" dirty="0" smtClean="0"/>
+              <a:t>lines: </a:t>
+            </a:r>
+            <a:endParaRPr lang="en-US" altLang="zh-CN" dirty="0"/>
+          </a:p>
+          <a:p>
+            <a:r>
+              <a:rPr lang="en-US" altLang="zh-CN" dirty="0" smtClean="0"/>
+              <a:t>    represent </a:t>
+            </a:r>
+            <a:r>
+              <a:rPr lang="en-US" altLang="zh-CN" dirty="0"/>
+              <a:t>items that </a:t>
+            </a:r>
+            <a:r>
+              <a:rPr lang="en-US" altLang="zh-CN" dirty="0" smtClean="0"/>
+              <a:t>match</a:t>
             </a:r>
             <a:endParaRPr lang="zh-CN" altLang="en-US" dirty="0"/>
           </a:p>
@@ -4486,14 +4634,14 @@
       </p:sp>
       <p:sp>
         <p:nvSpPr>
-          <p:cNvPr id="9" name="文本框 8"/>
+          <p:cNvPr id="10" name="文本框 9"/>
           <p:cNvSpPr txBox="1"/>
           <p:nvPr/>
         </p:nvSpPr>
         <p:spPr>
           <a:xfrm>
-            <a:off x="258845" y="3785095"/>
-            <a:ext cx="3403600" cy="2031325"/>
+            <a:off x="220521" y="633979"/>
+            <a:ext cx="2744662" cy="646331"/>
           </a:xfrm>
           <a:prstGeom prst="rect">
             <a:avLst/>
@@ -4501,86 +4649,6 @@
           <a:noFill/>
         </p:spPr>
         <p:txBody>
-          <a:bodyPr wrap="square" rtlCol="0">
-            <a:spAutoFit/>
-          </a:bodyPr>
-          <a:lstStyle/>
-          <a:p>
-            <a:r>
-              <a:rPr lang="zh-CN" altLang="en-US" dirty="0" smtClean="0"/>
-              <a:t>确定来源方向即确定</a:t>
-            </a:r>
-            <a:endParaRPr lang="en-US" altLang="zh-CN" dirty="0"/>
-          </a:p>
-          <a:p>
-            <a:r>
-              <a:rPr lang="en-US" altLang="zh-CN" dirty="0" smtClean="0"/>
-              <a:t>Snake</a:t>
-            </a:r>
-            <a:r>
-              <a:rPr lang="zh-CN" altLang="en-US" dirty="0" smtClean="0"/>
-              <a:t>的  </a:t>
-            </a:r>
-            <a:r>
-              <a:rPr lang="zh-CN" altLang="en-US" b="1" dirty="0" smtClean="0"/>
-              <a:t>起点中点</a:t>
-            </a:r>
-            <a:endParaRPr lang="en-US" altLang="zh-CN" dirty="0"/>
-          </a:p>
-          <a:p>
-            <a:endParaRPr lang="en-US" altLang="zh-CN" dirty="0" smtClean="0"/>
-          </a:p>
-          <a:p>
-            <a:r>
-              <a:rPr lang="zh-CN" altLang="en-US" dirty="0" smtClean="0"/>
-              <a:t>此时  </a:t>
-            </a:r>
-            <a:r>
-              <a:rPr lang="zh-CN" altLang="en-US" b="1" dirty="0" smtClean="0"/>
-              <a:t>中点和终点重合</a:t>
-            </a:r>
-            <a:endParaRPr lang="en-US" altLang="zh-CN" dirty="0"/>
-          </a:p>
-          <a:p>
-            <a:endParaRPr lang="en-US" altLang="zh-CN" dirty="0" smtClean="0"/>
-          </a:p>
-          <a:p>
-            <a:r>
-              <a:rPr lang="zh-CN" altLang="en-US" dirty="0" smtClean="0"/>
-              <a:t>最终由是否走斜线</a:t>
-            </a:r>
-            <a:endParaRPr lang="en-US" altLang="zh-CN" dirty="0" smtClean="0"/>
-          </a:p>
-          <a:p>
-            <a:r>
-              <a:rPr lang="zh-CN" altLang="en-US" dirty="0" smtClean="0"/>
-              <a:t>确定最远的  </a:t>
-            </a:r>
-            <a:r>
-              <a:rPr lang="zh-CN" altLang="en-US" b="1" dirty="0" smtClean="0"/>
-              <a:t>终点</a:t>
-            </a:r>
-            <a:endParaRPr lang="zh-CN" altLang="en-US" dirty="0"/>
-          </a:p>
-        </p:txBody>
-      </p:sp>
-      <p:sp>
-        <p:nvSpPr>
-          <p:cNvPr id="10" name="文本框 9"/>
-          <p:cNvSpPr txBox="1"/>
-          <p:nvPr/>
-        </p:nvSpPr>
-        <p:spPr>
-          <a:xfrm>
-            <a:off x="258845" y="450058"/>
-            <a:ext cx="1329210" cy="646331"/>
-          </a:xfrm>
-          <a:prstGeom prst="rect">
-            <a:avLst/>
-          </a:prstGeom>
-          <a:noFill/>
-        </p:spPr>
-        <p:txBody>
           <a:bodyPr wrap="none" rtlCol="0">
             <a:spAutoFit/>
           </a:bodyPr>
@@ -4588,13 +4656,21 @@
           <a:p>
             <a:r>
               <a:rPr lang="en-US" altLang="zh-CN" b="1" dirty="0" smtClean="0"/>
-              <a:t>V[k] = x</a:t>
-            </a:r>
-          </a:p>
-          <a:p>
-            <a:r>
-              <a:rPr lang="en-US" altLang="zh-CN" dirty="0" smtClean="0"/>
-              <a:t>=&gt; y = x -k</a:t>
+              <a:t>Requirements:</a:t>
+            </a:r>
+          </a:p>
+          <a:p>
+            <a:r>
+              <a:rPr lang="en-US" altLang="zh-CN" b="1" dirty="0"/>
+              <a:t> </a:t>
+            </a:r>
+            <a:r>
+              <a:rPr lang="en-US" altLang="zh-CN" b="1" dirty="0" smtClean="0"/>
+              <a:t>   </a:t>
+            </a:r>
+            <a:r>
+              <a:rPr lang="en-US" altLang="zh-CN" dirty="0" smtClean="0"/>
+              <a:t>convert A to B with SES</a:t>
             </a:r>
           </a:p>
         </p:txBody>
@@ -4602,13 +4678,20 @@
     </p:spTree>
     <p:extLst>
       <p:ext uri="{BB962C8B-B14F-4D97-AF65-F5344CB8AC3E}">
-        <p14:creationId xmlns:p14="http://schemas.microsoft.com/office/powerpoint/2010/main" val="3524083916"/>
+        <p14:creationId xmlns:p14="http://schemas.microsoft.com/office/powerpoint/2010/main" val="4091077495"/>
       </p:ext>
     </p:extLst>
   </p:cSld>
   <p:clrMapOvr>
     <a:masterClrMapping/>
   </p:clrMapOvr>
+  <p:timing>
+    <p:tnLst>
+      <p:par>
+        <p:cTn id="1" dur="indefinite" restart="never" nodeType="tmRoot"/>
+      </p:par>
+    </p:tnLst>
+  </p:timing>
 </p:sld>
 </file>
 
@@ -4647,8 +4730,8 @@
         </p:blipFill>
         <p:spPr>
           <a:xfrm>
-            <a:off x="6363734" y="420335"/>
-            <a:ext cx="5908783" cy="5537701"/>
+            <a:off x="5820788" y="654458"/>
+            <a:ext cx="6371212" cy="5449691"/>
           </a:xfrm>
           <a:prstGeom prst="rect">
             <a:avLst/>
@@ -4657,14 +4740,14 @@
       </p:pic>
       <p:sp>
         <p:nvSpPr>
-          <p:cNvPr id="5" name="文本框 4"/>
+          <p:cNvPr id="2" name="文本框 1"/>
           <p:cNvSpPr txBox="1"/>
           <p:nvPr/>
         </p:nvSpPr>
         <p:spPr>
           <a:xfrm>
-            <a:off x="404261" y="1193533"/>
-            <a:ext cx="3637534" cy="646331"/>
+            <a:off x="482600" y="863600"/>
+            <a:ext cx="3826689" cy="1200329"/>
           </a:xfrm>
           <a:prstGeom prst="rect">
             <a:avLst/>
@@ -4678,64 +4761,46 @@
           <a:lstStyle/>
           <a:p>
             <a:r>
-              <a:rPr lang="en-US" altLang="zh-CN" b="1" dirty="0"/>
-              <a:t> </a:t>
-            </a:r>
-            <a:r>
-              <a:rPr lang="en-US" altLang="zh-CN" b="1" dirty="0">
-                <a:solidFill>
-                  <a:srgbClr val="FF0000"/>
-                </a:solidFill>
-              </a:rPr>
-              <a:t>d</a:t>
-            </a:r>
-            <a:r>
-              <a:rPr lang="en-US" altLang="zh-CN" b="1" dirty="0"/>
-              <a:t> </a:t>
-            </a:r>
-            <a:r>
               <a:rPr lang="en-US" altLang="zh-CN" b="1" dirty="0" smtClean="0"/>
-              <a:t>=&gt; (</a:t>
-            </a:r>
-            <a:r>
-              <a:rPr lang="en-US" altLang="zh-CN" b="1" dirty="0" err="1"/>
-              <a:t>i</a:t>
-            </a:r>
-            <a:r>
-              <a:rPr lang="en-US" altLang="zh-CN" b="1" dirty="0"/>
-              <a:t> + diagonal, j + diagonal</a:t>
-            </a:r>
-            <a:r>
-              <a:rPr lang="en-US" altLang="zh-CN" b="1" dirty="0" smtClean="0"/>
-              <a:t>)</a:t>
-            </a:r>
-          </a:p>
-          <a:p>
-            <a:r>
-              <a:rPr lang="en-US" altLang="zh-CN" b="1" dirty="0"/>
-              <a:t>  </a:t>
-            </a:r>
-            <a:r>
-              <a:rPr lang="en-US" altLang="zh-CN" b="1" dirty="0" smtClean="0"/>
-              <a:t>   diagonal </a:t>
-            </a:r>
-            <a:r>
-              <a:rPr lang="zh-CN" altLang="en-US" b="1" dirty="0"/>
-              <a:t>为经过对角线的次数</a:t>
-            </a:r>
-          </a:p>
-        </p:txBody>
-      </p:sp>
-      <p:sp>
-        <p:nvSpPr>
-          <p:cNvPr id="7" name="文本框 6"/>
+              <a:t>Snake Define</a:t>
+            </a:r>
+          </a:p>
+          <a:p>
+            <a:endParaRPr lang="en-US" altLang="zh-CN" b="1" dirty="0"/>
+          </a:p>
+          <a:p>
+            <a:r>
+              <a:rPr lang="en-US" altLang="zh-CN" dirty="0"/>
+              <a:t>a single deletion or </a:t>
+            </a:r>
+            <a:r>
+              <a:rPr lang="en-US" altLang="zh-CN" dirty="0" smtClean="0"/>
+              <a:t>insertion</a:t>
+            </a:r>
+          </a:p>
+          <a:p>
+            <a:r>
+              <a:rPr lang="en-US" altLang="zh-CN" dirty="0" smtClean="0"/>
+              <a:t>followed </a:t>
+            </a:r>
+            <a:r>
+              <a:rPr lang="en-US" altLang="zh-CN" dirty="0"/>
+              <a:t>by zero or more diagonals.</a:t>
+            </a:r>
+            <a:endParaRPr lang="en-US" altLang="zh-CN" b="1" dirty="0"/>
+          </a:p>
+        </p:txBody>
+      </p:sp>
+      <p:sp>
+        <p:nvSpPr>
+          <p:cNvPr id="3" name="文本框 2"/>
           <p:cNvSpPr txBox="1"/>
           <p:nvPr/>
         </p:nvSpPr>
         <p:spPr>
           <a:xfrm>
-            <a:off x="404261" y="2450521"/>
-            <a:ext cx="4717958" cy="1477328"/>
+            <a:off x="482600" y="2971799"/>
+            <a:ext cx="5293437" cy="1200329"/>
           </a:xfrm>
           <a:prstGeom prst="rect">
             <a:avLst/>
@@ -4749,223 +4814,54 @@
           <a:lstStyle/>
           <a:p>
             <a:r>
-              <a:rPr lang="zh-CN" altLang="en-US" b="1" dirty="0" smtClean="0"/>
-              <a:t>设定 </a:t>
-            </a:r>
-            <a:r>
-              <a:rPr lang="en-US" altLang="zh-CN" b="1" dirty="0" smtClean="0">
-                <a:solidFill>
-                  <a:srgbClr val="FF0000"/>
-                </a:solidFill>
-              </a:rPr>
-              <a:t>k</a:t>
-            </a:r>
-            <a:r>
-              <a:rPr lang="en-US" altLang="zh-CN" b="1" dirty="0" smtClean="0"/>
-              <a:t> = x – y = </a:t>
-            </a:r>
-            <a:r>
-              <a:rPr lang="en-US" altLang="zh-CN" b="1" dirty="0" err="1"/>
-              <a:t>i</a:t>
-            </a:r>
-            <a:r>
-              <a:rPr lang="en-US" altLang="zh-CN" b="1" dirty="0"/>
-              <a:t> - j </a:t>
-            </a:r>
-            <a:r>
-              <a:rPr lang="zh-CN" altLang="en-US" b="1" dirty="0"/>
-              <a:t>的奇偶性就依赖于 </a:t>
-            </a:r>
-            <a:r>
-              <a:rPr lang="en-US" altLang="zh-CN" b="1" dirty="0" smtClean="0"/>
-              <a:t>d</a:t>
-            </a:r>
-          </a:p>
-          <a:p>
+              <a:rPr lang="en-US" altLang="zh-CN" b="1" u="sng" dirty="0"/>
+              <a:t>Longest Common Subsequence ( LCS )</a:t>
+            </a:r>
             <a:endParaRPr lang="en-US" altLang="zh-CN" b="1" dirty="0"/>
           </a:p>
           <a:p>
+            <a:endParaRPr lang="en-US" altLang="zh-CN" b="1" dirty="0"/>
+          </a:p>
+          <a:p>
             <a:r>
               <a:rPr lang="en-US" altLang="zh-CN" dirty="0"/>
-              <a:t> </a:t>
-            </a:r>
-            <a:r>
-              <a:rPr lang="en-US" altLang="zh-CN" dirty="0" smtClean="0"/>
-              <a:t>   </a:t>
-            </a:r>
-            <a:r>
-              <a:rPr lang="zh-CN" altLang="en-US" dirty="0" smtClean="0"/>
-              <a:t>当 </a:t>
+              <a:t>Finding the SES is equivalent to f</a:t>
+            </a:r>
+            <a:r>
+              <a:rPr lang="en-US" altLang="zh-CN" dirty="0" smtClean="0"/>
+              <a:t>inding </a:t>
+            </a:r>
+          </a:p>
+          <a:p>
+            <a:r>
+              <a:rPr lang="en-US" altLang="zh-CN" dirty="0" smtClean="0"/>
+              <a:t>the </a:t>
             </a:r>
             <a:r>
               <a:rPr lang="en-US" altLang="zh-CN" dirty="0"/>
-              <a:t>d </a:t>
-            </a:r>
-            <a:r>
-              <a:rPr lang="zh-CN" altLang="en-US" dirty="0"/>
-              <a:t>为奇数， </a:t>
-            </a:r>
-            <a:r>
-              <a:rPr lang="en-US" altLang="zh-CN" dirty="0" err="1"/>
-              <a:t>i</a:t>
-            </a:r>
-            <a:r>
-              <a:rPr lang="en-US" altLang="zh-CN" dirty="0"/>
-              <a:t> + j </a:t>
-            </a:r>
-            <a:r>
-              <a:rPr lang="zh-CN" altLang="en-US" dirty="0"/>
-              <a:t>就是</a:t>
-            </a:r>
-            <a:r>
-              <a:rPr lang="zh-CN" altLang="en-US" dirty="0" smtClean="0"/>
-              <a:t>奇数</a:t>
-            </a:r>
-            <a:r>
-              <a:rPr lang="en-US" altLang="zh-CN" dirty="0" smtClean="0"/>
-              <a:t>(2*diagonal</a:t>
-            </a:r>
-            <a:r>
-              <a:rPr lang="zh-CN" altLang="en-US" dirty="0" smtClean="0"/>
-              <a:t>偶</a:t>
-            </a:r>
-            <a:r>
-              <a:rPr lang="en-US" altLang="zh-CN" dirty="0" smtClean="0"/>
-              <a:t>)</a:t>
-            </a:r>
-          </a:p>
-          <a:p>
-            <a:r>
-              <a:rPr lang="zh-CN" altLang="en-US" dirty="0" smtClean="0"/>
-              <a:t>    自然 </a:t>
-            </a:r>
-            <a:r>
-              <a:rPr lang="en-US" altLang="zh-CN" dirty="0" err="1"/>
-              <a:t>i</a:t>
-            </a:r>
-            <a:r>
-              <a:rPr lang="en-US" altLang="zh-CN" dirty="0"/>
-              <a:t>-j </a:t>
-            </a:r>
-            <a:r>
-              <a:rPr lang="zh-CN" altLang="en-US" dirty="0"/>
-              <a:t>就是奇数 </a:t>
-            </a:r>
-            <a:r>
-              <a:rPr lang="en-US" altLang="zh-CN" dirty="0"/>
-              <a:t>=&gt; d </a:t>
-            </a:r>
-            <a:r>
-              <a:rPr lang="zh-CN" altLang="en-US" dirty="0"/>
-              <a:t>奇 </a:t>
-            </a:r>
-            <a:r>
-              <a:rPr lang="en-US" altLang="zh-CN" dirty="0"/>
-              <a:t>k </a:t>
-            </a:r>
-            <a:r>
-              <a:rPr lang="zh-CN" altLang="en-US" dirty="0"/>
-              <a:t>奇</a:t>
-            </a:r>
-            <a:r>
-              <a:rPr lang="en-US" altLang="zh-CN" dirty="0"/>
-              <a:t>, d </a:t>
-            </a:r>
-            <a:r>
-              <a:rPr lang="zh-CN" altLang="en-US" dirty="0"/>
-              <a:t>偶 </a:t>
-            </a:r>
-            <a:r>
-              <a:rPr lang="en-US" altLang="zh-CN" dirty="0"/>
-              <a:t>k </a:t>
-            </a:r>
-            <a:r>
-              <a:rPr lang="zh-CN" altLang="en-US" dirty="0"/>
-              <a:t>偶</a:t>
-            </a:r>
-          </a:p>
-          <a:p>
+              <a:t>Longest Common Subsequence of the two files.</a:t>
+            </a:r>
             <a:endParaRPr lang="zh-CN" altLang="en-US" b="1" dirty="0"/>
-          </a:p>
-        </p:txBody>
-      </p:sp>
-      <p:sp>
-        <p:nvSpPr>
-          <p:cNvPr id="8" name="文本框 7"/>
-          <p:cNvSpPr txBox="1"/>
-          <p:nvPr/>
-        </p:nvSpPr>
-        <p:spPr>
-          <a:xfrm>
-            <a:off x="404261" y="4292867"/>
-            <a:ext cx="5750292" cy="923330"/>
-          </a:xfrm>
-          <a:prstGeom prst="rect">
-            <a:avLst/>
-          </a:prstGeom>
-          <a:noFill/>
-        </p:spPr>
-        <p:txBody>
-          <a:bodyPr wrap="none" rtlCol="0">
-            <a:spAutoFit/>
-          </a:bodyPr>
-          <a:lstStyle/>
-          <a:p>
-            <a:r>
-              <a:rPr lang="en-US" altLang="zh-CN" dirty="0"/>
-              <a:t>k </a:t>
-            </a:r>
-            <a:r>
-              <a:rPr lang="zh-CN" altLang="en-US" dirty="0"/>
-              <a:t>这里有个重点意识</a:t>
-            </a:r>
-            <a:r>
-              <a:rPr lang="zh-CN" altLang="en-US" dirty="0" smtClean="0"/>
-              <a:t>：</a:t>
-            </a:r>
-            <a:endParaRPr lang="en-US" altLang="zh-CN" dirty="0" smtClean="0"/>
-          </a:p>
-          <a:p>
-            <a:r>
-              <a:rPr lang="zh-CN" altLang="en-US" b="1" dirty="0" smtClean="0"/>
-              <a:t>   任何</a:t>
-            </a:r>
-            <a:r>
-              <a:rPr lang="zh-CN" altLang="en-US" b="1" dirty="0"/>
-              <a:t>抵达 </a:t>
-            </a:r>
-            <a:r>
-              <a:rPr lang="en-US" altLang="zh-CN" b="1" dirty="0"/>
-              <a:t>k </a:t>
-            </a:r>
-            <a:r>
-              <a:rPr lang="zh-CN" altLang="en-US" b="1" dirty="0"/>
-              <a:t>线的点 必经过了至少 </a:t>
-            </a:r>
-            <a:r>
-              <a:rPr lang="en-US" altLang="zh-CN" b="1" dirty="0"/>
-              <a:t>|k| </a:t>
-            </a:r>
-            <a:r>
-              <a:rPr lang="zh-CN" altLang="en-US" b="1" dirty="0"/>
-              <a:t>个 增或者删操作</a:t>
-            </a:r>
-          </a:p>
-          <a:p>
-            <a:endParaRPr lang="zh-CN" altLang="en-US" dirty="0"/>
           </a:p>
         </p:txBody>
       </p:sp>
     </p:spTree>
     <p:extLst>
       <p:ext uri="{BB962C8B-B14F-4D97-AF65-F5344CB8AC3E}">
-        <p14:creationId xmlns:p14="http://schemas.microsoft.com/office/powerpoint/2010/main" val="4035381371"/>
+        <p14:creationId xmlns:p14="http://schemas.microsoft.com/office/powerpoint/2010/main" val="900976711"/>
       </p:ext>
     </p:extLst>
   </p:cSld>
   <p:clrMapOvr>
     <a:masterClrMapping/>
   </p:clrMapOvr>
+  <p:timing>
+    <p:tnLst>
+      <p:par>
+        <p:cTn id="1" dur="indefinite" restart="never" nodeType="tmRoot"/>
+      </p:par>
+    </p:tnLst>
+  </p:timing>
 </p:sld>
 </file>
 
@@ -4988,11 +4884,13 @@
       </p:grpSpPr>
       <p:pic>
         <p:nvPicPr>
-          <p:cNvPr id="4" name="图片 3"/>
+          <p:cNvPr id="4" name="内容占位符 3"/>
           <p:cNvPicPr>
-            <a:picLocks noChangeAspect="1"/>
+            <a:picLocks noGrp="1" noChangeAspect="1"/>
           </p:cNvPicPr>
-          <p:nvPr/>
+          <p:nvPr>
+            <p:ph idx="1"/>
+          </p:nvPr>
         </p:nvPicPr>
         <p:blipFill>
           <a:blip r:embed="rId2"/>
@@ -5002,8 +4900,8 @@
         </p:blipFill>
         <p:spPr>
           <a:xfrm>
-            <a:off x="3940944" y="100113"/>
-            <a:ext cx="7505700" cy="6677025"/>
+            <a:off x="6577975" y="1066380"/>
+            <a:ext cx="5908783" cy="5537701"/>
           </a:xfrm>
           <a:prstGeom prst="rect">
             <a:avLst/>
@@ -5012,14 +4910,14 @@
       </p:pic>
       <p:sp>
         <p:nvSpPr>
-          <p:cNvPr id="2" name="文本框 1"/>
+          <p:cNvPr id="5" name="文本框 4"/>
           <p:cNvSpPr txBox="1"/>
           <p:nvPr/>
         </p:nvSpPr>
         <p:spPr>
           <a:xfrm>
-            <a:off x="516466" y="601133"/>
-            <a:ext cx="1099981" cy="369332"/>
+            <a:off x="404261" y="1193533"/>
+            <a:ext cx="5907386" cy="646331"/>
           </a:xfrm>
           <a:prstGeom prst="rect">
             <a:avLst/>
@@ -5033,17 +4931,286 @@
           <a:lstStyle/>
           <a:p>
             <a:r>
+              <a:rPr lang="en-US" altLang="zh-CN" b="1" dirty="0"/>
+              <a:t> </a:t>
+            </a:r>
+            <a:r>
+              <a:rPr lang="en-US" altLang="zh-CN" b="1" dirty="0">
+                <a:solidFill>
+                  <a:srgbClr val="FF0000"/>
+                </a:solidFill>
+              </a:rPr>
+              <a:t>d</a:t>
+            </a:r>
+            <a:r>
+              <a:rPr lang="en-US" altLang="zh-CN" b="1" dirty="0"/>
+              <a:t> </a:t>
+            </a:r>
+            <a:r>
               <a:rPr lang="en-US" altLang="zh-CN" b="1" dirty="0" smtClean="0"/>
-              <a:t>Visualize</a:t>
+              <a:t>=&gt; (</a:t>
+            </a:r>
+            <a:r>
+              <a:rPr lang="en-US" altLang="zh-CN" b="1" dirty="0" err="1"/>
+              <a:t>i</a:t>
+            </a:r>
+            <a:r>
+              <a:rPr lang="en-US" altLang="zh-CN" b="1" dirty="0"/>
+              <a:t> + diagonal, j + diagonal</a:t>
+            </a:r>
+            <a:r>
+              <a:rPr lang="en-US" altLang="zh-CN" b="1" dirty="0" smtClean="0"/>
+              <a:t>)</a:t>
+            </a:r>
+          </a:p>
+          <a:p>
+            <a:r>
+              <a:rPr lang="en-US" altLang="zh-CN" b="1" dirty="0"/>
+              <a:t>  </a:t>
+            </a:r>
+            <a:r>
+              <a:rPr lang="en-US" altLang="zh-CN" b="1" dirty="0" smtClean="0"/>
+              <a:t>   diagonal parameter is the count of diagonal passed</a:t>
             </a:r>
             <a:endParaRPr lang="zh-CN" altLang="en-US" b="1" dirty="0"/>
+          </a:p>
+        </p:txBody>
+      </p:sp>
+      <p:sp>
+        <p:nvSpPr>
+          <p:cNvPr id="7" name="文本框 6"/>
+          <p:cNvSpPr txBox="1"/>
+          <p:nvPr/>
+        </p:nvSpPr>
+        <p:spPr>
+          <a:xfrm>
+            <a:off x="404261" y="2450521"/>
+            <a:ext cx="5868914" cy="2031325"/>
+          </a:xfrm>
+          <a:prstGeom prst="rect">
+            <a:avLst/>
+          </a:prstGeom>
+          <a:noFill/>
+        </p:spPr>
+        <p:txBody>
+          <a:bodyPr wrap="none" rtlCol="0">
+            <a:spAutoFit/>
+          </a:bodyPr>
+          <a:lstStyle/>
+          <a:p>
+            <a:r>
+              <a:rPr lang="en-US" altLang="zh-CN" b="1" dirty="0" smtClean="0"/>
+              <a:t>define</a:t>
+            </a:r>
+            <a:r>
+              <a:rPr lang="zh-CN" altLang="en-US" b="1" dirty="0" smtClean="0"/>
+              <a:t> </a:t>
+            </a:r>
+            <a:r>
+              <a:rPr lang="en-US" altLang="zh-CN" b="1" dirty="0" smtClean="0">
+                <a:solidFill>
+                  <a:srgbClr val="FF0000"/>
+                </a:solidFill>
+              </a:rPr>
+              <a:t>k</a:t>
+            </a:r>
+            <a:r>
+              <a:rPr lang="en-US" altLang="zh-CN" b="1" dirty="0" smtClean="0"/>
+              <a:t> = x – y = </a:t>
+            </a:r>
+            <a:r>
+              <a:rPr lang="en-US" altLang="zh-CN" b="1" dirty="0" err="1"/>
+              <a:t>i</a:t>
+            </a:r>
+            <a:r>
+              <a:rPr lang="en-US" altLang="zh-CN" b="1" dirty="0"/>
+              <a:t> </a:t>
+            </a:r>
+            <a:r>
+              <a:rPr lang="en-US" altLang="zh-CN" b="1" dirty="0" smtClean="0"/>
+              <a:t>– j</a:t>
+            </a:r>
+          </a:p>
+          <a:p>
+            <a:r>
+              <a:rPr lang="en-US" altLang="zh-CN" b="1" dirty="0" smtClean="0"/>
+              <a:t>then the even</a:t>
+            </a:r>
+            <a:r>
+              <a:rPr lang="en-US" altLang="zh-CN" b="1" dirty="0"/>
+              <a:t> or odd </a:t>
+            </a:r>
+            <a:r>
+              <a:rPr lang="en-US" altLang="zh-CN" b="1" dirty="0" smtClean="0"/>
+              <a:t>quality of k depends on </a:t>
+            </a:r>
+            <a:r>
+              <a:rPr lang="en-US" altLang="zh-CN" b="1" dirty="0" smtClean="0">
+                <a:solidFill>
+                  <a:srgbClr val="FF0000"/>
+                </a:solidFill>
+              </a:rPr>
+              <a:t>d</a:t>
+            </a:r>
+          </a:p>
+          <a:p>
+            <a:endParaRPr lang="en-US" altLang="zh-CN" b="1" dirty="0"/>
+          </a:p>
+          <a:p>
+            <a:r>
+              <a:rPr lang="en-US" altLang="zh-CN" b="1" dirty="0" smtClean="0"/>
+              <a:t>Explain</a:t>
+            </a:r>
+            <a:r>
+              <a:rPr lang="en-US" altLang="zh-CN" dirty="0" smtClean="0"/>
+              <a:t>:</a:t>
+            </a:r>
+          </a:p>
+          <a:p>
+            <a:r>
+              <a:rPr lang="en-US" altLang="zh-CN" dirty="0"/>
+              <a:t>I</a:t>
+            </a:r>
+            <a:r>
+              <a:rPr lang="en-US" altLang="zh-CN" dirty="0" smtClean="0"/>
+              <a:t>f</a:t>
+            </a:r>
+            <a:r>
+              <a:rPr lang="zh-CN" altLang="en-US" dirty="0" smtClean="0"/>
+              <a:t> </a:t>
+            </a:r>
+            <a:r>
+              <a:rPr lang="en-US" altLang="zh-CN" dirty="0" smtClean="0">
+                <a:solidFill>
+                  <a:srgbClr val="FF0000"/>
+                </a:solidFill>
+              </a:rPr>
+              <a:t>d</a:t>
+            </a:r>
+            <a:r>
+              <a:rPr lang="en-US" altLang="zh-CN" dirty="0" smtClean="0"/>
+              <a:t> is odd, then</a:t>
+            </a:r>
+            <a:r>
+              <a:rPr lang="zh-CN" altLang="en-US" dirty="0" smtClean="0"/>
+              <a:t> </a:t>
+            </a:r>
+            <a:r>
+              <a:rPr lang="en-US" altLang="zh-CN" b="1" dirty="0" err="1">
+                <a:solidFill>
+                  <a:srgbClr val="FF0000"/>
+                </a:solidFill>
+              </a:rPr>
+              <a:t>i</a:t>
+            </a:r>
+            <a:r>
+              <a:rPr lang="en-US" altLang="zh-CN" b="1" dirty="0">
+                <a:solidFill>
+                  <a:srgbClr val="FF0000"/>
+                </a:solidFill>
+              </a:rPr>
+              <a:t> + j </a:t>
+            </a:r>
+            <a:r>
+              <a:rPr lang="en-US" altLang="zh-CN" dirty="0" smtClean="0"/>
+              <a:t>will be odd since </a:t>
+            </a:r>
+            <a:r>
+              <a:rPr lang="en-US" altLang="zh-CN" dirty="0" smtClean="0">
+                <a:solidFill>
+                  <a:srgbClr val="FF0000"/>
+                </a:solidFill>
+              </a:rPr>
+              <a:t>2*diagonal</a:t>
+            </a:r>
+            <a:r>
+              <a:rPr lang="zh-CN" altLang="en-US" dirty="0" smtClean="0"/>
+              <a:t> </a:t>
+            </a:r>
+            <a:r>
+              <a:rPr lang="en-US" altLang="zh-CN" dirty="0" smtClean="0"/>
+              <a:t>is even)</a:t>
+            </a:r>
+          </a:p>
+          <a:p>
+            <a:r>
+              <a:rPr lang="en-US" altLang="zh-CN" dirty="0" smtClean="0"/>
+              <a:t>So </a:t>
+            </a:r>
+            <a:r>
+              <a:rPr lang="en-US" altLang="zh-CN" dirty="0">
+                <a:solidFill>
+                  <a:srgbClr val="FF0000"/>
+                </a:solidFill>
+              </a:rPr>
+              <a:t>i</a:t>
+            </a:r>
+            <a:r>
+              <a:rPr lang="en-US" altLang="zh-CN" dirty="0" smtClean="0">
+                <a:solidFill>
+                  <a:srgbClr val="FF0000"/>
+                </a:solidFill>
+              </a:rPr>
+              <a:t> – j</a:t>
+            </a:r>
+            <a:r>
+              <a:rPr lang="en-US" altLang="zh-CN" dirty="0" smtClean="0"/>
+              <a:t> will be odd =&gt; d odd =&gt; k odd</a:t>
+            </a:r>
+          </a:p>
+          <a:p>
+            <a:endParaRPr lang="zh-CN" altLang="en-US" b="1" dirty="0"/>
+          </a:p>
+        </p:txBody>
+      </p:sp>
+      <p:sp>
+        <p:nvSpPr>
+          <p:cNvPr id="8" name="文本框 7"/>
+          <p:cNvSpPr txBox="1"/>
+          <p:nvPr/>
+        </p:nvSpPr>
+        <p:spPr>
+          <a:xfrm>
+            <a:off x="404261" y="4630838"/>
+            <a:ext cx="5012565" cy="923330"/>
+          </a:xfrm>
+          <a:prstGeom prst="rect">
+            <a:avLst/>
+          </a:prstGeom>
+          <a:noFill/>
+        </p:spPr>
+        <p:txBody>
+          <a:bodyPr wrap="square" rtlCol="0">
+            <a:spAutoFit/>
+          </a:bodyPr>
+          <a:lstStyle/>
+          <a:p>
+            <a:r>
+              <a:rPr lang="en-US" altLang="zh-CN" b="1" dirty="0" smtClean="0"/>
+              <a:t>Any point arrived at k diagonal line </a:t>
+            </a:r>
+          </a:p>
+          <a:p>
+            <a:r>
+              <a:rPr lang="en-US" altLang="zh-CN" b="1" dirty="0" smtClean="0"/>
+              <a:t>must have gone through at least |</a:t>
+            </a:r>
+            <a:r>
+              <a:rPr lang="en-US" altLang="zh-CN" b="1" dirty="0"/>
+              <a:t>k| </a:t>
+            </a:r>
+            <a:r>
+              <a:rPr lang="en-US" altLang="zh-CN" b="1" dirty="0" smtClean="0"/>
+              <a:t>operations</a:t>
+            </a:r>
+            <a:endParaRPr lang="zh-CN" altLang="en-US" dirty="0"/>
           </a:p>
         </p:txBody>
       </p:sp>
     </p:spTree>
     <p:extLst>
       <p:ext uri="{BB962C8B-B14F-4D97-AF65-F5344CB8AC3E}">
-        <p14:creationId xmlns:p14="http://schemas.microsoft.com/office/powerpoint/2010/main" val="3235177758"/>
+        <p14:creationId xmlns:p14="http://schemas.microsoft.com/office/powerpoint/2010/main" val="4035381371"/>
       </p:ext>
     </p:extLst>
   </p:cSld>
@@ -5077,38 +5244,13 @@
           <a:chExt cx="0" cy="0"/>
         </a:xfrm>
       </p:grpSpPr>
-      <p:sp>
-        <p:nvSpPr>
-          <p:cNvPr id="2" name="标题 1"/>
-          <p:cNvSpPr>
-            <a:spLocks noGrp="1"/>
-          </p:cNvSpPr>
-          <p:nvPr>
-            <p:ph type="title"/>
-          </p:nvPr>
-        </p:nvSpPr>
-        <p:spPr/>
-        <p:txBody>
-          <a:bodyPr/>
-          <a:lstStyle/>
-          <a:p>
-            <a:r>
-              <a:rPr lang="en-US" altLang="zh-CN" b="1" dirty="0" smtClean="0"/>
-              <a:t>merge</a:t>
-            </a:r>
-            <a:endParaRPr lang="zh-CN" altLang="en-US" b="1" dirty="0"/>
-          </a:p>
-        </p:txBody>
-      </p:sp>
       <p:pic>
         <p:nvPicPr>
-          <p:cNvPr id="4" name="内容占位符 3"/>
+          <p:cNvPr id="4" name="图片 3"/>
           <p:cNvPicPr>
-            <a:picLocks noGrp="1" noChangeAspect="1"/>
+            <a:picLocks noChangeAspect="1"/>
           </p:cNvPicPr>
-          <p:nvPr>
-            <p:ph idx="1"/>
-          </p:nvPr>
+          <p:nvPr/>
         </p:nvPicPr>
         <p:blipFill>
           <a:blip r:embed="rId2"/>
@@ -5118,18 +5260,48 @@
         </p:blipFill>
         <p:spPr>
           <a:xfrm>
-            <a:off x="606080" y="1690688"/>
-            <a:ext cx="10379627" cy="4408463"/>
+            <a:off x="2082327" y="180975"/>
+            <a:ext cx="7505700" cy="6677025"/>
           </a:xfrm>
           <a:prstGeom prst="rect">
             <a:avLst/>
           </a:prstGeom>
         </p:spPr>
       </p:pic>
+      <p:sp>
+        <p:nvSpPr>
+          <p:cNvPr id="2" name="文本框 1"/>
+          <p:cNvSpPr txBox="1"/>
+          <p:nvPr/>
+        </p:nvSpPr>
+        <p:spPr>
+          <a:xfrm>
+            <a:off x="516466" y="601133"/>
+            <a:ext cx="1099981" cy="369332"/>
+          </a:xfrm>
+          <a:prstGeom prst="rect">
+            <a:avLst/>
+          </a:prstGeom>
+          <a:noFill/>
+        </p:spPr>
+        <p:txBody>
+          <a:bodyPr wrap="none" rtlCol="0">
+            <a:spAutoFit/>
+          </a:bodyPr>
+          <a:lstStyle/>
+          <a:p>
+            <a:r>
+              <a:rPr lang="en-US" altLang="zh-CN" b="1" dirty="0" smtClean="0"/>
+              <a:t>Visualize</a:t>
+            </a:r>
+            <a:endParaRPr lang="zh-CN" altLang="en-US" b="1" dirty="0"/>
+          </a:p>
+        </p:txBody>
+      </p:sp>
     </p:spTree>
     <p:extLst>
       <p:ext uri="{BB962C8B-B14F-4D97-AF65-F5344CB8AC3E}">
-        <p14:creationId xmlns:p14="http://schemas.microsoft.com/office/powerpoint/2010/main" val="2255739779"/>
+        <p14:creationId xmlns:p14="http://schemas.microsoft.com/office/powerpoint/2010/main" val="3235177758"/>
       </p:ext>
     </p:extLst>
   </p:cSld>
@@ -5163,9 +5335,189 @@
           <a:chExt cx="0" cy="0"/>
         </a:xfrm>
       </p:grpSpPr>
+      <p:sp>
+        <p:nvSpPr>
+          <p:cNvPr id="5" name="文本框 4"/>
+          <p:cNvSpPr txBox="1"/>
+          <p:nvPr/>
+        </p:nvSpPr>
+        <p:spPr>
+          <a:xfrm>
+            <a:off x="168111" y="1484743"/>
+            <a:ext cx="3651962" cy="646331"/>
+          </a:xfrm>
+          <a:prstGeom prst="rect">
+            <a:avLst/>
+          </a:prstGeom>
+          <a:noFill/>
+        </p:spPr>
+        <p:txBody>
+          <a:bodyPr wrap="none" rtlCol="0">
+            <a:spAutoFit/>
+          </a:bodyPr>
+          <a:lstStyle/>
+          <a:p>
+            <a:r>
+              <a:rPr lang="en-US" altLang="zh-CN" b="1" dirty="0" err="1" smtClean="0"/>
+              <a:t>Outter</a:t>
+            </a:r>
+            <a:r>
+              <a:rPr lang="en-US" altLang="zh-CN" b="1" dirty="0" smtClean="0"/>
+              <a:t> loop to limit steps</a:t>
+            </a:r>
+          </a:p>
+          <a:p>
+            <a:r>
+              <a:rPr lang="en-US" altLang="zh-CN" dirty="0" smtClean="0"/>
+              <a:t>【What is the status at any step?】</a:t>
+            </a:r>
+            <a:endParaRPr lang="zh-CN" altLang="en-US" dirty="0"/>
+          </a:p>
+        </p:txBody>
+      </p:sp>
+      <p:sp>
+        <p:nvSpPr>
+          <p:cNvPr id="6" name="文本框 5"/>
+          <p:cNvSpPr txBox="1"/>
+          <p:nvPr/>
+        </p:nvSpPr>
+        <p:spPr>
+          <a:xfrm>
+            <a:off x="120343" y="2634919"/>
+            <a:ext cx="3853940" cy="646331"/>
+          </a:xfrm>
+          <a:prstGeom prst="rect">
+            <a:avLst/>
+          </a:prstGeom>
+          <a:noFill/>
+        </p:spPr>
+        <p:txBody>
+          <a:bodyPr wrap="none" rtlCol="0">
+            <a:spAutoFit/>
+          </a:bodyPr>
+          <a:lstStyle/>
+          <a:p>
+            <a:r>
+              <a:rPr lang="en-US" altLang="zh-CN" b="1" dirty="0" smtClean="0"/>
+              <a:t>Inner loop decide the choice</a:t>
+            </a:r>
+          </a:p>
+          <a:p>
+            <a:r>
+              <a:rPr lang="en-US" altLang="zh-CN" dirty="0" smtClean="0"/>
+              <a:t>【We are from the up or the left?】</a:t>
+            </a:r>
+            <a:endParaRPr lang="zh-CN" altLang="en-US" dirty="0"/>
+          </a:p>
+        </p:txBody>
+      </p:sp>
+      <p:sp>
+        <p:nvSpPr>
+          <p:cNvPr id="9" name="文本框 8"/>
+          <p:cNvSpPr txBox="1"/>
+          <p:nvPr/>
+        </p:nvSpPr>
+        <p:spPr>
+          <a:xfrm>
+            <a:off x="258845" y="3785095"/>
+            <a:ext cx="4024920" cy="2862322"/>
+          </a:xfrm>
+          <a:prstGeom prst="rect">
+            <a:avLst/>
+          </a:prstGeom>
+          <a:noFill/>
+        </p:spPr>
+        <p:txBody>
+          <a:bodyPr wrap="square" rtlCol="0">
+            <a:spAutoFit/>
+          </a:bodyPr>
+          <a:lstStyle/>
+          <a:p>
+            <a:r>
+              <a:rPr lang="en-US" altLang="zh-CN" dirty="0" smtClean="0"/>
+              <a:t>When you know where are you from</a:t>
+            </a:r>
+            <a:endParaRPr lang="en-US" altLang="zh-CN" dirty="0"/>
+          </a:p>
+          <a:p>
+            <a:r>
+              <a:rPr lang="en-US" altLang="zh-CN" dirty="0" smtClean="0"/>
+              <a:t>You will get Snake’s</a:t>
+            </a:r>
+            <a:r>
+              <a:rPr lang="zh-CN" altLang="en-US" dirty="0" smtClean="0"/>
+              <a:t> </a:t>
+            </a:r>
+            <a:r>
+              <a:rPr lang="en-US" altLang="zh-CN" dirty="0" smtClean="0"/>
+              <a:t>start point and </a:t>
+            </a:r>
+            <a:r>
+              <a:rPr lang="en-US" altLang="zh-CN" b="1" dirty="0" smtClean="0"/>
+              <a:t>initial middle point</a:t>
+            </a:r>
+            <a:endParaRPr lang="en-US" altLang="zh-CN" dirty="0"/>
+          </a:p>
+          <a:p>
+            <a:endParaRPr lang="en-US" altLang="zh-CN" dirty="0" smtClean="0"/>
+          </a:p>
+          <a:p>
+            <a:r>
+              <a:rPr lang="en-US" altLang="zh-CN" dirty="0" smtClean="0"/>
+              <a:t>And this time middle point also is end point, they are at the same position</a:t>
+            </a:r>
+            <a:endParaRPr lang="en-US" altLang="zh-CN" dirty="0"/>
+          </a:p>
+          <a:p>
+            <a:endParaRPr lang="en-US" altLang="zh-CN" dirty="0" smtClean="0"/>
+          </a:p>
+          <a:p>
+            <a:r>
+              <a:rPr lang="en-US" altLang="zh-CN" dirty="0" smtClean="0"/>
+              <a:t>Then if there are many diagonal ways after the middle point, the end point will move around the way</a:t>
+            </a:r>
+            <a:endParaRPr lang="zh-CN" altLang="en-US" dirty="0"/>
+          </a:p>
+        </p:txBody>
+      </p:sp>
+      <p:sp>
+        <p:nvSpPr>
+          <p:cNvPr id="10" name="文本框 9"/>
+          <p:cNvSpPr txBox="1"/>
+          <p:nvPr/>
+        </p:nvSpPr>
+        <p:spPr>
+          <a:xfrm>
+            <a:off x="258845" y="450058"/>
+            <a:ext cx="1329210" cy="646331"/>
+          </a:xfrm>
+          <a:prstGeom prst="rect">
+            <a:avLst/>
+          </a:prstGeom>
+          <a:noFill/>
+        </p:spPr>
+        <p:txBody>
+          <a:bodyPr wrap="none" rtlCol="0">
+            <a:spAutoFit/>
+          </a:bodyPr>
+          <a:lstStyle/>
+          <a:p>
+            <a:r>
+              <a:rPr lang="en-US" altLang="zh-CN" b="1" dirty="0" smtClean="0"/>
+              <a:t>V[k] = x</a:t>
+            </a:r>
+          </a:p>
+          <a:p>
+            <a:r>
+              <a:rPr lang="en-US" altLang="zh-CN" dirty="0" smtClean="0"/>
+              <a:t>=&gt; y = x -k</a:t>
+            </a:r>
+          </a:p>
+        </p:txBody>
+      </p:sp>
       <p:pic>
         <p:nvPicPr>
-          <p:cNvPr id="6" name="图片 5"/>
+          <p:cNvPr id="2" name="图片 1"/>
           <p:cNvPicPr>
             <a:picLocks noChangeAspect="1"/>
           </p:cNvPicPr>
@@ -5179,74 +5531,18 @@
         </p:blipFill>
         <p:spPr>
           <a:xfrm>
-            <a:off x="6023169" y="1363075"/>
-            <a:ext cx="6089318" cy="3576673"/>
+            <a:off x="4477454" y="97409"/>
+            <a:ext cx="7500512" cy="6684891"/>
           </a:xfrm>
           <a:prstGeom prst="rect">
             <a:avLst/>
           </a:prstGeom>
         </p:spPr>
       </p:pic>
-      <p:pic>
-        <p:nvPicPr>
-          <p:cNvPr id="8" name="内容占位符 7"/>
-          <p:cNvPicPr>
-            <a:picLocks noGrp="1" noChangeAspect="1"/>
-          </p:cNvPicPr>
-          <p:nvPr>
-            <p:ph idx="1"/>
-          </p:nvPr>
-        </p:nvPicPr>
-        <p:blipFill>
-          <a:blip r:embed="rId3"/>
-          <a:stretch>
-            <a:fillRect/>
-          </a:stretch>
-        </p:blipFill>
-        <p:spPr>
-          <a:xfrm>
-            <a:off x="317639" y="1522101"/>
-            <a:ext cx="5599530" cy="3526977"/>
-          </a:xfrm>
-          <a:prstGeom prst="rect">
-            <a:avLst/>
-          </a:prstGeom>
-        </p:spPr>
-      </p:pic>
-      <p:sp>
-        <p:nvSpPr>
-          <p:cNvPr id="9" name="文本框 8"/>
-          <p:cNvSpPr txBox="1"/>
-          <p:nvPr/>
-        </p:nvSpPr>
-        <p:spPr>
-          <a:xfrm>
-            <a:off x="805070" y="427384"/>
-            <a:ext cx="3576620" cy="707886"/>
-          </a:xfrm>
-          <a:prstGeom prst="rect">
-            <a:avLst/>
-          </a:prstGeom>
-          <a:noFill/>
-        </p:spPr>
-        <p:txBody>
-          <a:bodyPr wrap="none" rtlCol="0">
-            <a:spAutoFit/>
-          </a:bodyPr>
-          <a:lstStyle/>
-          <a:p>
-            <a:r>
-              <a:rPr lang="en-US" altLang="zh-CN" sz="4000" b="1" dirty="0" smtClean="0"/>
-              <a:t>Initial with diff</a:t>
-            </a:r>
-            <a:endParaRPr lang="zh-CN" altLang="en-US" sz="4000" b="1" dirty="0"/>
-          </a:p>
-        </p:txBody>
-      </p:sp>
     </p:spTree>
     <p:extLst>
       <p:ext uri="{BB962C8B-B14F-4D97-AF65-F5344CB8AC3E}">
-        <p14:creationId xmlns:p14="http://schemas.microsoft.com/office/powerpoint/2010/main" val="2736970533"/>
+        <p14:creationId xmlns:p14="http://schemas.microsoft.com/office/powerpoint/2010/main" val="3524083916"/>
       </p:ext>
     </p:extLst>
   </p:cSld>
@@ -5290,19 +5586,14 @@
             <p:ph type="title"/>
           </p:nvPr>
         </p:nvSpPr>
-        <p:spPr>
-          <a:xfrm>
-            <a:off x="152400" y="-72197"/>
-            <a:ext cx="10515600" cy="1325563"/>
-          </a:xfrm>
-        </p:spPr>
+        <p:spPr/>
         <p:txBody>
           <a:bodyPr/>
           <a:lstStyle/>
           <a:p>
             <a:r>
               <a:rPr lang="en-US" altLang="zh-CN" b="1" dirty="0" smtClean="0"/>
-              <a:t>Build chunks</a:t>
+              <a:t>merge</a:t>
             </a:r>
             <a:endParaRPr lang="zh-CN" altLang="en-US" b="1" dirty="0"/>
           </a:p>
@@ -5310,11 +5601,13 @@
       </p:sp>
       <p:pic>
         <p:nvPicPr>
-          <p:cNvPr id="4" name="图片 3"/>
+          <p:cNvPr id="4" name="内容占位符 3"/>
           <p:cNvPicPr>
-            <a:picLocks noChangeAspect="1"/>
+            <a:picLocks noGrp="1" noChangeAspect="1"/>
           </p:cNvPicPr>
-          <p:nvPr/>
+          <p:nvPr>
+            <p:ph idx="1"/>
+          </p:nvPr>
         </p:nvPicPr>
         <p:blipFill>
           <a:blip r:embed="rId2"/>
@@ -5324,8 +5617,8 @@
         </p:blipFill>
         <p:spPr>
           <a:xfrm>
-            <a:off x="1580322" y="1253366"/>
-            <a:ext cx="8567076" cy="5236887"/>
+            <a:off x="606080" y="1690688"/>
+            <a:ext cx="10379627" cy="4408463"/>
           </a:xfrm>
           <a:prstGeom prst="rect">
             <a:avLst/>
@@ -5335,7 +5628,7 @@
     </p:spTree>
     <p:extLst>
       <p:ext uri="{BB962C8B-B14F-4D97-AF65-F5344CB8AC3E}">
-        <p14:creationId xmlns:p14="http://schemas.microsoft.com/office/powerpoint/2010/main" val="2456176830"/>
+        <p14:creationId xmlns:p14="http://schemas.microsoft.com/office/powerpoint/2010/main" val="2255739779"/>
       </p:ext>
     </p:extLst>
   </p:cSld>
@@ -5465,7 +5758,11 @@
           <a:p>
             <a:pPr lvl="1"/>
             <a:r>
-              <a:rPr lang="en-US" altLang="zh-CN" b="1" dirty="0" err="1" smtClean="0"/>
+              <a:rPr lang="en-US" altLang="zh-CN" b="1" dirty="0" err="1" smtClean="0">
+                <a:solidFill>
+                  <a:schemeClr val="accent6"/>
+                </a:solidFill>
+              </a:rPr>
               <a:t>Picocli</a:t>
             </a:r>
             <a:r>
@@ -5517,12 +5814,16 @@
           <a:p>
             <a:pPr lvl="1"/>
             <a:r>
-              <a:rPr lang="en-US" altLang="zh-CN" b="1" smtClean="0"/>
-              <a:t>JNR-POSIX cd </a:t>
+              <a:rPr lang="en-US" altLang="zh-CN" b="1" dirty="0" smtClean="0">
+                <a:solidFill>
+                  <a:schemeClr val="accent6"/>
+                </a:solidFill>
+              </a:rPr>
+              <a:t>JNR-POSIX</a:t>
             </a:r>
             <a:r>
               <a:rPr lang="en-US" altLang="zh-CN" b="1" dirty="0" smtClean="0"/>
-              <a:t>command </a:t>
+              <a:t> cd command </a:t>
             </a:r>
           </a:p>
           <a:p>
@@ -5570,11 +5871,37 @@
       </p:grpSpPr>
       <p:pic>
         <p:nvPicPr>
-          <p:cNvPr id="5" name="图片 4"/>
+          <p:cNvPr id="6" name="图片 5"/>
           <p:cNvPicPr>
             <a:picLocks noChangeAspect="1"/>
           </p:cNvPicPr>
           <p:nvPr/>
+        </p:nvPicPr>
+        <p:blipFill>
+          <a:blip r:embed="rId2"/>
+          <a:stretch>
+            <a:fillRect/>
+          </a:stretch>
+        </p:blipFill>
+        <p:spPr>
+          <a:xfrm>
+            <a:off x="6023169" y="1363075"/>
+            <a:ext cx="6089318" cy="3576673"/>
+          </a:xfrm>
+          <a:prstGeom prst="rect">
+            <a:avLst/>
+          </a:prstGeom>
+        </p:spPr>
+      </p:pic>
+      <p:pic>
+        <p:nvPicPr>
+          <p:cNvPr id="8" name="内容占位符 7"/>
+          <p:cNvPicPr>
+            <a:picLocks noGrp="1" noChangeAspect="1"/>
+          </p:cNvPicPr>
+          <p:nvPr>
+            <p:ph idx="1"/>
+          </p:nvPr>
         </p:nvPicPr>
         <p:blipFill>
           <a:blip r:embed="rId3"/>
@@ -5584,8 +5911,228 @@
         </p:blipFill>
         <p:spPr>
           <a:xfrm>
-            <a:off x="811488" y="342486"/>
-            <a:ext cx="10429875" cy="6153150"/>
+            <a:off x="317639" y="1522101"/>
+            <a:ext cx="5599530" cy="3526977"/>
+          </a:xfrm>
+          <a:prstGeom prst="rect">
+            <a:avLst/>
+          </a:prstGeom>
+        </p:spPr>
+      </p:pic>
+      <p:sp>
+        <p:nvSpPr>
+          <p:cNvPr id="9" name="文本框 8"/>
+          <p:cNvSpPr txBox="1"/>
+          <p:nvPr/>
+        </p:nvSpPr>
+        <p:spPr>
+          <a:xfrm>
+            <a:off x="805070" y="427384"/>
+            <a:ext cx="3576620" cy="707886"/>
+          </a:xfrm>
+          <a:prstGeom prst="rect">
+            <a:avLst/>
+          </a:prstGeom>
+          <a:noFill/>
+        </p:spPr>
+        <p:txBody>
+          <a:bodyPr wrap="none" rtlCol="0">
+            <a:spAutoFit/>
+          </a:bodyPr>
+          <a:lstStyle/>
+          <a:p>
+            <a:r>
+              <a:rPr lang="en-US" altLang="zh-CN" sz="4000" b="1" dirty="0" smtClean="0"/>
+              <a:t>Initial with diff</a:t>
+            </a:r>
+            <a:endParaRPr lang="zh-CN" altLang="en-US" sz="4000" b="1" dirty="0"/>
+          </a:p>
+        </p:txBody>
+      </p:sp>
+    </p:spTree>
+    <p:extLst>
+      <p:ext uri="{BB962C8B-B14F-4D97-AF65-F5344CB8AC3E}">
+        <p14:creationId xmlns:p14="http://schemas.microsoft.com/office/powerpoint/2010/main" val="2736970533"/>
+      </p:ext>
+    </p:extLst>
+  </p:cSld>
+  <p:clrMapOvr>
+    <a:masterClrMapping/>
+  </p:clrMapOvr>
+  <p:timing>
+    <p:tnLst>
+      <p:par>
+        <p:cTn id="1" dur="indefinite" restart="never" nodeType="tmRoot"/>
+      </p:par>
+    </p:tnLst>
+  </p:timing>
+</p:sld>
+</file>
+
+<file path=ppt/slides/slide21.xml><?xml version="1.0" encoding="utf-8"?>
+<p:sld xmlns:a="http://schemas.openxmlformats.org/drawingml/2006/main" xmlns:r="http://schemas.openxmlformats.org/officeDocument/2006/relationships" xmlns:p="http://schemas.openxmlformats.org/presentationml/2006/main">
+  <p:cSld>
+    <p:spTree>
+      <p:nvGrpSpPr>
+        <p:cNvPr id="1" name=""/>
+        <p:cNvGrpSpPr/>
+        <p:nvPr/>
+      </p:nvGrpSpPr>
+      <p:grpSpPr>
+        <a:xfrm>
+          <a:off x="0" y="0"/>
+          <a:ext cx="0" cy="0"/>
+          <a:chOff x="0" y="0"/>
+          <a:chExt cx="0" cy="0"/>
+        </a:xfrm>
+      </p:grpSpPr>
+      <p:sp>
+        <p:nvSpPr>
+          <p:cNvPr id="2" name="标题 1"/>
+          <p:cNvSpPr>
+            <a:spLocks noGrp="1"/>
+          </p:cNvSpPr>
+          <p:nvPr>
+            <p:ph type="title"/>
+          </p:nvPr>
+        </p:nvSpPr>
+        <p:spPr>
+          <a:xfrm>
+            <a:off x="152400" y="-72197"/>
+            <a:ext cx="10515600" cy="1325563"/>
+          </a:xfrm>
+        </p:spPr>
+        <p:txBody>
+          <a:bodyPr/>
+          <a:lstStyle/>
+          <a:p>
+            <a:r>
+              <a:rPr lang="en-US" altLang="zh-CN" b="1" dirty="0" smtClean="0"/>
+              <a:t>Build chunks</a:t>
+            </a:r>
+            <a:endParaRPr lang="zh-CN" altLang="en-US" b="1" dirty="0"/>
+          </a:p>
+        </p:txBody>
+      </p:sp>
+      <p:pic>
+        <p:nvPicPr>
+          <p:cNvPr id="4" name="图片 3"/>
+          <p:cNvPicPr>
+            <a:picLocks noChangeAspect="1"/>
+          </p:cNvPicPr>
+          <p:nvPr/>
+        </p:nvPicPr>
+        <p:blipFill>
+          <a:blip r:embed="rId2"/>
+          <a:stretch>
+            <a:fillRect/>
+          </a:stretch>
+        </p:blipFill>
+        <p:spPr>
+          <a:xfrm>
+            <a:off x="1580322" y="1253366"/>
+            <a:ext cx="8567076" cy="5236887"/>
+          </a:xfrm>
+          <a:prstGeom prst="rect">
+            <a:avLst/>
+          </a:prstGeom>
+        </p:spPr>
+      </p:pic>
+    </p:spTree>
+    <p:extLst>
+      <p:ext uri="{BB962C8B-B14F-4D97-AF65-F5344CB8AC3E}">
+        <p14:creationId xmlns:p14="http://schemas.microsoft.com/office/powerpoint/2010/main" val="2456176830"/>
+      </p:ext>
+    </p:extLst>
+  </p:cSld>
+  <p:clrMapOvr>
+    <a:masterClrMapping/>
+  </p:clrMapOvr>
+  <p:timing>
+    <p:tnLst>
+      <p:par>
+        <p:cTn id="1" dur="indefinite" restart="never" nodeType="tmRoot"/>
+      </p:par>
+    </p:tnLst>
+  </p:timing>
+</p:sld>
+</file>
+
+<file path=ppt/slides/slide22.xml><?xml version="1.0" encoding="utf-8"?>
+<p:sld xmlns:a="http://schemas.openxmlformats.org/drawingml/2006/main" xmlns:r="http://schemas.openxmlformats.org/officeDocument/2006/relationships" xmlns:p="http://schemas.openxmlformats.org/presentationml/2006/main">
+  <p:cSld>
+    <p:spTree>
+      <p:nvGrpSpPr>
+        <p:cNvPr id="1" name=""/>
+        <p:cNvGrpSpPr/>
+        <p:nvPr/>
+      </p:nvGrpSpPr>
+      <p:grpSpPr>
+        <a:xfrm>
+          <a:off x="0" y="0"/>
+          <a:ext cx="0" cy="0"/>
+          <a:chOff x="0" y="0"/>
+          <a:chExt cx="0" cy="0"/>
+        </a:xfrm>
+      </p:grpSpPr>
+      <p:sp>
+        <p:nvSpPr>
+          <p:cNvPr id="4" name="文本框 3"/>
+          <p:cNvSpPr txBox="1"/>
+          <p:nvPr/>
+        </p:nvSpPr>
+        <p:spPr>
+          <a:xfrm>
+            <a:off x="606287" y="218660"/>
+            <a:ext cx="3339547" cy="830997"/>
+          </a:xfrm>
+          <a:prstGeom prst="rect">
+            <a:avLst/>
+          </a:prstGeom>
+          <a:noFill/>
+        </p:spPr>
+        <p:txBody>
+          <a:bodyPr wrap="square" rtlCol="0">
+            <a:spAutoFit/>
+          </a:bodyPr>
+          <a:lstStyle/>
+          <a:p>
+            <a:r>
+              <a:rPr lang="en-US" altLang="zh-CN" sz="4800" b="1" dirty="0" smtClean="0"/>
+              <a:t>Ex, </a:t>
+            </a:r>
+            <a:r>
+              <a:rPr lang="en-US" altLang="zh-CN" sz="4800" b="1" dirty="0" smtClean="0">
+                <a:hlinkClick r:id="rId3"/>
+              </a:rPr>
+              <a:t>code</a:t>
+            </a:r>
+            <a:r>
+              <a:rPr lang="en-US" altLang="zh-CN" sz="4800" b="1" dirty="0" smtClean="0"/>
+              <a:t> </a:t>
+            </a:r>
+            <a:endParaRPr lang="zh-CN" altLang="en-US" sz="4800" b="1" dirty="0"/>
+          </a:p>
+        </p:txBody>
+      </p:sp>
+      <p:pic>
+        <p:nvPicPr>
+          <p:cNvPr id="7" name="图片 6"/>
+          <p:cNvPicPr>
+            <a:picLocks noChangeAspect="1"/>
+          </p:cNvPicPr>
+          <p:nvPr/>
+        </p:nvPicPr>
+        <p:blipFill>
+          <a:blip r:embed="rId4"/>
+          <a:stretch>
+            <a:fillRect/>
+          </a:stretch>
+        </p:blipFill>
+        <p:spPr>
+          <a:xfrm>
+            <a:off x="606288" y="891208"/>
+            <a:ext cx="10734260" cy="5321257"/>
           </a:xfrm>
           <a:prstGeom prst="rect">
             <a:avLst/>
@@ -5602,6 +6149,223 @@
   <p:clrMapOvr>
     <a:masterClrMapping/>
   </p:clrMapOvr>
+  <p:timing>
+    <p:tnLst>
+      <p:par>
+        <p:cTn id="1" dur="indefinite" restart="never" nodeType="tmRoot"/>
+      </p:par>
+    </p:tnLst>
+  </p:timing>
+</p:sld>
+</file>
+
+<file path=ppt/slides/slide23.xml><?xml version="1.0" encoding="utf-8"?>
+<p:sld xmlns:a="http://schemas.openxmlformats.org/drawingml/2006/main" xmlns:r="http://schemas.openxmlformats.org/officeDocument/2006/relationships" xmlns:p="http://schemas.openxmlformats.org/presentationml/2006/main">
+  <p:cSld>
+    <p:spTree>
+      <p:nvGrpSpPr>
+        <p:cNvPr id="1" name=""/>
+        <p:cNvGrpSpPr/>
+        <p:nvPr/>
+      </p:nvGrpSpPr>
+      <p:grpSpPr>
+        <a:xfrm>
+          <a:off x="0" y="0"/>
+          <a:ext cx="0" cy="0"/>
+          <a:chOff x="0" y="0"/>
+          <a:chExt cx="0" cy="0"/>
+        </a:xfrm>
+      </p:grpSpPr>
+      <p:sp>
+        <p:nvSpPr>
+          <p:cNvPr id="2" name="标题 1"/>
+          <p:cNvSpPr>
+            <a:spLocks noGrp="1"/>
+          </p:cNvSpPr>
+          <p:nvPr>
+            <p:ph type="title"/>
+          </p:nvPr>
+        </p:nvSpPr>
+        <p:spPr>
+          <a:xfrm>
+            <a:off x="460513" y="186221"/>
+            <a:ext cx="10515600" cy="1325563"/>
+          </a:xfrm>
+        </p:spPr>
+        <p:txBody>
+          <a:bodyPr/>
+          <a:lstStyle/>
+          <a:p>
+            <a:r>
+              <a:rPr lang="en-US" altLang="zh-CN" dirty="0" smtClean="0"/>
+              <a:t>References</a:t>
+            </a:r>
+            <a:endParaRPr lang="zh-CN" altLang="en-US" dirty="0"/>
+          </a:p>
+        </p:txBody>
+      </p:sp>
+      <p:sp>
+        <p:nvSpPr>
+          <p:cNvPr id="3" name="内容占位符 2"/>
+          <p:cNvSpPr>
+            <a:spLocks noGrp="1"/>
+          </p:cNvSpPr>
+          <p:nvPr>
+            <p:ph idx="1"/>
+          </p:nvPr>
+        </p:nvSpPr>
+        <p:spPr>
+          <a:xfrm>
+            <a:off x="798897" y="1511784"/>
+            <a:ext cx="10554903" cy="4665179"/>
+          </a:xfrm>
+        </p:spPr>
+        <p:txBody>
+          <a:bodyPr>
+            <a:normAutofit lnSpcReduction="10000"/>
+          </a:bodyPr>
+          <a:lstStyle/>
+          <a:p>
+            <a:r>
+              <a:rPr lang="en-US" altLang="zh-CN" dirty="0" smtClean="0">
+                <a:hlinkClick r:id="rId2"/>
+              </a:rPr>
+              <a:t>Nikita</a:t>
+            </a:r>
+            <a:r>
+              <a:rPr lang="en-US" altLang="zh-CN" dirty="0" smtClean="0"/>
+              <a:t>  Thanks for this tutorial.</a:t>
+            </a:r>
+          </a:p>
+          <a:p>
+            <a:endParaRPr lang="en-US" altLang="zh-CN" dirty="0"/>
+          </a:p>
+          <a:p>
+            <a:r>
+              <a:rPr lang="en-US" altLang="zh-CN" dirty="0">
+                <a:hlinkClick r:id="rId3"/>
+              </a:rPr>
+              <a:t>Nick Butler</a:t>
+            </a:r>
+            <a:r>
+              <a:rPr lang="en-US" altLang="zh-CN" dirty="0"/>
+              <a:t> this post is short but enough to help you have a higher level to understand </a:t>
+            </a:r>
+            <a:r>
+              <a:rPr lang="en-US" altLang="zh-CN" dirty="0" smtClean="0"/>
+              <a:t>diff</a:t>
+            </a:r>
+            <a:endParaRPr lang="en-US" altLang="zh-CN" dirty="0"/>
+          </a:p>
+          <a:p>
+            <a:r>
+              <a:rPr lang="en-US" altLang="zh-CN" dirty="0" err="1">
+                <a:hlinkClick r:id="rId4"/>
+              </a:rPr>
+              <a:t>jcoglan</a:t>
+            </a:r>
+            <a:r>
+              <a:rPr lang="en-US" altLang="zh-CN" dirty="0"/>
+              <a:t> this posts make a detail description about the diff.</a:t>
+            </a:r>
+          </a:p>
+          <a:p>
+            <a:r>
+              <a:rPr lang="en-US" altLang="zh-CN" dirty="0">
+                <a:hlinkClick r:id="rId5"/>
+              </a:rPr>
+              <a:t>visualize</a:t>
+            </a:r>
+            <a:r>
+              <a:rPr lang="en-US" altLang="zh-CN" dirty="0"/>
+              <a:t> if you </a:t>
+            </a:r>
+            <a:r>
+              <a:rPr lang="en-US" altLang="zh-CN" dirty="0" err="1"/>
+              <a:t>wanna</a:t>
+            </a:r>
+            <a:r>
+              <a:rPr lang="en-US" altLang="zh-CN" dirty="0"/>
+              <a:t> have a debugger or visualization about diff algorithm, this will be a good choice</a:t>
+            </a:r>
+            <a:r>
+              <a:rPr lang="en-US" altLang="zh-CN" dirty="0" smtClean="0"/>
+              <a:t>.</a:t>
+            </a:r>
+          </a:p>
+          <a:p>
+            <a:endParaRPr lang="en-US" altLang="zh-CN" dirty="0"/>
+          </a:p>
+          <a:p>
+            <a:r>
+              <a:rPr lang="en-US" altLang="zh-CN" dirty="0" smtClean="0">
+                <a:hlinkClick r:id="rId6"/>
+              </a:rPr>
+              <a:t>Real </a:t>
+            </a:r>
+            <a:r>
+              <a:rPr lang="en-US" altLang="zh-CN" dirty="0" err="1" smtClean="0">
+                <a:hlinkClick r:id="rId6"/>
+              </a:rPr>
+              <a:t>git</a:t>
+            </a:r>
+            <a:r>
+              <a:rPr lang="en-US" altLang="zh-CN" dirty="0" smtClean="0"/>
+              <a:t> if you </a:t>
+            </a:r>
+            <a:r>
+              <a:rPr lang="en-US" altLang="zh-CN" dirty="0" err="1" smtClean="0"/>
+              <a:t>wanna</a:t>
+            </a:r>
+            <a:r>
+              <a:rPr lang="en-US" altLang="zh-CN" dirty="0" smtClean="0"/>
+              <a:t> learn the real </a:t>
+            </a:r>
+            <a:r>
+              <a:rPr lang="en-US" altLang="zh-CN" dirty="0" err="1" smtClean="0"/>
+              <a:t>git</a:t>
+            </a:r>
+            <a:r>
+              <a:rPr lang="en-US" altLang="zh-CN" dirty="0"/>
+              <a:t>, </a:t>
+            </a:r>
+            <a:r>
+              <a:rPr lang="en-US" altLang="zh-CN" dirty="0" smtClean="0"/>
+              <a:t>this would </a:t>
+            </a:r>
+            <a:r>
+              <a:rPr lang="en-US" altLang="zh-CN" dirty="0"/>
+              <a:t>be a good introductory article </a:t>
+            </a:r>
+          </a:p>
+          <a:p>
+            <a:endParaRPr lang="en-US" altLang="zh-CN" dirty="0"/>
+          </a:p>
+          <a:p>
+            <a:endParaRPr lang="en-US" altLang="zh-CN" dirty="0"/>
+          </a:p>
+          <a:p>
+            <a:endParaRPr lang="zh-CN" altLang="en-US" dirty="0"/>
+          </a:p>
+        </p:txBody>
+      </p:sp>
+    </p:spTree>
+    <p:extLst>
+      <p:ext uri="{BB962C8B-B14F-4D97-AF65-F5344CB8AC3E}">
+        <p14:creationId xmlns:p14="http://schemas.microsoft.com/office/powerpoint/2010/main" val="3924382728"/>
+      </p:ext>
+    </p:extLst>
+  </p:cSld>
+  <p:clrMapOvr>
+    <a:masterClrMapping/>
+  </p:clrMapOvr>
+  <p:timing>
+    <p:tnLst>
+      <p:par>
+        <p:cTn id="1" dur="indefinite" restart="never" nodeType="tmRoot"/>
+      </p:par>
+    </p:tnLst>
+  </p:timing>
 </p:sld>
 </file>
 
@@ -5771,6 +6535,13 @@
   <p:clrMapOvr>
     <a:masterClrMapping/>
   </p:clrMapOvr>
+  <p:timing>
+    <p:tnLst>
+      <p:par>
+        <p:cTn id="1" dur="indefinite" restart="never" nodeType="tmRoot"/>
+      </p:par>
+    </p:tnLst>
+  </p:timing>
 </p:sld>
 </file>
 
@@ -5791,37 +6562,9 @@
           <a:chExt cx="0" cy="0"/>
         </a:xfrm>
       </p:grpSpPr>
-      <p:sp>
-        <p:nvSpPr>
-          <p:cNvPr id="2" name="标题 1"/>
-          <p:cNvSpPr>
-            <a:spLocks noGrp="1"/>
-          </p:cNvSpPr>
-          <p:nvPr>
-            <p:ph type="title"/>
-          </p:nvPr>
-        </p:nvSpPr>
-        <p:spPr>
-          <a:xfrm>
-            <a:off x="311426" y="146464"/>
-            <a:ext cx="10515600" cy="1325563"/>
-          </a:xfrm>
-        </p:spPr>
-        <p:txBody>
-          <a:bodyPr/>
-          <a:lstStyle/>
-          <a:p>
-            <a:r>
-              <a:rPr lang="en-US" altLang="zh-CN" b="1" dirty="0" smtClean="0"/>
-              <a:t>file system</a:t>
-            </a:r>
-            <a:endParaRPr lang="zh-CN" altLang="en-US" b="1" dirty="0"/>
-          </a:p>
-        </p:txBody>
-      </p:sp>
       <p:pic>
         <p:nvPicPr>
-          <p:cNvPr id="3" name="图片 2"/>
+          <p:cNvPr id="7" name="图片 6"/>
           <p:cNvPicPr>
             <a:picLocks noChangeAspect="1"/>
           </p:cNvPicPr>
@@ -5835,8 +6578,8 @@
         </p:blipFill>
         <p:spPr>
           <a:xfrm>
-            <a:off x="3619098" y="146464"/>
-            <a:ext cx="8338617" cy="6579690"/>
+            <a:off x="2891488" y="134753"/>
+            <a:ext cx="9465134" cy="3457074"/>
           </a:xfrm>
           <a:prstGeom prst="rect">
             <a:avLst/>
@@ -5845,14 +6588,14 @@
       </p:pic>
       <p:sp>
         <p:nvSpPr>
-          <p:cNvPr id="7" name="文本框 6"/>
+          <p:cNvPr id="10" name="文本框 9"/>
           <p:cNvSpPr txBox="1"/>
           <p:nvPr/>
         </p:nvSpPr>
         <p:spPr>
           <a:xfrm>
-            <a:off x="118921" y="2005148"/>
-            <a:ext cx="3411511" cy="3139321"/>
+            <a:off x="0" y="529390"/>
+            <a:ext cx="3157087" cy="2585323"/>
           </a:xfrm>
           <a:prstGeom prst="rect">
             <a:avLst/>
@@ -5860,14 +6603,14 @@
           <a:noFill/>
         </p:spPr>
         <p:txBody>
-          <a:bodyPr wrap="none" rtlCol="0">
+          <a:bodyPr wrap="square" rtlCol="0">
             <a:spAutoFit/>
           </a:bodyPr>
           <a:lstStyle/>
           <a:p>
             <a:r>
               <a:rPr lang="en-US" altLang="zh-CN" b="1" dirty="0" smtClean="0"/>
-              <a:t>Others:</a:t>
+              <a:t>Example: </a:t>
             </a:r>
           </a:p>
           <a:p>
@@ -5876,132 +6619,99 @@
           <a:p>
             <a:r>
               <a:rPr lang="en-US" altLang="zh-CN" b="1" dirty="0" smtClean="0"/>
-              <a:t>   remotes: remote repository</a:t>
-            </a:r>
+              <a:t>options </a:t>
+            </a:r>
+            <a:r>
+              <a:rPr lang="en-US" altLang="zh-CN" b="1" dirty="0"/>
+              <a:t>with one or more </a:t>
+            </a:r>
+            <a:r>
+              <a:rPr lang="en-US" altLang="zh-CN" b="1" dirty="0" smtClean="0"/>
+              <a:t>names</a:t>
+            </a:r>
+          </a:p>
+          <a:p>
             <a:endParaRPr lang="en-US" altLang="zh-CN" b="1" dirty="0"/>
           </a:p>
           <a:p>
             <a:r>
               <a:rPr lang="en-US" altLang="zh-CN" b="1" dirty="0" smtClean="0"/>
-              <a:t>   </a:t>
-            </a:r>
-            <a:r>
-              <a:rPr lang="en-US" altLang="zh-CN" b="1" dirty="0" smtClean="0">
-                <a:solidFill>
-                  <a:schemeClr val="accent6"/>
-                </a:solidFill>
+              <a:t>options </a:t>
+            </a:r>
+            <a:r>
+              <a:rPr lang="en-US" altLang="zh-CN" b="1" dirty="0"/>
+              <a:t>that take </a:t>
+            </a:r>
+            <a:r>
+              <a:rPr lang="en-US" altLang="zh-CN" b="1" dirty="0" smtClean="0"/>
+              <a:t> </a:t>
+            </a:r>
+          </a:p>
+          <a:p>
+            <a:r>
+              <a:rPr lang="en-US" altLang="zh-CN" b="1" dirty="0" smtClean="0"/>
+              <a:t>an </a:t>
+            </a:r>
+            <a:r>
+              <a:rPr lang="en-US" altLang="zh-CN" b="1" dirty="0"/>
+              <a:t>option parameter, </a:t>
+            </a:r>
+            <a:endParaRPr lang="en-US" altLang="zh-CN" b="1" dirty="0" smtClean="0"/>
+          </a:p>
+          <a:p>
+            <a:endParaRPr lang="en-US" altLang="zh-CN" b="1" dirty="0" smtClean="0"/>
+          </a:p>
+          <a:p>
+            <a:r>
+              <a:rPr lang="en-US" altLang="zh-CN" b="1" dirty="0" smtClean="0"/>
+              <a:t>and </a:t>
+            </a:r>
+            <a:r>
+              <a:rPr lang="en-US" altLang="zh-CN" b="1" dirty="0"/>
+              <a:t>a </a:t>
+            </a:r>
+            <a:r>
+              <a:rPr lang="en-US" altLang="zh-CN" b="1" u="sng" dirty="0">
+                <a:hlinkClick r:id="rId3"/>
               </a:rPr>
-              <a:t>refs/remotes/remote-branch</a:t>
-            </a:r>
-          </a:p>
-          <a:p>
-            <a:endParaRPr lang="en-US" altLang="zh-CN" b="1" dirty="0"/>
-          </a:p>
-          <a:p>
-            <a:endParaRPr lang="en-US" altLang="zh-CN" b="1" dirty="0" smtClean="0"/>
-          </a:p>
-          <a:p>
+              <a:t>help</a:t>
+            </a:r>
             <a:r>
               <a:rPr lang="en-US" altLang="zh-CN" b="1" dirty="0"/>
-              <a:t> </a:t>
-            </a:r>
-            <a:r>
-              <a:rPr lang="en-US" altLang="zh-CN" b="1" dirty="0" smtClean="0"/>
-              <a:t>  hooks: hooks script</a:t>
-            </a:r>
-          </a:p>
-          <a:p>
-            <a:r>
-              <a:rPr lang="en-US" altLang="zh-CN" b="1" dirty="0"/>
-              <a:t> </a:t>
-            </a:r>
-            <a:r>
-              <a:rPr lang="en-US" altLang="zh-CN" b="1" dirty="0" smtClean="0"/>
-              <a:t>  </a:t>
-            </a:r>
-            <a:r>
-              <a:rPr lang="en-US" altLang="zh-CN" b="1" dirty="0" smtClean="0">
-                <a:solidFill>
-                  <a:schemeClr val="accent6"/>
-                </a:solidFill>
-              </a:rPr>
-              <a:t>.</a:t>
-            </a:r>
-            <a:r>
-              <a:rPr lang="en-US" altLang="zh-CN" b="1" dirty="0" err="1" smtClean="0">
-                <a:solidFill>
-                  <a:schemeClr val="accent6"/>
-                </a:solidFill>
-              </a:rPr>
-              <a:t>git</a:t>
-            </a:r>
-            <a:r>
-              <a:rPr lang="en-US" altLang="zh-CN" b="1" dirty="0" smtClean="0">
-                <a:solidFill>
-                  <a:schemeClr val="accent6"/>
-                </a:solidFill>
-              </a:rPr>
-              <a:t>/hooks</a:t>
-            </a:r>
-          </a:p>
-          <a:p>
-            <a:endParaRPr lang="en-US" altLang="zh-CN" b="1" dirty="0" smtClean="0"/>
-          </a:p>
-          <a:p>
-            <a:endParaRPr lang="en-US" altLang="zh-CN" b="1" dirty="0"/>
-          </a:p>
-          <a:p>
-            <a:r>
-              <a:rPr lang="en-US" altLang="zh-CN" b="1" dirty="0" smtClean="0"/>
-              <a:t>   </a:t>
-            </a:r>
-            <a:r>
-              <a:rPr lang="en-US" altLang="zh-CN" b="1" dirty="0" err="1">
-                <a:solidFill>
-                  <a:schemeClr val="accent6"/>
-                </a:solidFill>
-              </a:rPr>
-              <a:t>c</a:t>
-            </a:r>
-            <a:r>
-              <a:rPr lang="en-US" altLang="zh-CN" b="1" dirty="0" err="1" smtClean="0">
-                <a:solidFill>
-                  <a:schemeClr val="accent6"/>
-                </a:solidFill>
-              </a:rPr>
-              <a:t>onfig</a:t>
-            </a:r>
-            <a:r>
-              <a:rPr lang="en-US" altLang="zh-CN" b="1" dirty="0" smtClean="0"/>
-              <a:t>, </a:t>
-            </a:r>
-            <a:r>
-              <a:rPr lang="en-US" altLang="zh-CN" b="1" dirty="0" smtClean="0">
-                <a:solidFill>
-                  <a:schemeClr val="accent6"/>
-                </a:solidFill>
-              </a:rPr>
-              <a:t>description</a:t>
-            </a:r>
-            <a:r>
-              <a:rPr lang="en-US" altLang="zh-CN" b="1" dirty="0" smtClean="0"/>
-              <a:t> and </a:t>
-            </a:r>
-            <a:r>
-              <a:rPr lang="en-US" altLang="zh-CN" b="1" dirty="0" smtClean="0">
-                <a:solidFill>
-                  <a:schemeClr val="accent6"/>
-                </a:solidFill>
-              </a:rPr>
-              <a:t>…</a:t>
-            </a:r>
-          </a:p>
-        </p:txBody>
-      </p:sp>
+              <a:t> option.</a:t>
+            </a:r>
+            <a:endParaRPr lang="zh-CN" altLang="en-US" b="1" dirty="0"/>
+          </a:p>
+        </p:txBody>
+      </p:sp>
+      <p:pic>
+        <p:nvPicPr>
+          <p:cNvPr id="11" name="图片 10"/>
+          <p:cNvPicPr>
+            <a:picLocks noChangeAspect="1"/>
+          </p:cNvPicPr>
+          <p:nvPr/>
+        </p:nvPicPr>
+        <p:blipFill>
+          <a:blip r:embed="rId4"/>
+          <a:stretch>
+            <a:fillRect/>
+          </a:stretch>
+        </p:blipFill>
+        <p:spPr>
+          <a:xfrm>
+            <a:off x="1489399" y="3774707"/>
+            <a:ext cx="10944225" cy="2971800"/>
+          </a:xfrm>
+          <a:prstGeom prst="rect">
+            <a:avLst/>
+          </a:prstGeom>
+        </p:spPr>
+      </p:pic>
     </p:spTree>
     <p:extLst>
       <p:ext uri="{BB962C8B-B14F-4D97-AF65-F5344CB8AC3E}">
-        <p14:creationId xmlns:p14="http://schemas.microsoft.com/office/powerpoint/2010/main" val="1725030420"/>
+        <p14:creationId xmlns:p14="http://schemas.microsoft.com/office/powerpoint/2010/main" val="3203893566"/>
       </p:ext>
     </p:extLst>
   </p:cSld>
@@ -6047,7 +6757,7 @@
         </p:nvSpPr>
         <p:spPr>
           <a:xfrm>
-            <a:off x="291548" y="-92075"/>
+            <a:off x="311426" y="146464"/>
             <a:ext cx="10515600" cy="1325563"/>
           </a:xfrm>
         </p:spPr>
@@ -6056,177 +6766,196 @@
           <a:lstStyle/>
           <a:p>
             <a:r>
-              <a:rPr lang="en-US" altLang="zh-CN" dirty="0"/>
-              <a:t>basic command</a:t>
-            </a:r>
-            <a:endParaRPr lang="zh-CN" altLang="en-US" dirty="0"/>
-          </a:p>
-        </p:txBody>
-      </p:sp>
-      <p:sp>
-        <p:nvSpPr>
-          <p:cNvPr id="3" name="内容占位符 2"/>
-          <p:cNvSpPr>
-            <a:spLocks noGrp="1"/>
-          </p:cNvSpPr>
-          <p:nvPr>
-            <p:ph idx="1"/>
-          </p:nvPr>
-        </p:nvSpPr>
-        <p:spPr>
-          <a:xfrm>
-            <a:off x="460513" y="1233488"/>
-            <a:ext cx="11257722" cy="5187190"/>
-          </a:xfrm>
-        </p:spPr>
-        <p:txBody>
-          <a:bodyPr/>
-          <a:lstStyle/>
-          <a:p>
-            <a:r>
-              <a:rPr lang="en-US" altLang="zh-CN" dirty="0" err="1" smtClean="0"/>
-              <a:t>Git</a:t>
-            </a:r>
-            <a:r>
-              <a:rPr lang="en-US" altLang="zh-CN" dirty="0" smtClean="0"/>
-              <a:t> hash-object</a:t>
-            </a:r>
-          </a:p>
-          <a:p>
-            <a:pPr lvl="1"/>
-            <a:r>
-              <a:rPr lang="en-US" altLang="zh-CN" dirty="0" smtClean="0"/>
-              <a:t>Write file into object database </a:t>
-            </a:r>
-            <a:r>
-              <a:rPr lang="en-US" altLang="zh-CN" dirty="0"/>
-              <a:t>and return hash </a:t>
-            </a:r>
-            <a:r>
-              <a:rPr lang="en-US" altLang="zh-CN" dirty="0" smtClean="0"/>
-              <a:t>address</a:t>
-            </a:r>
-          </a:p>
-          <a:p>
-            <a:r>
-              <a:rPr lang="en-US" altLang="zh-CN" dirty="0" err="1" smtClean="0"/>
-              <a:t>Git</a:t>
-            </a:r>
-            <a:r>
-              <a:rPr lang="en-US" altLang="zh-CN" dirty="0" smtClean="0"/>
-              <a:t> cat-file</a:t>
-            </a:r>
-          </a:p>
-          <a:p>
-            <a:pPr lvl="1"/>
-            <a:r>
-              <a:rPr lang="en-US" altLang="zh-CN" dirty="0" smtClean="0"/>
-              <a:t>Read file from object database with hash address</a:t>
-            </a:r>
-          </a:p>
-          <a:p>
-            <a:endParaRPr lang="en-US" altLang="zh-CN" dirty="0"/>
-          </a:p>
-          <a:p>
-            <a:r>
-              <a:rPr lang="en-US" altLang="zh-CN" dirty="0" err="1" smtClean="0"/>
-              <a:t>Git</a:t>
-            </a:r>
-            <a:r>
-              <a:rPr lang="en-US" altLang="zh-CN" dirty="0" smtClean="0"/>
-              <a:t> write-tree</a:t>
-            </a:r>
-          </a:p>
-          <a:p>
-            <a:pPr lvl="1"/>
-            <a:r>
-              <a:rPr lang="zh-CN" altLang="en-US" dirty="0" smtClean="0"/>
-              <a:t>批量版本的</a:t>
-            </a:r>
-            <a:r>
-              <a:rPr lang="en-US" altLang="zh-CN" dirty="0" smtClean="0"/>
-              <a:t>hash-object</a:t>
-            </a:r>
-            <a:endParaRPr lang="en-US" altLang="zh-CN" dirty="0"/>
-          </a:p>
-          <a:p>
-            <a:pPr lvl="1"/>
-            <a:r>
-              <a:rPr lang="zh-CN" altLang="en-US" dirty="0" smtClean="0"/>
-              <a:t>会按照 </a:t>
-            </a:r>
-            <a:r>
-              <a:rPr lang="en-US" altLang="zh-CN" dirty="0" smtClean="0"/>
-              <a:t>stage </a:t>
-            </a:r>
-            <a:r>
-              <a:rPr lang="zh-CN" altLang="en-US" dirty="0" smtClean="0"/>
-              <a:t>执行</a:t>
-            </a:r>
-            <a:r>
-              <a:rPr lang="en-US" altLang="zh-CN" dirty="0" smtClean="0"/>
-              <a:t>hash-object tree </a:t>
-            </a:r>
-            <a:r>
-              <a:rPr lang="zh-CN" altLang="en-US" dirty="0" smtClean="0"/>
-              <a:t>和 </a:t>
-            </a:r>
-            <a:r>
-              <a:rPr lang="en-US" altLang="zh-CN" dirty="0" smtClean="0"/>
-              <a:t>blob</a:t>
-            </a:r>
-          </a:p>
-          <a:p>
-            <a:r>
-              <a:rPr lang="en-US" altLang="zh-CN" dirty="0" err="1" smtClean="0"/>
-              <a:t>Git</a:t>
-            </a:r>
-            <a:r>
-              <a:rPr lang="en-US" altLang="zh-CN" dirty="0" smtClean="0"/>
-              <a:t> read-tree</a:t>
-            </a:r>
-          </a:p>
-          <a:p>
-            <a:pPr lvl="1"/>
-            <a:r>
-              <a:rPr lang="zh-CN" altLang="en-US" dirty="0" smtClean="0"/>
-              <a:t>批量版本的</a:t>
-            </a:r>
-            <a:r>
-              <a:rPr lang="en-US" altLang="zh-CN" dirty="0" smtClean="0"/>
-              <a:t>cat-file</a:t>
-            </a:r>
-          </a:p>
-          <a:p>
-            <a:pPr lvl="1"/>
-            <a:r>
-              <a:rPr lang="zh-CN" altLang="en-US" dirty="0" smtClean="0"/>
-              <a:t>根据给定的 </a:t>
-            </a:r>
-            <a:r>
-              <a:rPr lang="en-US" altLang="zh-CN" dirty="0" smtClean="0"/>
-              <a:t>tree id</a:t>
-            </a:r>
-            <a:r>
-              <a:rPr lang="zh-CN" altLang="en-US" dirty="0" smtClean="0"/>
-              <a:t>，重写 </a:t>
-            </a:r>
-            <a:r>
-              <a:rPr lang="en-US" altLang="zh-CN" dirty="0" smtClean="0"/>
-              <a:t>stage </a:t>
-            </a:r>
-            <a:r>
-              <a:rPr lang="zh-CN" altLang="en-US" dirty="0" smtClean="0"/>
-              <a:t>区，并决定是否据此更新工作区</a:t>
-            </a:r>
-            <a:endParaRPr lang="zh-CN" altLang="en-US" dirty="0"/>
+              <a:rPr lang="en-US" altLang="zh-CN" b="1" dirty="0" smtClean="0"/>
+              <a:t>file system</a:t>
+            </a:r>
+            <a:endParaRPr lang="zh-CN" altLang="en-US" b="1" dirty="0"/>
+          </a:p>
+        </p:txBody>
+      </p:sp>
+      <p:pic>
+        <p:nvPicPr>
+          <p:cNvPr id="3" name="图片 2"/>
+          <p:cNvPicPr>
+            <a:picLocks noChangeAspect="1"/>
+          </p:cNvPicPr>
+          <p:nvPr/>
+        </p:nvPicPr>
+        <p:blipFill>
+          <a:blip r:embed="rId2"/>
+          <a:stretch>
+            <a:fillRect/>
+          </a:stretch>
+        </p:blipFill>
+        <p:spPr>
+          <a:xfrm>
+            <a:off x="3619098" y="146464"/>
+            <a:ext cx="8338617" cy="6579690"/>
+          </a:xfrm>
+          <a:prstGeom prst="rect">
+            <a:avLst/>
+          </a:prstGeom>
+        </p:spPr>
+      </p:pic>
+      <p:sp>
+        <p:nvSpPr>
+          <p:cNvPr id="7" name="文本框 6"/>
+          <p:cNvSpPr txBox="1"/>
+          <p:nvPr/>
+        </p:nvSpPr>
+        <p:spPr>
+          <a:xfrm>
+            <a:off x="118921" y="2005148"/>
+            <a:ext cx="3411511" cy="3139321"/>
+          </a:xfrm>
+          <a:prstGeom prst="rect">
+            <a:avLst/>
+          </a:prstGeom>
+          <a:noFill/>
+        </p:spPr>
+        <p:txBody>
+          <a:bodyPr wrap="none" rtlCol="0">
+            <a:spAutoFit/>
+          </a:bodyPr>
+          <a:lstStyle/>
+          <a:p>
+            <a:r>
+              <a:rPr lang="en-US" altLang="zh-CN" b="1" dirty="0" smtClean="0"/>
+              <a:t>Others:</a:t>
+            </a:r>
+          </a:p>
+          <a:p>
+            <a:endParaRPr lang="en-US" altLang="zh-CN" b="1" dirty="0" smtClean="0"/>
+          </a:p>
+          <a:p>
+            <a:r>
+              <a:rPr lang="en-US" altLang="zh-CN" b="1" dirty="0" smtClean="0"/>
+              <a:t>   remotes: remote repository</a:t>
+            </a:r>
+            <a:endParaRPr lang="en-US" altLang="zh-CN" b="1" dirty="0"/>
+          </a:p>
+          <a:p>
+            <a:r>
+              <a:rPr lang="en-US" altLang="zh-CN" b="1" dirty="0" smtClean="0"/>
+              <a:t>   </a:t>
+            </a:r>
+            <a:r>
+              <a:rPr lang="en-US" altLang="zh-CN" b="1" dirty="0" smtClean="0">
+                <a:solidFill>
+                  <a:schemeClr val="accent6"/>
+                </a:solidFill>
+              </a:rPr>
+              <a:t>refs/remotes/remote-branch</a:t>
+            </a:r>
+          </a:p>
+          <a:p>
+            <a:endParaRPr lang="en-US" altLang="zh-CN" b="1" dirty="0"/>
+          </a:p>
+          <a:p>
+            <a:endParaRPr lang="en-US" altLang="zh-CN" b="1" dirty="0" smtClean="0"/>
+          </a:p>
+          <a:p>
+            <a:r>
+              <a:rPr lang="en-US" altLang="zh-CN" b="1" dirty="0"/>
+              <a:t> </a:t>
+            </a:r>
+            <a:r>
+              <a:rPr lang="en-US" altLang="zh-CN" b="1" dirty="0" smtClean="0"/>
+              <a:t>  hooks: hooks script</a:t>
+            </a:r>
+          </a:p>
+          <a:p>
+            <a:r>
+              <a:rPr lang="en-US" altLang="zh-CN" b="1" dirty="0"/>
+              <a:t> </a:t>
+            </a:r>
+            <a:r>
+              <a:rPr lang="en-US" altLang="zh-CN" b="1" dirty="0" smtClean="0"/>
+              <a:t>  </a:t>
+            </a:r>
+            <a:r>
+              <a:rPr lang="en-US" altLang="zh-CN" b="1" dirty="0" smtClean="0">
+                <a:solidFill>
+                  <a:schemeClr val="accent6"/>
+                </a:solidFill>
+              </a:rPr>
+              <a:t>.</a:t>
+            </a:r>
+            <a:r>
+              <a:rPr lang="en-US" altLang="zh-CN" b="1" dirty="0" err="1" smtClean="0">
+                <a:solidFill>
+                  <a:schemeClr val="accent6"/>
+                </a:solidFill>
+              </a:rPr>
+              <a:t>git</a:t>
+            </a:r>
+            <a:r>
+              <a:rPr lang="en-US" altLang="zh-CN" b="1" dirty="0" smtClean="0">
+                <a:solidFill>
+                  <a:schemeClr val="accent6"/>
+                </a:solidFill>
+              </a:rPr>
+              <a:t>/hooks</a:t>
+            </a:r>
+          </a:p>
+          <a:p>
+            <a:endParaRPr lang="en-US" altLang="zh-CN" b="1" dirty="0" smtClean="0"/>
+          </a:p>
+          <a:p>
+            <a:endParaRPr lang="en-US" altLang="zh-CN" b="1" dirty="0"/>
+          </a:p>
+          <a:p>
+            <a:r>
+              <a:rPr lang="en-US" altLang="zh-CN" b="1" dirty="0" smtClean="0"/>
+              <a:t>   </a:t>
+            </a:r>
+            <a:r>
+              <a:rPr lang="en-US" altLang="zh-CN" b="1" dirty="0" err="1">
+                <a:solidFill>
+                  <a:schemeClr val="accent6"/>
+                </a:solidFill>
+              </a:rPr>
+              <a:t>c</a:t>
+            </a:r>
+            <a:r>
+              <a:rPr lang="en-US" altLang="zh-CN" b="1" dirty="0" err="1" smtClean="0">
+                <a:solidFill>
+                  <a:schemeClr val="accent6"/>
+                </a:solidFill>
+              </a:rPr>
+              <a:t>onfig</a:t>
+            </a:r>
+            <a:r>
+              <a:rPr lang="en-US" altLang="zh-CN" b="1" dirty="0" smtClean="0"/>
+              <a:t>, </a:t>
+            </a:r>
+            <a:r>
+              <a:rPr lang="en-US" altLang="zh-CN" b="1" dirty="0" smtClean="0">
+                <a:solidFill>
+                  <a:schemeClr val="accent6"/>
+                </a:solidFill>
+              </a:rPr>
+              <a:t>description</a:t>
+            </a:r>
+            <a:r>
+              <a:rPr lang="en-US" altLang="zh-CN" b="1" dirty="0" smtClean="0"/>
+              <a:t> and </a:t>
+            </a:r>
+            <a:r>
+              <a:rPr lang="en-US" altLang="zh-CN" b="1" dirty="0" smtClean="0">
+                <a:solidFill>
+                  <a:schemeClr val="accent6"/>
+                </a:solidFill>
+              </a:rPr>
+              <a:t>…</a:t>
+            </a:r>
           </a:p>
         </p:txBody>
       </p:sp>
     </p:spTree>
     <p:extLst>
       <p:ext uri="{BB962C8B-B14F-4D97-AF65-F5344CB8AC3E}">
-        <p14:creationId xmlns:p14="http://schemas.microsoft.com/office/powerpoint/2010/main" val="1622499524"/>
+        <p14:creationId xmlns:p14="http://schemas.microsoft.com/office/powerpoint/2010/main" val="1725030420"/>
       </p:ext>
     </p:extLst>
   </p:cSld>
@@ -6262,18 +6991,18 @@
       </p:grpSpPr>
       <p:sp>
         <p:nvSpPr>
-          <p:cNvPr id="3" name="内容占位符 2"/>
-          <p:cNvSpPr>
-            <a:spLocks noGrp="1"/>
-          </p:cNvSpPr>
-          <p:nvPr>
-            <p:ph idx="1"/>
-          </p:nvPr>
-        </p:nvSpPr>
-        <p:spPr>
-          <a:xfrm>
-            <a:off x="550279" y="510208"/>
-            <a:ext cx="10489898" cy="5852091"/>
+          <p:cNvPr id="2" name="标题 1"/>
+          <p:cNvSpPr>
+            <a:spLocks noGrp="1"/>
+          </p:cNvSpPr>
+          <p:nvPr>
+            <p:ph type="title"/>
+          </p:nvPr>
+        </p:nvSpPr>
+        <p:spPr>
+          <a:xfrm>
+            <a:off x="328914" y="72230"/>
+            <a:ext cx="10515600" cy="1325563"/>
           </a:xfrm>
         </p:spPr>
         <p:txBody>
@@ -6281,146 +7010,135 @@
           <a:lstStyle/>
           <a:p>
             <a:r>
-              <a:rPr lang="en-US" altLang="zh-CN" dirty="0" err="1"/>
+              <a:rPr lang="en-US" altLang="zh-CN" dirty="0" err="1" smtClean="0">
+                <a:hlinkClick r:id="rId2"/>
+              </a:rPr>
               <a:t>Git</a:t>
             </a:r>
             <a:r>
-              <a:rPr lang="en-US" altLang="zh-CN" dirty="0"/>
-              <a:t> add </a:t>
-            </a:r>
-          </a:p>
-          <a:p>
-            <a:pPr lvl="1"/>
+              <a:rPr lang="en-US" altLang="zh-CN" dirty="0" smtClean="0">
+                <a:hlinkClick r:id="rId2"/>
+              </a:rPr>
+              <a:t> Objects &amp; </a:t>
+            </a:r>
             <a:r>
               <a:rPr lang="en-US" altLang="zh-CN" dirty="0">
                 <a:hlinkClick r:id="rId2"/>
               </a:rPr>
-              <a:t>Index </a:t>
-            </a:r>
-            <a:r>
-              <a:rPr lang="zh-CN" altLang="en-US" dirty="0">
-                <a:hlinkClick r:id="rId2"/>
-              </a:rPr>
-              <a:t>格式</a:t>
+              <a:t>References</a:t>
             </a:r>
             <a:endParaRPr lang="en-US" altLang="zh-CN" dirty="0"/>
           </a:p>
-          <a:p>
-            <a:pPr lvl="1"/>
-            <a:r>
-              <a:rPr lang="zh-CN" altLang="en-US" dirty="0"/>
-              <a:t>做 </a:t>
-            </a:r>
-            <a:r>
-              <a:rPr lang="en-US" altLang="zh-CN" dirty="0"/>
-              <a:t>hash-object</a:t>
-            </a:r>
-          </a:p>
-          <a:p>
-            <a:pPr lvl="1"/>
-            <a:r>
-              <a:rPr lang="zh-CN" altLang="en-US" dirty="0"/>
-              <a:t>重写 </a:t>
-            </a:r>
-            <a:r>
-              <a:rPr lang="en-US" altLang="zh-CN" dirty="0" smtClean="0"/>
-              <a:t>INDEX</a:t>
-            </a:r>
-          </a:p>
-          <a:p>
-            <a:pPr marL="457200" lvl="1" indent="0">
-              <a:buNone/>
-            </a:pPr>
-            <a:endParaRPr lang="en-US" altLang="zh-CN" dirty="0" smtClean="0"/>
-          </a:p>
-          <a:p>
-            <a:r>
-              <a:rPr lang="en-US" altLang="zh-CN" dirty="0" err="1"/>
-              <a:t>Git</a:t>
-            </a:r>
-            <a:r>
-              <a:rPr lang="en-US" altLang="zh-CN" dirty="0"/>
-              <a:t> </a:t>
-            </a:r>
-            <a:r>
-              <a:rPr lang="en-US" altLang="zh-CN" dirty="0">
-                <a:hlinkClick r:id="rId3"/>
-              </a:rPr>
-              <a:t>update-index</a:t>
-            </a:r>
-            <a:r>
-              <a:rPr lang="en-US" altLang="zh-CN" dirty="0"/>
-              <a:t> </a:t>
-            </a:r>
-            <a:r>
-              <a:rPr lang="en-US" altLang="zh-CN" dirty="0" smtClean="0"/>
-              <a:t>file</a:t>
-            </a:r>
-            <a:endParaRPr lang="en-US" altLang="zh-CN" dirty="0"/>
-          </a:p>
-          <a:p>
-            <a:pPr lvl="2"/>
-            <a:r>
-              <a:rPr lang="zh-CN" altLang="en-US" dirty="0"/>
-              <a:t>将</a:t>
-            </a:r>
-            <a:r>
-              <a:rPr lang="zh-CN" altLang="en-US" dirty="0" smtClean="0"/>
-              <a:t>文件加入暂存区 </a:t>
-            </a:r>
-            <a:endParaRPr lang="en-US" altLang="zh-CN" dirty="0" smtClean="0"/>
-          </a:p>
-          <a:p>
-            <a:pPr lvl="2"/>
-            <a:endParaRPr lang="en-US" altLang="zh-CN" dirty="0"/>
-          </a:p>
-          <a:p>
-            <a:r>
-              <a:rPr lang="en-US" altLang="zh-CN" dirty="0" err="1"/>
-              <a:t>Git</a:t>
-            </a:r>
-            <a:r>
-              <a:rPr lang="en-US" altLang="zh-CN" dirty="0"/>
-              <a:t> </a:t>
-            </a:r>
-            <a:r>
-              <a:rPr lang="en-US" altLang="zh-CN" dirty="0" smtClean="0"/>
-              <a:t>ls-stages</a:t>
-            </a:r>
-            <a:endParaRPr lang="en-US" altLang="zh-CN" dirty="0"/>
-          </a:p>
-          <a:p>
-            <a:pPr lvl="1"/>
-            <a:r>
-              <a:rPr lang="zh-CN" altLang="en-US" dirty="0"/>
-              <a:t>调用 </a:t>
-            </a:r>
-            <a:r>
-              <a:rPr lang="en-US" altLang="zh-CN" dirty="0" smtClean="0"/>
-              <a:t>write-tree</a:t>
-            </a:r>
-            <a:r>
-              <a:rPr lang="zh-CN" altLang="en-US" dirty="0" smtClean="0"/>
-              <a:t>针</a:t>
-            </a:r>
-            <a:endParaRPr lang="en-US" altLang="zh-CN" dirty="0"/>
-          </a:p>
-          <a:p>
-            <a:pPr lvl="2"/>
-            <a:endParaRPr lang="en-US" altLang="zh-CN" dirty="0" smtClean="0"/>
-          </a:p>
-        </p:txBody>
-      </p:sp>
-      <p:sp>
-        <p:nvSpPr>
-          <p:cNvPr id="4" name="文本框 3"/>
+        </p:txBody>
+      </p:sp>
+      <p:pic>
+        <p:nvPicPr>
+          <p:cNvPr id="4" name="内容占位符 3"/>
+          <p:cNvPicPr>
+            <a:picLocks noGrp="1" noChangeAspect="1"/>
+          </p:cNvPicPr>
+          <p:nvPr>
+            <p:ph idx="1"/>
+          </p:nvPr>
+        </p:nvPicPr>
+        <p:blipFill>
+          <a:blip r:embed="rId3"/>
+          <a:stretch>
+            <a:fillRect/>
+          </a:stretch>
+        </p:blipFill>
+        <p:spPr>
+          <a:xfrm>
+            <a:off x="3559849" y="2035743"/>
+            <a:ext cx="8632151" cy="4351338"/>
+          </a:xfrm>
+          <a:prstGeom prst="rect">
+            <a:avLst/>
+          </a:prstGeom>
+        </p:spPr>
+      </p:pic>
+      <p:pic>
+        <p:nvPicPr>
+          <p:cNvPr id="5" name="图片 4"/>
+          <p:cNvPicPr>
+            <a:picLocks noChangeAspect="1"/>
+          </p:cNvPicPr>
+          <p:nvPr/>
+        </p:nvPicPr>
+        <p:blipFill>
+          <a:blip r:embed="rId4"/>
+          <a:stretch>
+            <a:fillRect/>
+          </a:stretch>
+        </p:blipFill>
+        <p:spPr>
+          <a:xfrm>
+            <a:off x="509888" y="2469905"/>
+            <a:ext cx="2447925" cy="1190625"/>
+          </a:xfrm>
+          <a:prstGeom prst="rect">
+            <a:avLst/>
+          </a:prstGeom>
+        </p:spPr>
+      </p:pic>
+      <p:pic>
+        <p:nvPicPr>
+          <p:cNvPr id="6" name="图片 5"/>
+          <p:cNvPicPr>
+            <a:picLocks noChangeAspect="1"/>
+          </p:cNvPicPr>
+          <p:nvPr/>
+        </p:nvPicPr>
+        <p:blipFill>
+          <a:blip r:embed="rId5"/>
+          <a:stretch>
+            <a:fillRect/>
+          </a:stretch>
+        </p:blipFill>
+        <p:spPr>
+          <a:xfrm>
+            <a:off x="509888" y="4375042"/>
+            <a:ext cx="2809875" cy="657225"/>
+          </a:xfrm>
+          <a:prstGeom prst="rect">
+            <a:avLst/>
+          </a:prstGeom>
+        </p:spPr>
+      </p:pic>
+      <p:pic>
+        <p:nvPicPr>
+          <p:cNvPr id="7" name="图片 6"/>
+          <p:cNvPicPr>
+            <a:picLocks noChangeAspect="1"/>
+          </p:cNvPicPr>
+          <p:nvPr/>
+        </p:nvPicPr>
+        <p:blipFill>
+          <a:blip r:embed="rId6"/>
+          <a:stretch>
+            <a:fillRect/>
+          </a:stretch>
+        </p:blipFill>
+        <p:spPr>
+          <a:xfrm>
+            <a:off x="509888" y="1364868"/>
+            <a:ext cx="8420100" cy="390525"/>
+          </a:xfrm>
+          <a:prstGeom prst="rect">
+            <a:avLst/>
+          </a:prstGeom>
+        </p:spPr>
+      </p:pic>
+      <p:sp>
+        <p:nvSpPr>
+          <p:cNvPr id="8" name="文本框 7"/>
           <p:cNvSpPr txBox="1"/>
           <p:nvPr/>
         </p:nvSpPr>
         <p:spPr>
           <a:xfrm>
-            <a:off x="-152365" y="3330375"/>
-            <a:ext cx="10383079" cy="1077218"/>
+            <a:off x="471530" y="5562113"/>
+            <a:ext cx="1858201" cy="369332"/>
           </a:xfrm>
           <a:prstGeom prst="rect">
             <a:avLst/>
@@ -6428,31 +7146,60 @@
           <a:noFill/>
         </p:spPr>
         <p:txBody>
-          <a:bodyPr wrap="square" rtlCol="0">
+          <a:bodyPr wrap="none" rtlCol="0">
             <a:spAutoFit/>
           </a:bodyPr>
           <a:lstStyle/>
           <a:p>
             <a:r>
-              <a:rPr lang="en-US" altLang="zh-CN" sz="3200" dirty="0" smtClean="0"/>
-              <a:t>1. </a:t>
-            </a:r>
-          </a:p>
-          <a:p>
-            <a:endParaRPr lang="zh-CN" altLang="en-US" sz="3200" dirty="0"/>
-          </a:p>
-        </p:txBody>
-      </p:sp>
+              <a:rPr lang="en-US" altLang="zh-CN" b="1" dirty="0" smtClean="0"/>
+              <a:t>Detached HEAD</a:t>
+            </a:r>
+            <a:endParaRPr lang="zh-CN" altLang="en-US" b="1" dirty="0"/>
+          </a:p>
+        </p:txBody>
+      </p:sp>
+      <p:pic>
+        <p:nvPicPr>
+          <p:cNvPr id="9" name="图片 8"/>
+          <p:cNvPicPr>
+            <a:picLocks noChangeAspect="1"/>
+          </p:cNvPicPr>
+          <p:nvPr/>
+        </p:nvPicPr>
+        <p:blipFill>
+          <a:blip r:embed="rId7"/>
+          <a:stretch>
+            <a:fillRect/>
+          </a:stretch>
+        </p:blipFill>
+        <p:spPr>
+          <a:xfrm>
+            <a:off x="471530" y="6163243"/>
+            <a:ext cx="4200525" cy="447675"/>
+          </a:xfrm>
+          <a:prstGeom prst="rect">
+            <a:avLst/>
+          </a:prstGeom>
+        </p:spPr>
+      </p:pic>
     </p:spTree>
     <p:extLst>
       <p:ext uri="{BB962C8B-B14F-4D97-AF65-F5344CB8AC3E}">
-        <p14:creationId xmlns:p14="http://schemas.microsoft.com/office/powerpoint/2010/main" val="959556848"/>
+        <p14:creationId xmlns:p14="http://schemas.microsoft.com/office/powerpoint/2010/main" val="4230803054"/>
       </p:ext>
     </p:extLst>
   </p:cSld>
   <p:clrMapOvr>
     <a:masterClrMapping/>
   </p:clrMapOvr>
+  <p:timing>
+    <p:tnLst>
+      <p:par>
+        <p:cTn id="1" dur="indefinite" restart="never" nodeType="tmRoot"/>
+      </p:par>
+    </p:tnLst>
+  </p:timing>
 </p:sld>
 </file>
 
@@ -6475,6 +7222,34 @@
       </p:grpSpPr>
       <p:sp>
         <p:nvSpPr>
+          <p:cNvPr id="2" name="标题 1"/>
+          <p:cNvSpPr>
+            <a:spLocks noGrp="1"/>
+          </p:cNvSpPr>
+          <p:nvPr>
+            <p:ph type="title"/>
+          </p:nvPr>
+        </p:nvSpPr>
+        <p:spPr>
+          <a:xfrm>
+            <a:off x="291548" y="-92075"/>
+            <a:ext cx="10515600" cy="1325563"/>
+          </a:xfrm>
+        </p:spPr>
+        <p:txBody>
+          <a:bodyPr/>
+          <a:lstStyle/>
+          <a:p>
+            <a:r>
+              <a:rPr lang="en-US" altLang="zh-CN" dirty="0"/>
+              <a:t>basic command</a:t>
+            </a:r>
+            <a:endParaRPr lang="zh-CN" altLang="en-US" dirty="0"/>
+          </a:p>
+        </p:txBody>
+      </p:sp>
+      <p:sp>
+        <p:nvSpPr>
           <p:cNvPr id="3" name="内容占位符 2"/>
           <p:cNvSpPr>
             <a:spLocks noGrp="1"/>
@@ -6485,8 +7260,8 @@
         </p:nvSpPr>
         <p:spPr>
           <a:xfrm>
-            <a:off x="337931" y="715619"/>
-            <a:ext cx="11509513" cy="5724938"/>
+            <a:off x="460512" y="1233488"/>
+            <a:ext cx="11731487" cy="5127555"/>
           </a:xfrm>
         </p:spPr>
         <p:txBody>
@@ -6495,107 +7270,219 @@
           </a:bodyPr>
           <a:lstStyle/>
           <a:p>
+            <a:r>
+              <a:rPr lang="en-US" altLang="zh-CN" dirty="0" smtClean="0"/>
+              <a:t>hash-object </a:t>
+            </a:r>
+          </a:p>
+          <a:p>
             <a:pPr lvl="1"/>
+            <a:r>
+              <a:rPr lang="en-US" altLang="zh-CN" dirty="0" smtClean="0"/>
+              <a:t>Write file into object database </a:t>
+            </a:r>
+            <a:r>
+              <a:rPr lang="en-US" altLang="zh-CN" dirty="0"/>
+              <a:t>and return hash </a:t>
+            </a:r>
+            <a:r>
+              <a:rPr lang="en-US" altLang="zh-CN" dirty="0" smtClean="0"/>
+              <a:t>address</a:t>
+            </a:r>
+          </a:p>
+          <a:p>
+            <a:r>
+              <a:rPr lang="en-US" altLang="zh-CN" dirty="0" smtClean="0"/>
+              <a:t>cat-file</a:t>
+            </a:r>
+          </a:p>
+          <a:p>
+            <a:pPr lvl="1"/>
+            <a:r>
+              <a:rPr lang="en-US" altLang="zh-CN" dirty="0" smtClean="0"/>
+              <a:t>Read file from object database by the hash address</a:t>
+            </a:r>
+          </a:p>
+          <a:p>
             <a:endParaRPr lang="en-US" altLang="zh-CN" dirty="0"/>
           </a:p>
           <a:p>
             <a:r>
-              <a:rPr lang="en-US" altLang="zh-CN" dirty="0" err="1" smtClean="0"/>
-              <a:t>Git</a:t>
-            </a:r>
-            <a:r>
-              <a:rPr lang="en-US" altLang="zh-CN" dirty="0" smtClean="0"/>
-              <a:t> commit</a:t>
+              <a:rPr lang="en-US" altLang="zh-CN" dirty="0" smtClean="0"/>
+              <a:t>write-tree</a:t>
             </a:r>
           </a:p>
           <a:p>
             <a:pPr lvl="1"/>
             <a:r>
-              <a:rPr lang="zh-CN" altLang="en-US" dirty="0" smtClean="0"/>
-              <a:t>调用 </a:t>
-            </a:r>
-            <a:r>
-              <a:rPr lang="en-US" altLang="zh-CN" dirty="0" smtClean="0"/>
-              <a:t>write-tree</a:t>
+              <a:rPr lang="en-US" altLang="zh-CN" dirty="0" smtClean="0"/>
+              <a:t>Do hash-object blob with files</a:t>
             </a:r>
             <a:endParaRPr lang="en-US" altLang="zh-CN" dirty="0"/>
           </a:p>
           <a:p>
             <a:pPr lvl="1"/>
             <a:r>
-              <a:rPr lang="zh-CN" altLang="en-US" dirty="0" smtClean="0"/>
-              <a:t>设置当前</a:t>
-            </a:r>
-            <a:r>
-              <a:rPr lang="en-US" altLang="zh-CN" dirty="0" smtClean="0"/>
-              <a:t>head</a:t>
-            </a:r>
-            <a:r>
-              <a:rPr lang="zh-CN" altLang="en-US" dirty="0" smtClean="0"/>
-              <a:t>指向为当前</a:t>
-            </a:r>
-            <a:r>
-              <a:rPr lang="en-US" altLang="zh-CN" dirty="0" smtClean="0"/>
-              <a:t>commit</a:t>
-            </a:r>
-            <a:r>
-              <a:rPr lang="zh-CN" altLang="en-US" dirty="0" smtClean="0"/>
-              <a:t>的父</a:t>
-            </a:r>
-            <a:r>
-              <a:rPr lang="en-US" altLang="zh-CN" dirty="0" err="1" smtClean="0"/>
-              <a:t>commitId</a:t>
-            </a:r>
-            <a:endParaRPr lang="en-US" altLang="zh-CN" dirty="0" smtClean="0"/>
+              <a:rPr lang="en-US" altLang="zh-CN" dirty="0"/>
+              <a:t>E</a:t>
+            </a:r>
+            <a:r>
+              <a:rPr lang="en-US" altLang="zh-CN" dirty="0" smtClean="0"/>
+              <a:t>xecute hash-object tree according </a:t>
+            </a:r>
+            <a:r>
+              <a:rPr lang="en-US" altLang="zh-CN" dirty="0"/>
+              <a:t>to </a:t>
+            </a:r>
+            <a:r>
+              <a:rPr lang="en-US" altLang="zh-CN" dirty="0" smtClean="0"/>
+              <a:t>the stage</a:t>
+            </a:r>
+          </a:p>
+          <a:p>
+            <a:r>
+              <a:rPr lang="en-US" altLang="zh-CN" dirty="0" smtClean="0"/>
+              <a:t>read-tree </a:t>
+            </a:r>
           </a:p>
           <a:p>
             <a:pPr lvl="1"/>
             <a:r>
-              <a:rPr lang="zh-CN" altLang="en-US" dirty="0" smtClean="0"/>
-              <a:t>将以上信息做一次 </a:t>
-            </a:r>
-            <a:r>
-              <a:rPr lang="en-US" altLang="zh-CN" dirty="0" smtClean="0"/>
-              <a:t>hash-object(commit, tree, parent)</a:t>
+              <a:rPr lang="en-US" altLang="zh-CN" dirty="0" smtClean="0"/>
+              <a:t>Read the tree information given by &lt;tree-id&gt; into the index</a:t>
             </a:r>
           </a:p>
           <a:p>
             <a:pPr lvl="1"/>
             <a:r>
-              <a:rPr lang="zh-CN" altLang="en-US" dirty="0" smtClean="0"/>
-              <a:t>更新</a:t>
-            </a:r>
-            <a:r>
-              <a:rPr lang="en-US" altLang="zh-CN" dirty="0" smtClean="0"/>
-              <a:t>head</a:t>
-            </a:r>
-            <a:r>
-              <a:rPr lang="zh-CN" altLang="en-US" dirty="0" smtClean="0"/>
-              <a:t>指针为当前指针</a:t>
-            </a:r>
-            <a:endParaRPr lang="en-US" altLang="zh-CN" dirty="0"/>
-          </a:p>
-          <a:p>
-            <a:pPr marL="0" indent="0">
-              <a:buNone/>
-            </a:pPr>
-            <a:endParaRPr lang="en-US" altLang="zh-CN" dirty="0"/>
-          </a:p>
-          <a:p>
+              <a:rPr lang="en-US" altLang="zh-CN" dirty="0" smtClean="0"/>
+              <a:t>Does not actually </a:t>
+            </a:r>
+            <a:r>
+              <a:rPr lang="en-US" altLang="zh-CN" b="1" dirty="0" smtClean="0"/>
+              <a:t>update</a:t>
+            </a:r>
+            <a:r>
+              <a:rPr lang="en-US" altLang="zh-CN" dirty="0" smtClean="0"/>
+              <a:t> any of the files it "caches“</a:t>
+            </a:r>
             <a:endParaRPr lang="zh-CN" altLang="en-US" dirty="0"/>
           </a:p>
         </p:txBody>
       </p:sp>
+      <p:pic>
+        <p:nvPicPr>
+          <p:cNvPr id="8" name="图片 7"/>
+          <p:cNvPicPr>
+            <a:picLocks noChangeAspect="1"/>
+          </p:cNvPicPr>
+          <p:nvPr/>
+        </p:nvPicPr>
+        <p:blipFill>
+          <a:blip r:embed="rId2"/>
+          <a:stretch>
+            <a:fillRect/>
+          </a:stretch>
+        </p:blipFill>
+        <p:spPr>
+          <a:xfrm>
+            <a:off x="6640643" y="1239077"/>
+            <a:ext cx="4314825" cy="381000"/>
+          </a:xfrm>
+          <a:prstGeom prst="rect">
+            <a:avLst/>
+          </a:prstGeom>
+        </p:spPr>
+      </p:pic>
+      <p:pic>
+        <p:nvPicPr>
+          <p:cNvPr id="9" name="图片 8"/>
+          <p:cNvPicPr>
+            <a:picLocks noChangeAspect="1"/>
+          </p:cNvPicPr>
+          <p:nvPr/>
+        </p:nvPicPr>
+        <p:blipFill>
+          <a:blip r:embed="rId3"/>
+          <a:stretch>
+            <a:fillRect/>
+          </a:stretch>
+        </p:blipFill>
+        <p:spPr>
+          <a:xfrm>
+            <a:off x="2891252" y="1345472"/>
+            <a:ext cx="3580427" cy="274605"/>
+          </a:xfrm>
+          <a:prstGeom prst="rect">
+            <a:avLst/>
+          </a:prstGeom>
+        </p:spPr>
+      </p:pic>
+      <p:pic>
+        <p:nvPicPr>
+          <p:cNvPr id="10" name="图片 9"/>
+          <p:cNvPicPr>
+            <a:picLocks noChangeAspect="1"/>
+          </p:cNvPicPr>
+          <p:nvPr/>
+        </p:nvPicPr>
+        <p:blipFill>
+          <a:blip r:embed="rId4"/>
+          <a:stretch>
+            <a:fillRect/>
+          </a:stretch>
+        </p:blipFill>
+        <p:spPr>
+          <a:xfrm>
+            <a:off x="2891252" y="2092326"/>
+            <a:ext cx="6305550" cy="466725"/>
+          </a:xfrm>
+          <a:prstGeom prst="rect">
+            <a:avLst/>
+          </a:prstGeom>
+        </p:spPr>
+      </p:pic>
+      <p:pic>
+        <p:nvPicPr>
+          <p:cNvPr id="11" name="图片 10"/>
+          <p:cNvPicPr>
+            <a:picLocks noChangeAspect="1"/>
+          </p:cNvPicPr>
+          <p:nvPr/>
+        </p:nvPicPr>
+        <p:blipFill>
+          <a:blip r:embed="rId5"/>
+          <a:stretch>
+            <a:fillRect/>
+          </a:stretch>
+        </p:blipFill>
+        <p:spPr>
+          <a:xfrm>
+            <a:off x="2434052" y="4761363"/>
+            <a:ext cx="746470" cy="611566"/>
+          </a:xfrm>
+          <a:prstGeom prst="rect">
+            <a:avLst/>
+          </a:prstGeom>
+        </p:spPr>
+      </p:pic>
     </p:spTree>
     <p:extLst>
       <p:ext uri="{BB962C8B-B14F-4D97-AF65-F5344CB8AC3E}">
-        <p14:creationId xmlns:p14="http://schemas.microsoft.com/office/powerpoint/2010/main" val="2941648805"/>
+        <p14:creationId xmlns:p14="http://schemas.microsoft.com/office/powerpoint/2010/main" val="1622499524"/>
       </p:ext>
     </p:extLst>
   </p:cSld>
   <p:clrMapOvr>
     <a:masterClrMapping/>
   </p:clrMapOvr>
+  <p:timing>
+    <p:tnLst>
+      <p:par>
+        <p:cTn id="1" dur="indefinite" restart="never" nodeType="tmRoot"/>
+      </p:par>
+    </p:tnLst>
+  </p:timing>
 </p:sld>
 </file>
 
@@ -6618,316 +7505,204 @@
       </p:grpSpPr>
       <p:sp>
         <p:nvSpPr>
-          <p:cNvPr id="2" name="标题 1"/>
-          <p:cNvSpPr>
-            <a:spLocks noGrp="1"/>
-          </p:cNvSpPr>
-          <p:nvPr>
-            <p:ph type="title"/>
-          </p:nvPr>
-        </p:nvSpPr>
-        <p:spPr/>
+          <p:cNvPr id="3" name="内容占位符 2"/>
+          <p:cNvSpPr>
+            <a:spLocks noGrp="1"/>
+          </p:cNvSpPr>
+          <p:nvPr>
+            <p:ph idx="1"/>
+          </p:nvPr>
+        </p:nvSpPr>
+        <p:spPr>
+          <a:xfrm>
+            <a:off x="800536" y="500583"/>
+            <a:ext cx="10489898" cy="5852091"/>
+          </a:xfrm>
+        </p:spPr>
         <p:txBody>
           <a:bodyPr>
-            <a:normAutofit/>
+            <a:normAutofit lnSpcReduction="10000"/>
           </a:bodyPr>
           <a:lstStyle/>
           <a:p>
             <a:r>
               <a:rPr lang="en-US" altLang="zh-CN" dirty="0"/>
-              <a:t/>
-            </a:r>
-            <a:br>
-              <a:rPr lang="en-US" altLang="zh-CN" dirty="0"/>
-            </a:br>
-            <a:endParaRPr lang="zh-CN" altLang="en-US" dirty="0"/>
-          </a:p>
-        </p:txBody>
-      </p:sp>
-      <p:sp>
-        <p:nvSpPr>
-          <p:cNvPr id="3" name="内容占位符 2"/>
-          <p:cNvSpPr>
-            <a:spLocks noGrp="1"/>
-          </p:cNvSpPr>
-          <p:nvPr>
-            <p:ph idx="1"/>
-          </p:nvPr>
-        </p:nvSpPr>
-        <p:spPr>
-          <a:xfrm>
-            <a:off x="291547" y="296586"/>
-            <a:ext cx="11754679" cy="6491840"/>
-          </a:xfrm>
-        </p:spPr>
-        <p:txBody>
-          <a:bodyPr>
-            <a:normAutofit/>
-          </a:bodyPr>
-          <a:lstStyle/>
-          <a:p>
-            <a:r>
-              <a:rPr lang="en-US" altLang="zh-CN" dirty="0" err="1"/>
-              <a:t>Git</a:t>
-            </a:r>
-            <a:r>
-              <a:rPr lang="en-US" altLang="zh-CN" dirty="0"/>
+              <a:t>Git add </a:t>
+            </a:r>
+          </a:p>
+          <a:p>
+            <a:pPr lvl="1"/>
+            <a:r>
+              <a:rPr lang="en-US" altLang="zh-CN" dirty="0" smtClean="0"/>
+              <a:t>do</a:t>
+            </a:r>
+            <a:r>
+              <a:rPr lang="zh-CN" altLang="en-US" dirty="0" smtClean="0"/>
               <a:t> </a:t>
             </a:r>
             <a:r>
               <a:rPr lang="en-US" altLang="zh-CN" dirty="0" smtClean="0"/>
-              <a:t>branch</a:t>
-            </a:r>
+              <a:t>hash-object</a:t>
+            </a:r>
+            <a:endParaRPr lang="en-US" altLang="zh-CN" dirty="0"/>
           </a:p>
           <a:p>
             <a:pPr lvl="1"/>
             <a:r>
+              <a:rPr lang="en-US" altLang="zh-CN" dirty="0" smtClean="0"/>
+              <a:t>rewrite</a:t>
+            </a:r>
+            <a:r>
               <a:rPr lang="zh-CN" altLang="en-US" dirty="0" smtClean="0"/>
-              <a:t>查看当前所有分支</a:t>
-            </a:r>
-            <a:endParaRPr lang="en-US" altLang="zh-CN" dirty="0" smtClean="0"/>
-          </a:p>
-          <a:p>
-            <a:pPr lvl="2"/>
-            <a:r>
-              <a:rPr lang="zh-CN" altLang="en-US" dirty="0" smtClean="0"/>
-              <a:t>查看 </a:t>
-            </a:r>
-            <a:r>
-              <a:rPr lang="en-US" altLang="zh-CN" dirty="0" smtClean="0"/>
-              <a:t>heads </a:t>
-            </a:r>
-            <a:r>
-              <a:rPr lang="zh-CN" altLang="en-US" dirty="0" smtClean="0"/>
-              <a:t>目录下的文件</a:t>
-            </a:r>
-            <a:endParaRPr lang="en-US" altLang="zh-CN" dirty="0" smtClean="0"/>
-          </a:p>
-          <a:p>
-            <a:pPr lvl="1"/>
-            <a:r>
-              <a:rPr lang="zh-CN" altLang="en-US" dirty="0" smtClean="0"/>
-              <a:t>创建 </a:t>
-            </a:r>
-            <a:r>
-              <a:rPr lang="en-US" altLang="zh-CN" dirty="0" smtClean="0"/>
-              <a:t>branch</a:t>
-            </a:r>
-          </a:p>
-          <a:p>
-            <a:pPr lvl="2"/>
-            <a:r>
-              <a:rPr lang="zh-CN" altLang="en-US" dirty="0" smtClean="0"/>
-              <a:t>创建一个文件设置个指定的</a:t>
-            </a:r>
-            <a:r>
-              <a:rPr lang="en-US" altLang="zh-CN" dirty="0" smtClean="0"/>
-              <a:t>hash</a:t>
-            </a:r>
-            <a:r>
-              <a:rPr lang="zh-CN" altLang="en-US" dirty="0" smtClean="0"/>
-              <a:t>，默认及当前</a:t>
-            </a:r>
-            <a:r>
-              <a:rPr lang="en-US" altLang="zh-CN" dirty="0" smtClean="0"/>
-              <a:t>head</a:t>
-            </a:r>
-          </a:p>
-          <a:p>
-            <a:pPr marL="0" indent="0">
-              <a:buNone/>
-            </a:pPr>
-            <a:endParaRPr lang="en-US" altLang="zh-CN" dirty="0"/>
-          </a:p>
-          <a:p>
-            <a:r>
-              <a:rPr lang="en-US" altLang="zh-CN" dirty="0" err="1" smtClean="0"/>
-              <a:t>Git</a:t>
-            </a:r>
-            <a:r>
-              <a:rPr lang="en-US" altLang="zh-CN" dirty="0" smtClean="0"/>
-              <a:t> checkout ref</a:t>
-            </a:r>
-            <a:endParaRPr lang="en-US" altLang="zh-CN" dirty="0"/>
-          </a:p>
-          <a:p>
-            <a:pPr lvl="1"/>
-            <a:r>
-              <a:rPr lang="zh-CN" altLang="en-US" dirty="0"/>
-              <a:t>获取当前</a:t>
-            </a:r>
-            <a:r>
-              <a:rPr lang="en-US" altLang="zh-CN" dirty="0"/>
-              <a:t>ref</a:t>
-            </a:r>
-            <a:r>
-              <a:rPr lang="zh-CN" altLang="en-US" dirty="0"/>
-              <a:t>的</a:t>
-            </a:r>
-            <a:r>
-              <a:rPr lang="en-US" altLang="zh-CN" dirty="0"/>
-              <a:t>hash-id</a:t>
-            </a:r>
-          </a:p>
-          <a:p>
-            <a:pPr lvl="1"/>
-            <a:r>
-              <a:rPr lang="zh-CN" altLang="en-US" dirty="0"/>
-              <a:t>根据 </a:t>
-            </a:r>
-            <a:r>
-              <a:rPr lang="en-US" altLang="zh-CN" dirty="0"/>
-              <a:t>hash-id </a:t>
-            </a:r>
-            <a:r>
-              <a:rPr lang="zh-CN" altLang="en-US" dirty="0"/>
-              <a:t>获取对应的 </a:t>
-            </a:r>
-            <a:r>
-              <a:rPr lang="en-US" altLang="zh-CN" dirty="0"/>
-              <a:t>commit</a:t>
-            </a:r>
-          </a:p>
-          <a:p>
-            <a:pPr lvl="1"/>
-            <a:r>
-              <a:rPr lang="en-US" altLang="zh-CN" dirty="0"/>
-              <a:t>Read tree </a:t>
-            </a:r>
-            <a:r>
-              <a:rPr lang="zh-CN" altLang="en-US" dirty="0"/>
-              <a:t>从而 </a:t>
-            </a:r>
-            <a:r>
-              <a:rPr lang="en-US" altLang="zh-CN" dirty="0"/>
-              <a:t>update Index </a:t>
-            </a:r>
-            <a:r>
-              <a:rPr lang="zh-CN" altLang="en-US" dirty="0"/>
-              <a:t>并 更新当前工作目录</a:t>
-            </a:r>
-            <a:endParaRPr lang="en-US" altLang="zh-CN" dirty="0"/>
-          </a:p>
-          <a:p>
-            <a:pPr lvl="1"/>
-            <a:r>
-              <a:rPr lang="zh-CN" altLang="en-US" dirty="0"/>
-              <a:t>根据获取</a:t>
-            </a:r>
-            <a:r>
-              <a:rPr lang="en-US" altLang="zh-CN" dirty="0"/>
-              <a:t>commit</a:t>
-            </a:r>
-            <a:r>
-              <a:rPr lang="zh-CN" altLang="en-US" dirty="0"/>
-              <a:t>的 </a:t>
-            </a:r>
-            <a:r>
-              <a:rPr lang="en-US" altLang="zh-CN" dirty="0"/>
-              <a:t>tree id  </a:t>
-            </a:r>
-          </a:p>
-          <a:p>
-            <a:pPr lvl="1"/>
-            <a:r>
-              <a:rPr lang="zh-CN" altLang="en-US" dirty="0"/>
-              <a:t>更新当前</a:t>
-            </a:r>
-            <a:r>
-              <a:rPr lang="en-US" altLang="zh-CN" dirty="0"/>
-              <a:t>head </a:t>
-            </a:r>
-            <a:r>
-              <a:rPr lang="zh-CN" altLang="en-US" dirty="0"/>
-              <a:t>为 </a:t>
-            </a:r>
-            <a:r>
-              <a:rPr lang="en-US" altLang="zh-CN" dirty="0"/>
-              <a:t>branch </a:t>
-            </a:r>
-            <a:r>
-              <a:rPr lang="zh-CN" altLang="en-US" dirty="0"/>
-              <a:t>或者 </a:t>
-            </a:r>
-            <a:r>
-              <a:rPr lang="en-US" altLang="zh-CN" dirty="0"/>
-              <a:t>commit id</a:t>
-            </a:r>
-          </a:p>
-          <a:p>
-            <a:endParaRPr lang="en-US" altLang="zh-CN" dirty="0" smtClean="0"/>
-          </a:p>
-          <a:p>
-            <a:pPr marL="228600" lvl="1">
-              <a:spcBef>
-                <a:spcPts val="1000"/>
-              </a:spcBef>
-            </a:pPr>
-            <a:r>
-              <a:rPr lang="en-US" altLang="zh-CN" dirty="0" err="1"/>
-              <a:t>Git</a:t>
-            </a:r>
-            <a:r>
-              <a:rPr lang="en-US" altLang="zh-CN" dirty="0"/>
               <a:t> </a:t>
             </a:r>
             <a:r>
               <a:rPr lang="en-US" altLang="zh-CN" dirty="0" smtClean="0"/>
-              <a:t>reset</a:t>
-            </a:r>
-          </a:p>
-          <a:p>
-            <a:pPr marL="685800" lvl="2">
-              <a:spcBef>
-                <a:spcPts val="1000"/>
-              </a:spcBef>
-            </a:pPr>
-            <a:r>
-              <a:rPr lang="zh-CN" altLang="en-US" dirty="0" smtClean="0"/>
-              <a:t>更新</a:t>
-            </a:r>
-            <a:r>
-              <a:rPr lang="en-US" altLang="zh-CN" dirty="0" smtClean="0"/>
-              <a:t>HEAD</a:t>
-            </a:r>
-            <a:r>
-              <a:rPr lang="zh-CN" altLang="en-US" dirty="0" smtClean="0"/>
-              <a:t>为指定的</a:t>
-            </a:r>
-            <a:r>
-              <a:rPr lang="en-US" altLang="zh-CN" dirty="0" smtClean="0"/>
-              <a:t>COMMIT id</a:t>
-            </a:r>
-            <a:endParaRPr lang="en-US" altLang="zh-CN" dirty="0"/>
-          </a:p>
-          <a:p>
-            <a:pPr lvl="1"/>
-            <a:endParaRPr lang="en-US" altLang="zh-CN" dirty="0" smtClean="0"/>
+              <a:t>INDEX</a:t>
+            </a:r>
           </a:p>
           <a:p>
             <a:pPr marL="457200" lvl="1" indent="0">
               <a:buNone/>
             </a:pPr>
+            <a:endParaRPr lang="en-US" altLang="zh-CN" dirty="0" smtClean="0"/>
+          </a:p>
+          <a:p>
+            <a:r>
+              <a:rPr lang="en-US" altLang="zh-CN" dirty="0" err="1"/>
+              <a:t>Git</a:t>
+            </a:r>
+            <a:r>
+              <a:rPr lang="en-US" altLang="zh-CN" dirty="0"/>
+              <a:t> </a:t>
+            </a:r>
+            <a:r>
+              <a:rPr lang="en-US" altLang="zh-CN" dirty="0" smtClean="0">
+                <a:hlinkClick r:id="rId2"/>
+              </a:rPr>
+              <a:t>update-index</a:t>
+            </a:r>
+            <a:r>
+              <a:rPr lang="en-US" altLang="zh-CN" dirty="0" smtClean="0"/>
+              <a:t> --add file</a:t>
+            </a:r>
             <a:endParaRPr lang="en-US" altLang="zh-CN" dirty="0"/>
           </a:p>
           <a:p>
-            <a:pPr marL="457200" lvl="1" indent="0">
-              <a:buNone/>
-            </a:pPr>
+            <a:pPr lvl="1"/>
+            <a:r>
+              <a:rPr lang="en-US" altLang="zh-CN" dirty="0" smtClean="0"/>
+              <a:t>Add blob into index file </a:t>
+            </a:r>
+            <a:r>
+              <a:rPr lang="zh-CN" altLang="en-US" dirty="0" smtClean="0"/>
+              <a:t> </a:t>
+            </a:r>
+            <a:endParaRPr lang="en-US" altLang="zh-CN" dirty="0" smtClean="0"/>
+          </a:p>
+          <a:p>
+            <a:pPr lvl="2"/>
             <a:endParaRPr lang="en-US" altLang="zh-CN" dirty="0"/>
           </a:p>
-        </p:txBody>
-      </p:sp>
+          <a:p>
+            <a:r>
+              <a:rPr lang="en-US" altLang="zh-CN" dirty="0"/>
+              <a:t>Git </a:t>
+            </a:r>
+            <a:r>
+              <a:rPr lang="en-US" altLang="zh-CN" dirty="0" smtClean="0"/>
+              <a:t>ls-stages</a:t>
+            </a:r>
+            <a:endParaRPr lang="en-US" altLang="zh-CN" dirty="0"/>
+          </a:p>
+          <a:p>
+            <a:pPr lvl="1"/>
+            <a:r>
+              <a:rPr lang="en-US" altLang="zh-CN" dirty="0" smtClean="0"/>
+              <a:t> check the stages file</a:t>
+            </a:r>
+            <a:endParaRPr lang="en-US" altLang="zh-CN" dirty="0"/>
+          </a:p>
+          <a:p>
+            <a:pPr lvl="1"/>
+            <a:endParaRPr lang="en-US" altLang="zh-CN" dirty="0" smtClean="0"/>
+          </a:p>
+          <a:p>
+            <a:pPr lvl="1"/>
+            <a:endParaRPr lang="en-US" altLang="zh-CN" dirty="0"/>
+          </a:p>
+          <a:p>
+            <a:pPr lvl="1"/>
+            <a:endParaRPr lang="en-US" altLang="zh-CN" dirty="0" smtClean="0"/>
+          </a:p>
+          <a:p>
+            <a:pPr lvl="1"/>
+            <a:endParaRPr lang="en-US" altLang="zh-CN" dirty="0"/>
+          </a:p>
+          <a:p>
+            <a:pPr lvl="1"/>
+            <a:endParaRPr lang="en-US" altLang="zh-CN" dirty="0" smtClean="0"/>
+          </a:p>
+          <a:p>
+            <a:r>
+              <a:rPr lang="en-US" altLang="zh-CN" dirty="0" smtClean="0">
+                <a:hlinkClick r:id="rId3"/>
+              </a:rPr>
+              <a:t>INDEX</a:t>
+            </a:r>
+            <a:r>
+              <a:rPr lang="en-US" altLang="zh-CN" dirty="0" smtClean="0"/>
+              <a:t> file format</a:t>
+            </a:r>
+            <a:endParaRPr lang="en-US" altLang="zh-CN" dirty="0"/>
+          </a:p>
+          <a:p>
+            <a:pPr lvl="2"/>
+            <a:endParaRPr lang="en-US" altLang="zh-CN" dirty="0" smtClean="0"/>
+          </a:p>
+        </p:txBody>
+      </p:sp>
+      <p:pic>
+        <p:nvPicPr>
+          <p:cNvPr id="4" name="图片 3"/>
+          <p:cNvPicPr>
+            <a:picLocks noChangeAspect="1"/>
+          </p:cNvPicPr>
+          <p:nvPr/>
+        </p:nvPicPr>
+        <p:blipFill>
+          <a:blip r:embed="rId4"/>
+          <a:stretch>
+            <a:fillRect/>
+          </a:stretch>
+        </p:blipFill>
+        <p:spPr>
+          <a:xfrm>
+            <a:off x="961610" y="4232813"/>
+            <a:ext cx="10730507" cy="1015048"/>
+          </a:xfrm>
+          <a:prstGeom prst="rect">
+            <a:avLst/>
+          </a:prstGeom>
+        </p:spPr>
+      </p:pic>
     </p:spTree>
     <p:extLst>
       <p:ext uri="{BB962C8B-B14F-4D97-AF65-F5344CB8AC3E}">
-        <p14:creationId xmlns:p14="http://schemas.microsoft.com/office/powerpoint/2010/main" val="1461498608"/>
+        <p14:creationId xmlns:p14="http://schemas.microsoft.com/office/powerpoint/2010/main" val="959556848"/>
       </p:ext>
     </p:extLst>
   </p:cSld>
   <p:clrMapOvr>
     <a:masterClrMapping/>
   </p:clrMapOvr>
+  <p:timing>
+    <p:tnLst>
+      <p:par>
+        <p:cTn id="1" dur="indefinite" restart="never" nodeType="tmRoot"/>
+      </p:par>
+    </p:tnLst>
+  </p:timing>
 </p:sld>
 </file>
 
@@ -6964,60 +7739,45 @@
           <a:lstStyle/>
           <a:p>
             <a:r>
-              <a:rPr lang="en-US" altLang="zh-CN" dirty="0" err="1" smtClean="0"/>
-              <a:t>Git</a:t>
-            </a:r>
-            <a:r>
-              <a:rPr lang="en-US" altLang="zh-CN" dirty="0" smtClean="0"/>
-              <a:t> </a:t>
-            </a:r>
-            <a:r>
-              <a:rPr lang="en-US" altLang="zh-CN" dirty="0" err="1" smtClean="0"/>
-              <a:t>gc</a:t>
-            </a:r>
-            <a:r>
-              <a:rPr lang="en-US" altLang="zh-CN" dirty="0" smtClean="0"/>
-              <a:t>  (push)</a:t>
-            </a:r>
-            <a:endParaRPr lang="zh-CN" altLang="en-US" dirty="0"/>
-          </a:p>
-        </p:txBody>
-      </p:sp>
-      <p:sp>
-        <p:nvSpPr>
-          <p:cNvPr id="3" name="内容占位符 2"/>
-          <p:cNvSpPr>
-            <a:spLocks noGrp="1"/>
-          </p:cNvSpPr>
-          <p:nvPr>
-            <p:ph idx="1"/>
-          </p:nvPr>
-        </p:nvSpPr>
-        <p:spPr/>
-        <p:txBody>
-          <a:bodyPr/>
-          <a:lstStyle/>
-          <a:p>
-            <a:r>
               <a:rPr lang="en-US" altLang="zh-CN" dirty="0" smtClean="0">
                 <a:hlinkClick r:id="rId2"/>
               </a:rPr>
-              <a:t>https</a:t>
-            </a:r>
-            <a:r>
-              <a:rPr lang="en-US" altLang="zh-CN" dirty="0">
+              <a:t>Git </a:t>
+            </a:r>
+            <a:r>
+              <a:rPr lang="en-US" altLang="zh-CN" dirty="0" err="1" smtClean="0">
                 <a:hlinkClick r:id="rId2"/>
               </a:rPr>
-              <a:t>://</a:t>
+              <a:t>gc</a:t>
             </a:r>
             <a:r>
               <a:rPr lang="en-US" altLang="zh-CN" dirty="0" smtClean="0">
                 <a:hlinkClick r:id="rId2"/>
               </a:rPr>
-              <a:t>git-scm.com/book/en/v2/Git-Internals-Packfiles</a:t>
-            </a:r>
-            <a:endParaRPr lang="en-US" altLang="zh-CN" dirty="0" smtClean="0"/>
-          </a:p>
+              <a:t>  </a:t>
+            </a:r>
+            <a:r>
+              <a:rPr lang="en-US" altLang="zh-CN" dirty="0" smtClean="0"/>
+              <a:t>(push)</a:t>
+            </a:r>
+            <a:endParaRPr lang="zh-CN" altLang="en-US" dirty="0"/>
+          </a:p>
+        </p:txBody>
+      </p:sp>
+      <p:sp>
+        <p:nvSpPr>
+          <p:cNvPr id="3" name="内容占位符 2"/>
+          <p:cNvSpPr>
+            <a:spLocks noGrp="1"/>
+          </p:cNvSpPr>
+          <p:nvPr>
+            <p:ph idx="1"/>
+          </p:nvPr>
+        </p:nvSpPr>
+        <p:spPr/>
+        <p:txBody>
+          <a:bodyPr/>
+          <a:lstStyle/>
           <a:p>
             <a:r>
               <a:rPr lang="en-US" altLang="zh-CN" dirty="0" err="1" smtClean="0"/>
@@ -7036,12 +7796,8 @@
           </a:p>
           <a:p>
             <a:r>
-              <a:rPr lang="en-US" altLang="zh-CN" dirty="0" err="1" smtClean="0"/>
-              <a:t>Git</a:t>
-            </a:r>
-            <a:r>
-              <a:rPr lang="en-US" altLang="zh-CN" dirty="0" smtClean="0"/>
-              <a:t> verify-pack –v .</a:t>
+              <a:rPr lang="en-US" altLang="zh-CN" dirty="0" smtClean="0"/>
+              <a:t>Git verify-pack –v .</a:t>
             </a:r>
             <a:r>
               <a:rPr lang="en-US" altLang="zh-CN" dirty="0" err="1" smtClean="0"/>
@@ -7056,7 +7812,58 @@
             <a:pPr lvl="1"/>
             <a:r>
               <a:rPr lang="en-US" altLang="zh-CN" dirty="0"/>
-              <a:t>What is also interesting is that the second version of the file is the one that is stored intact, whereas the original version is stored as a delta — this is because you’re most likely to need faster access to the most recent version of the file.</a:t>
+              <a:t>T</a:t>
+            </a:r>
+            <a:r>
+              <a:rPr lang="en-US" altLang="zh-CN" dirty="0" smtClean="0"/>
+              <a:t>he new </a:t>
+            </a:r>
+            <a:r>
+              <a:rPr lang="en-US" altLang="zh-CN" dirty="0"/>
+              <a:t>version of the file is the one </a:t>
+            </a:r>
+            <a:r>
+              <a:rPr lang="en-US" altLang="zh-CN" dirty="0" smtClean="0"/>
+              <a:t>that </a:t>
+            </a:r>
+            <a:r>
+              <a:rPr lang="en-US" altLang="zh-CN" dirty="0"/>
+              <a:t>is stored </a:t>
+            </a:r>
+            <a:r>
+              <a:rPr lang="en-US" altLang="zh-CN" dirty="0" smtClean="0"/>
+              <a:t>intact</a:t>
+            </a:r>
+            <a:endParaRPr lang="en-US" altLang="zh-CN" dirty="0"/>
+          </a:p>
+          <a:p>
+            <a:pPr lvl="1"/>
+            <a:r>
+              <a:rPr lang="en-US" altLang="zh-CN" dirty="0" smtClean="0"/>
+              <a:t>whereas </a:t>
+            </a:r>
+            <a:r>
+              <a:rPr lang="en-US" altLang="zh-CN" dirty="0"/>
+              <a:t>the original version is stored as a </a:t>
+            </a:r>
+            <a:r>
+              <a:rPr lang="en-US" altLang="zh-CN" dirty="0" smtClean="0"/>
+              <a:t>delta</a:t>
+            </a:r>
+          </a:p>
+          <a:p>
+            <a:pPr lvl="1"/>
+            <a:endParaRPr lang="en-US" altLang="zh-CN" dirty="0"/>
+          </a:p>
+          <a:p>
+            <a:pPr lvl="1"/>
+            <a:r>
+              <a:rPr lang="en-US" altLang="zh-CN" dirty="0" smtClean="0"/>
+              <a:t>this </a:t>
+            </a:r>
+            <a:r>
+              <a:rPr lang="en-US" altLang="zh-CN" dirty="0"/>
+              <a:t>is because you’re most likely to need faster access to the most recent version of the file.</a:t>
             </a:r>
             <a:endParaRPr lang="en-US" altLang="zh-CN" dirty="0" smtClean="0"/>
           </a:p>
@@ -7075,6 +7882,13 @@
   <p:clrMapOvr>
     <a:masterClrMapping/>
   </p:clrMapOvr>
+  <p:timing>
+    <p:tnLst>
+      <p:par>
+        <p:cTn id="1" dur="indefinite" restart="never" nodeType="tmRoot"/>
+      </p:par>
+    </p:tnLst>
+  </p:timing>
 </p:sld>
 </file>
 
